--- a/Presentation/ECON 422 - Presentation.pptx
+++ b/Presentation/ECON 422 - Presentation.pptx
@@ -5,20 +5,37 @@
     <p:sldMasterId id="2147483648" r:id="rId1"/>
   </p:sldMasterIdLst>
   <p:notesMasterIdLst>
-    <p:notesMasterId r:id="rId10"/>
+    <p:notesMasterId r:id="rId27"/>
   </p:notesMasterIdLst>
   <p:handoutMasterIdLst>
-    <p:handoutMasterId r:id="rId11"/>
+    <p:handoutMasterId r:id="rId28"/>
   </p:handoutMasterIdLst>
   <p:sldIdLst>
     <p:sldId id="256" r:id="rId2"/>
     <p:sldId id="257" r:id="rId3"/>
     <p:sldId id="258" r:id="rId4"/>
     <p:sldId id="259" r:id="rId5"/>
-    <p:sldId id="263" r:id="rId6"/>
+    <p:sldId id="261" r:id="rId6"/>
     <p:sldId id="260" r:id="rId7"/>
-    <p:sldId id="261" r:id="rId8"/>
-    <p:sldId id="262" r:id="rId9"/>
+    <p:sldId id="264" r:id="rId8"/>
+    <p:sldId id="263" r:id="rId9"/>
+    <p:sldId id="271" r:id="rId10"/>
+    <p:sldId id="272" r:id="rId11"/>
+    <p:sldId id="273" r:id="rId12"/>
+    <p:sldId id="275" r:id="rId13"/>
+    <p:sldId id="274" r:id="rId14"/>
+    <p:sldId id="280" r:id="rId15"/>
+    <p:sldId id="281" r:id="rId16"/>
+    <p:sldId id="285" r:id="rId17"/>
+    <p:sldId id="286" r:id="rId18"/>
+    <p:sldId id="283" r:id="rId19"/>
+    <p:sldId id="282" r:id="rId20"/>
+    <p:sldId id="265" r:id="rId21"/>
+    <p:sldId id="266" r:id="rId22"/>
+    <p:sldId id="267" r:id="rId23"/>
+    <p:sldId id="268" r:id="rId24"/>
+    <p:sldId id="269" r:id="rId25"/>
+    <p:sldId id="284" r:id="rId26"/>
   </p:sldIdLst>
   <p:sldSz cx="12192000" cy="6858000"/>
   <p:notesSz cx="6858000" cy="9144000"/>
@@ -219,7 +236,7 @@
           <a:p>
             <a:fld id="{982FCE09-69EB-409B-B46E-86C400058D4D}" type="datetimeFigureOut">
               <a:rPr lang="fr-FR" smtClean="0"/>
-              <a:t>01/03/2020</a:t>
+              <a:t>11/03/2020</a:t>
             </a:fld>
             <a:endParaRPr lang="fr-FR"/>
           </a:p>
@@ -397,7 +414,7 @@
           <a:p>
             <a:fld id="{2F2754CB-A04E-412E-B45F-3B1502A57DC4}" type="datetimeFigureOut">
               <a:rPr lang="fr-FR" smtClean="0"/>
-              <a:t>01/03/2020</a:t>
+              <a:t>11/03/2020</a:t>
             </a:fld>
             <a:endParaRPr lang="fr-FR"/>
           </a:p>
@@ -812,7 +829,7 @@
           <a:p>
             <a:fld id="{3A4986E0-B197-4A42-AFC9-F65B16A4DDD5}" type="datetime1">
               <a:rPr lang="fr-FR" smtClean="0"/>
-              <a:t>01/03/2020</a:t>
+              <a:t>11/03/2020</a:t>
             </a:fld>
             <a:endParaRPr lang="fr-FR"/>
           </a:p>
@@ -1010,7 +1027,7 @@
           <a:p>
             <a:fld id="{9075D1D2-B16C-4290-A51B-FE761D7F281E}" type="datetime1">
               <a:rPr lang="fr-FR" smtClean="0"/>
-              <a:t>01/03/2020</a:t>
+              <a:t>11/03/2020</a:t>
             </a:fld>
             <a:endParaRPr lang="fr-FR"/>
           </a:p>
@@ -1218,7 +1235,7 @@
           <a:p>
             <a:fld id="{5F208ACC-9473-4774-969F-4BA1E73BA6BA}" type="datetime1">
               <a:rPr lang="fr-FR" smtClean="0"/>
-              <a:t>01/03/2020</a:t>
+              <a:t>11/03/2020</a:t>
             </a:fld>
             <a:endParaRPr lang="fr-FR"/>
           </a:p>
@@ -1416,7 +1433,7 @@
           <a:p>
             <a:fld id="{5D6E53D7-C200-4A2F-B155-47BACE04076E}" type="datetime1">
               <a:rPr lang="fr-FR" smtClean="0"/>
-              <a:t>01/03/2020</a:t>
+              <a:t>11/03/2020</a:t>
             </a:fld>
             <a:endParaRPr lang="fr-FR"/>
           </a:p>
@@ -1691,7 +1708,7 @@
           <a:p>
             <a:fld id="{DBA80EFB-C7D1-4D44-8C0D-3BF5D2E72683}" type="datetime1">
               <a:rPr lang="fr-FR" smtClean="0"/>
-              <a:t>01/03/2020</a:t>
+              <a:t>11/03/2020</a:t>
             </a:fld>
             <a:endParaRPr lang="fr-FR"/>
           </a:p>
@@ -1956,7 +1973,7 @@
           <a:p>
             <a:fld id="{D384CE1C-E351-4FC7-8E1C-A5A22C23D03A}" type="datetime1">
               <a:rPr lang="fr-FR" smtClean="0"/>
-              <a:t>01/03/2020</a:t>
+              <a:t>11/03/2020</a:t>
             </a:fld>
             <a:endParaRPr lang="fr-FR"/>
           </a:p>
@@ -2368,7 +2385,7 @@
           <a:p>
             <a:fld id="{7B5DBFC7-9FAF-46CD-AFD3-B04B509F9E7E}" type="datetime1">
               <a:rPr lang="fr-FR" smtClean="0"/>
-              <a:t>01/03/2020</a:t>
+              <a:t>11/03/2020</a:t>
             </a:fld>
             <a:endParaRPr lang="fr-FR"/>
           </a:p>
@@ -2509,7 +2526,7 @@
           <a:p>
             <a:fld id="{A6BEDB1D-684A-4E73-94E3-985BE000F315}" type="datetime1">
               <a:rPr lang="fr-FR" smtClean="0"/>
-              <a:t>01/03/2020</a:t>
+              <a:t>11/03/2020</a:t>
             </a:fld>
             <a:endParaRPr lang="fr-FR"/>
           </a:p>
@@ -2622,7 +2639,7 @@
           <a:p>
             <a:fld id="{B6AA4410-3BBC-4F6D-9B81-6A04FFD330E8}" type="datetime1">
               <a:rPr lang="fr-FR" smtClean="0"/>
-              <a:t>01/03/2020</a:t>
+              <a:t>11/03/2020</a:t>
             </a:fld>
             <a:endParaRPr lang="fr-FR"/>
           </a:p>
@@ -2933,7 +2950,7 @@
           <a:p>
             <a:fld id="{ED1175E5-11D3-4B01-9FD5-051285980DA2}" type="datetime1">
               <a:rPr lang="fr-FR" smtClean="0"/>
-              <a:t>01/03/2020</a:t>
+              <a:t>11/03/2020</a:t>
             </a:fld>
             <a:endParaRPr lang="fr-FR"/>
           </a:p>
@@ -3221,7 +3238,7 @@
           <a:p>
             <a:fld id="{1A501AA6-9718-4E70-9157-E4D6AD72519A}" type="datetime1">
               <a:rPr lang="fr-FR" smtClean="0"/>
-              <a:t>01/03/2020</a:t>
+              <a:t>11/03/2020</a:t>
             </a:fld>
             <a:endParaRPr lang="fr-FR"/>
           </a:p>
@@ -3462,7 +3479,7 @@
           <a:p>
             <a:fld id="{D195C228-F671-4543-998E-A6E7B45C5688}" type="datetime1">
               <a:rPr lang="fr-FR" smtClean="0"/>
-              <a:t>01/03/2020</a:t>
+              <a:t>11/03/2020</a:t>
             </a:fld>
             <a:endParaRPr lang="fr-FR"/>
           </a:p>
@@ -4098,6 +4115,2511 @@
 </p:sld>
 </file>
 
+<file path=ppt/slides/slide10.xml><?xml version="1.0" encoding="utf-8"?>
+<p:sld xmlns:a="http://schemas.openxmlformats.org/drawingml/2006/main" xmlns:r="http://schemas.openxmlformats.org/officeDocument/2006/relationships" xmlns:p="http://schemas.openxmlformats.org/presentationml/2006/main">
+  <p:cSld>
+    <p:spTree>
+      <p:nvGrpSpPr>
+        <p:cNvPr id="1" name=""/>
+        <p:cNvGrpSpPr/>
+        <p:nvPr/>
+      </p:nvGrpSpPr>
+      <p:grpSpPr>
+        <a:xfrm>
+          <a:off x="0" y="0"/>
+          <a:ext cx="0" cy="0"/>
+          <a:chOff x="0" y="0"/>
+          <a:chExt cx="0" cy="0"/>
+        </a:xfrm>
+      </p:grpSpPr>
+      <p:sp>
+        <p:nvSpPr>
+          <p:cNvPr id="2" name="Titre 1">
+            <a:extLst>
+              <a:ext uri="{FF2B5EF4-FFF2-40B4-BE49-F238E27FC236}">
+                <a16:creationId xmlns:a16="http://schemas.microsoft.com/office/drawing/2014/main" id="{0805C1D6-D9B5-4534-94C2-3E57C7BACEBA}"/>
+              </a:ext>
+            </a:extLst>
+          </p:cNvPr>
+          <p:cNvSpPr>
+            <a:spLocks noGrp="1"/>
+          </p:cNvSpPr>
+          <p:nvPr>
+            <p:ph type="title"/>
+          </p:nvPr>
+        </p:nvSpPr>
+        <p:spPr/>
+        <p:txBody>
+          <a:bodyPr/>
+          <a:lstStyle/>
+          <a:p>
+            <a:r>
+              <a:rPr lang="fr-FR" dirty="0" err="1"/>
+              <a:t>Research</a:t>
+            </a:r>
+            <a:r>
+              <a:rPr lang="fr-FR" dirty="0"/>
+              <a:t> Project: </a:t>
+            </a:r>
+            <a:r>
+              <a:rPr lang="fr-FR" dirty="0" err="1"/>
+              <a:t>Presentation</a:t>
+            </a:r>
+            <a:endParaRPr lang="fr-FR" dirty="0"/>
+          </a:p>
+        </p:txBody>
+      </p:sp>
+      <p:sp>
+        <p:nvSpPr>
+          <p:cNvPr id="3" name="Espace réservé du contenu 2">
+            <a:extLst>
+              <a:ext uri="{FF2B5EF4-FFF2-40B4-BE49-F238E27FC236}">
+                <a16:creationId xmlns:a16="http://schemas.microsoft.com/office/drawing/2014/main" id="{C3EA1F46-CB7D-494D-BCFE-C224BB27EA89}"/>
+              </a:ext>
+            </a:extLst>
+          </p:cNvPr>
+          <p:cNvSpPr>
+            <a:spLocks noGrp="1"/>
+          </p:cNvSpPr>
+          <p:nvPr>
+            <p:ph idx="1"/>
+          </p:nvPr>
+        </p:nvSpPr>
+        <p:spPr>
+          <a:xfrm>
+            <a:off x="838200" y="1825625"/>
+            <a:ext cx="10515600" cy="1035021"/>
+          </a:xfrm>
+        </p:spPr>
+        <p:txBody>
+          <a:bodyPr/>
+          <a:lstStyle/>
+          <a:p>
+            <a:pPr marL="0" indent="0" algn="ctr">
+              <a:buNone/>
+            </a:pPr>
+            <a:r>
+              <a:rPr lang="en-US" sz="3200" dirty="0"/>
+              <a:t>Can we predict Tether’s market cap evolution using</a:t>
+            </a:r>
+            <a:br>
+              <a:rPr lang="en-US" sz="3200" dirty="0"/>
+            </a:br>
+            <a:r>
+              <a:rPr lang="en-US" sz="3200" dirty="0"/>
+              <a:t>other cryptocurrencies’s demand ? </a:t>
+            </a:r>
+            <a:endParaRPr lang="fr-FR" sz="3200" dirty="0"/>
+          </a:p>
+          <a:p>
+            <a:endParaRPr lang="fr-FR" dirty="0"/>
+          </a:p>
+        </p:txBody>
+      </p:sp>
+      <p:sp>
+        <p:nvSpPr>
+          <p:cNvPr id="4" name="Espace réservé du numéro de diapositive 3">
+            <a:extLst>
+              <a:ext uri="{FF2B5EF4-FFF2-40B4-BE49-F238E27FC236}">
+                <a16:creationId xmlns:a16="http://schemas.microsoft.com/office/drawing/2014/main" id="{C1B6CAFE-71D7-4F91-8F68-7AE4B314C968}"/>
+              </a:ext>
+            </a:extLst>
+          </p:cNvPr>
+          <p:cNvSpPr>
+            <a:spLocks noGrp="1"/>
+          </p:cNvSpPr>
+          <p:nvPr>
+            <p:ph type="sldNum" sz="quarter" idx="12"/>
+          </p:nvPr>
+        </p:nvSpPr>
+        <p:spPr/>
+        <p:txBody>
+          <a:bodyPr/>
+          <a:lstStyle/>
+          <a:p>
+            <a:fld id="{3BBC5373-DBF4-4701-8A2E-788485DDEAFD}" type="slidenum">
+              <a:rPr lang="fr-FR" smtClean="0"/>
+              <a:t>10</a:t>
+            </a:fld>
+            <a:endParaRPr lang="fr-FR"/>
+          </a:p>
+        </p:txBody>
+      </p:sp>
+      <p:sp>
+        <p:nvSpPr>
+          <p:cNvPr id="5" name="Espace réservé du contenu 2">
+            <a:extLst>
+              <a:ext uri="{FF2B5EF4-FFF2-40B4-BE49-F238E27FC236}">
+                <a16:creationId xmlns:a16="http://schemas.microsoft.com/office/drawing/2014/main" id="{A7F855E2-BC63-4991-8BEF-4FF522BF68A9}"/>
+              </a:ext>
+            </a:extLst>
+          </p:cNvPr>
+          <p:cNvSpPr txBox="1">
+            <a:spLocks/>
+          </p:cNvSpPr>
+          <p:nvPr/>
+        </p:nvSpPr>
+        <p:spPr>
+          <a:xfrm>
+            <a:off x="838200" y="2911489"/>
+            <a:ext cx="10515600" cy="1035021"/>
+          </a:xfrm>
+          <a:prstGeom prst="rect">
+            <a:avLst/>
+          </a:prstGeom>
+        </p:spPr>
+        <p:txBody>
+          <a:bodyPr/>
+          <a:lstStyle>
+            <a:lvl1pPr marL="228600" indent="-228600" algn="l" defTabSz="914400" rtl="0" eaLnBrk="1" latinLnBrk="0" hangingPunct="1">
+              <a:lnSpc>
+                <a:spcPct val="90000"/>
+              </a:lnSpc>
+              <a:spcBef>
+                <a:spcPts val="1000"/>
+              </a:spcBef>
+              <a:buFont typeface="Arial" panose="020B0604020202020204" pitchFamily="34" charset="0"/>
+              <a:buChar char="•"/>
+              <a:defRPr sz="2800" kern="1200">
+                <a:solidFill>
+                  <a:schemeClr val="tx1"/>
+                </a:solidFill>
+                <a:latin typeface="+mn-lt"/>
+                <a:ea typeface="+mn-ea"/>
+                <a:cs typeface="+mn-cs"/>
+              </a:defRPr>
+            </a:lvl1pPr>
+            <a:lvl2pPr marL="685800" indent="-228600" algn="l" defTabSz="914400" rtl="0" eaLnBrk="1" latinLnBrk="0" hangingPunct="1">
+              <a:lnSpc>
+                <a:spcPct val="90000"/>
+              </a:lnSpc>
+              <a:spcBef>
+                <a:spcPts val="500"/>
+              </a:spcBef>
+              <a:buFont typeface="Arial" panose="020B0604020202020204" pitchFamily="34" charset="0"/>
+              <a:buChar char="•"/>
+              <a:defRPr sz="2400" kern="1200">
+                <a:solidFill>
+                  <a:schemeClr val="tx1"/>
+                </a:solidFill>
+                <a:latin typeface="+mn-lt"/>
+                <a:ea typeface="+mn-ea"/>
+                <a:cs typeface="+mn-cs"/>
+              </a:defRPr>
+            </a:lvl2pPr>
+            <a:lvl3pPr marL="1143000" indent="-228600" algn="l" defTabSz="914400" rtl="0" eaLnBrk="1" latinLnBrk="0" hangingPunct="1">
+              <a:lnSpc>
+                <a:spcPct val="90000"/>
+              </a:lnSpc>
+              <a:spcBef>
+                <a:spcPts val="500"/>
+              </a:spcBef>
+              <a:buFont typeface="Arial" panose="020B0604020202020204" pitchFamily="34" charset="0"/>
+              <a:buChar char="•"/>
+              <a:defRPr sz="2000" kern="1200">
+                <a:solidFill>
+                  <a:schemeClr val="tx1"/>
+                </a:solidFill>
+                <a:latin typeface="+mn-lt"/>
+                <a:ea typeface="+mn-ea"/>
+                <a:cs typeface="+mn-cs"/>
+              </a:defRPr>
+            </a:lvl3pPr>
+            <a:lvl4pPr marL="1600200" indent="-228600" algn="l" defTabSz="914400" rtl="0" eaLnBrk="1" latinLnBrk="0" hangingPunct="1">
+              <a:lnSpc>
+                <a:spcPct val="90000"/>
+              </a:lnSpc>
+              <a:spcBef>
+                <a:spcPts val="500"/>
+              </a:spcBef>
+              <a:buFont typeface="Arial" panose="020B0604020202020204" pitchFamily="34" charset="0"/>
+              <a:buChar char="•"/>
+              <a:defRPr sz="1800" kern="1200">
+                <a:solidFill>
+                  <a:schemeClr val="tx1"/>
+                </a:solidFill>
+                <a:latin typeface="+mn-lt"/>
+                <a:ea typeface="+mn-ea"/>
+                <a:cs typeface="+mn-cs"/>
+              </a:defRPr>
+            </a:lvl4pPr>
+            <a:lvl5pPr marL="2057400" indent="-228600" algn="l" defTabSz="914400" rtl="0" eaLnBrk="1" latinLnBrk="0" hangingPunct="1">
+              <a:lnSpc>
+                <a:spcPct val="90000"/>
+              </a:lnSpc>
+              <a:spcBef>
+                <a:spcPts val="500"/>
+              </a:spcBef>
+              <a:buFont typeface="Arial" panose="020B0604020202020204" pitchFamily="34" charset="0"/>
+              <a:buChar char="•"/>
+              <a:defRPr sz="1800" kern="1200">
+                <a:solidFill>
+                  <a:schemeClr val="tx1"/>
+                </a:solidFill>
+                <a:latin typeface="+mn-lt"/>
+                <a:ea typeface="+mn-ea"/>
+                <a:cs typeface="+mn-cs"/>
+              </a:defRPr>
+            </a:lvl5pPr>
+            <a:lvl6pPr marL="2514600" indent="-228600" algn="l" defTabSz="914400" rtl="0" eaLnBrk="1" latinLnBrk="0" hangingPunct="1">
+              <a:lnSpc>
+                <a:spcPct val="90000"/>
+              </a:lnSpc>
+              <a:spcBef>
+                <a:spcPts val="500"/>
+              </a:spcBef>
+              <a:buFont typeface="Arial" panose="020B0604020202020204" pitchFamily="34" charset="0"/>
+              <a:buChar char="•"/>
+              <a:defRPr sz="1800" kern="1200">
+                <a:solidFill>
+                  <a:schemeClr val="tx1"/>
+                </a:solidFill>
+                <a:latin typeface="+mn-lt"/>
+                <a:ea typeface="+mn-ea"/>
+                <a:cs typeface="+mn-cs"/>
+              </a:defRPr>
+            </a:lvl6pPr>
+            <a:lvl7pPr marL="2971800" indent="-228600" algn="l" defTabSz="914400" rtl="0" eaLnBrk="1" latinLnBrk="0" hangingPunct="1">
+              <a:lnSpc>
+                <a:spcPct val="90000"/>
+              </a:lnSpc>
+              <a:spcBef>
+                <a:spcPts val="500"/>
+              </a:spcBef>
+              <a:buFont typeface="Arial" panose="020B0604020202020204" pitchFamily="34" charset="0"/>
+              <a:buChar char="•"/>
+              <a:defRPr sz="1800" kern="1200">
+                <a:solidFill>
+                  <a:schemeClr val="tx1"/>
+                </a:solidFill>
+                <a:latin typeface="+mn-lt"/>
+                <a:ea typeface="+mn-ea"/>
+                <a:cs typeface="+mn-cs"/>
+              </a:defRPr>
+            </a:lvl7pPr>
+            <a:lvl8pPr marL="3429000" indent="-228600" algn="l" defTabSz="914400" rtl="0" eaLnBrk="1" latinLnBrk="0" hangingPunct="1">
+              <a:lnSpc>
+                <a:spcPct val="90000"/>
+              </a:lnSpc>
+              <a:spcBef>
+                <a:spcPts val="500"/>
+              </a:spcBef>
+              <a:buFont typeface="Arial" panose="020B0604020202020204" pitchFamily="34" charset="0"/>
+              <a:buChar char="•"/>
+              <a:defRPr sz="1800" kern="1200">
+                <a:solidFill>
+                  <a:schemeClr val="tx1"/>
+                </a:solidFill>
+                <a:latin typeface="+mn-lt"/>
+                <a:ea typeface="+mn-ea"/>
+                <a:cs typeface="+mn-cs"/>
+              </a:defRPr>
+            </a:lvl8pPr>
+            <a:lvl9pPr marL="3886200" indent="-228600" algn="l" defTabSz="914400" rtl="0" eaLnBrk="1" latinLnBrk="0" hangingPunct="1">
+              <a:lnSpc>
+                <a:spcPct val="90000"/>
+              </a:lnSpc>
+              <a:spcBef>
+                <a:spcPts val="500"/>
+              </a:spcBef>
+              <a:buFont typeface="Arial" panose="020B0604020202020204" pitchFamily="34" charset="0"/>
+              <a:buChar char="•"/>
+              <a:defRPr sz="1800" kern="1200">
+                <a:solidFill>
+                  <a:schemeClr val="tx1"/>
+                </a:solidFill>
+                <a:latin typeface="+mn-lt"/>
+                <a:ea typeface="+mn-ea"/>
+                <a:cs typeface="+mn-cs"/>
+              </a:defRPr>
+            </a:lvl9pPr>
+          </a:lstStyle>
+          <a:p>
+            <a:pPr marL="0" indent="0">
+              <a:buFont typeface="Arial" panose="020B0604020202020204" pitchFamily="34" charset="0"/>
+              <a:buNone/>
+            </a:pPr>
+            <a:r>
+              <a:rPr lang="fr-FR" sz="3200" dirty="0" err="1"/>
+              <a:t>What</a:t>
+            </a:r>
+            <a:r>
+              <a:rPr lang="fr-FR" sz="3200" dirty="0"/>
+              <a:t> </a:t>
+            </a:r>
+            <a:r>
+              <a:rPr lang="fr-FR" sz="3200" dirty="0" err="1"/>
+              <a:t>does</a:t>
+            </a:r>
+            <a:r>
+              <a:rPr lang="fr-FR" sz="3200" dirty="0"/>
+              <a:t> </a:t>
+            </a:r>
+            <a:r>
+              <a:rPr lang="fr-FR" sz="3200" dirty="0" err="1"/>
+              <a:t>it</a:t>
+            </a:r>
+            <a:r>
+              <a:rPr lang="fr-FR" sz="3200" dirty="0"/>
+              <a:t> </a:t>
+            </a:r>
+            <a:r>
+              <a:rPr lang="fr-FR" sz="3200" dirty="0" err="1"/>
+              <a:t>mean</a:t>
+            </a:r>
+            <a:r>
+              <a:rPr lang="fr-FR" sz="3200" dirty="0"/>
+              <a:t> ?</a:t>
+            </a:r>
+          </a:p>
+          <a:p>
+            <a:endParaRPr lang="fr-FR" dirty="0"/>
+          </a:p>
+        </p:txBody>
+      </p:sp>
+      <p:sp>
+        <p:nvSpPr>
+          <p:cNvPr id="6" name="Espace réservé du contenu 2">
+            <a:extLst>
+              <a:ext uri="{FF2B5EF4-FFF2-40B4-BE49-F238E27FC236}">
+                <a16:creationId xmlns:a16="http://schemas.microsoft.com/office/drawing/2014/main" id="{3D448C21-F9EA-421E-9A13-19D012EEF7EB}"/>
+              </a:ext>
+            </a:extLst>
+          </p:cNvPr>
+          <p:cNvSpPr txBox="1">
+            <a:spLocks/>
+          </p:cNvSpPr>
+          <p:nvPr/>
+        </p:nvSpPr>
+        <p:spPr>
+          <a:xfrm>
+            <a:off x="838200" y="3810510"/>
+            <a:ext cx="10515600" cy="1035021"/>
+          </a:xfrm>
+          <a:prstGeom prst="rect">
+            <a:avLst/>
+          </a:prstGeom>
+        </p:spPr>
+        <p:txBody>
+          <a:bodyPr/>
+          <a:lstStyle>
+            <a:lvl1pPr marL="228600" indent="-228600" algn="l" defTabSz="914400" rtl="0" eaLnBrk="1" latinLnBrk="0" hangingPunct="1">
+              <a:lnSpc>
+                <a:spcPct val="90000"/>
+              </a:lnSpc>
+              <a:spcBef>
+                <a:spcPts val="1000"/>
+              </a:spcBef>
+              <a:buFont typeface="Arial" panose="020B0604020202020204" pitchFamily="34" charset="0"/>
+              <a:buChar char="•"/>
+              <a:defRPr sz="2800" kern="1200">
+                <a:solidFill>
+                  <a:schemeClr val="tx1"/>
+                </a:solidFill>
+                <a:latin typeface="+mn-lt"/>
+                <a:ea typeface="+mn-ea"/>
+                <a:cs typeface="+mn-cs"/>
+              </a:defRPr>
+            </a:lvl1pPr>
+            <a:lvl2pPr marL="685800" indent="-228600" algn="l" defTabSz="914400" rtl="0" eaLnBrk="1" latinLnBrk="0" hangingPunct="1">
+              <a:lnSpc>
+                <a:spcPct val="90000"/>
+              </a:lnSpc>
+              <a:spcBef>
+                <a:spcPts val="500"/>
+              </a:spcBef>
+              <a:buFont typeface="Arial" panose="020B0604020202020204" pitchFamily="34" charset="0"/>
+              <a:buChar char="•"/>
+              <a:defRPr sz="2400" kern="1200">
+                <a:solidFill>
+                  <a:schemeClr val="tx1"/>
+                </a:solidFill>
+                <a:latin typeface="+mn-lt"/>
+                <a:ea typeface="+mn-ea"/>
+                <a:cs typeface="+mn-cs"/>
+              </a:defRPr>
+            </a:lvl2pPr>
+            <a:lvl3pPr marL="1143000" indent="-228600" algn="l" defTabSz="914400" rtl="0" eaLnBrk="1" latinLnBrk="0" hangingPunct="1">
+              <a:lnSpc>
+                <a:spcPct val="90000"/>
+              </a:lnSpc>
+              <a:spcBef>
+                <a:spcPts val="500"/>
+              </a:spcBef>
+              <a:buFont typeface="Arial" panose="020B0604020202020204" pitchFamily="34" charset="0"/>
+              <a:buChar char="•"/>
+              <a:defRPr sz="2000" kern="1200">
+                <a:solidFill>
+                  <a:schemeClr val="tx1"/>
+                </a:solidFill>
+                <a:latin typeface="+mn-lt"/>
+                <a:ea typeface="+mn-ea"/>
+                <a:cs typeface="+mn-cs"/>
+              </a:defRPr>
+            </a:lvl3pPr>
+            <a:lvl4pPr marL="1600200" indent="-228600" algn="l" defTabSz="914400" rtl="0" eaLnBrk="1" latinLnBrk="0" hangingPunct="1">
+              <a:lnSpc>
+                <a:spcPct val="90000"/>
+              </a:lnSpc>
+              <a:spcBef>
+                <a:spcPts val="500"/>
+              </a:spcBef>
+              <a:buFont typeface="Arial" panose="020B0604020202020204" pitchFamily="34" charset="0"/>
+              <a:buChar char="•"/>
+              <a:defRPr sz="1800" kern="1200">
+                <a:solidFill>
+                  <a:schemeClr val="tx1"/>
+                </a:solidFill>
+                <a:latin typeface="+mn-lt"/>
+                <a:ea typeface="+mn-ea"/>
+                <a:cs typeface="+mn-cs"/>
+              </a:defRPr>
+            </a:lvl4pPr>
+            <a:lvl5pPr marL="2057400" indent="-228600" algn="l" defTabSz="914400" rtl="0" eaLnBrk="1" latinLnBrk="0" hangingPunct="1">
+              <a:lnSpc>
+                <a:spcPct val="90000"/>
+              </a:lnSpc>
+              <a:spcBef>
+                <a:spcPts val="500"/>
+              </a:spcBef>
+              <a:buFont typeface="Arial" panose="020B0604020202020204" pitchFamily="34" charset="0"/>
+              <a:buChar char="•"/>
+              <a:defRPr sz="1800" kern="1200">
+                <a:solidFill>
+                  <a:schemeClr val="tx1"/>
+                </a:solidFill>
+                <a:latin typeface="+mn-lt"/>
+                <a:ea typeface="+mn-ea"/>
+                <a:cs typeface="+mn-cs"/>
+              </a:defRPr>
+            </a:lvl5pPr>
+            <a:lvl6pPr marL="2514600" indent="-228600" algn="l" defTabSz="914400" rtl="0" eaLnBrk="1" latinLnBrk="0" hangingPunct="1">
+              <a:lnSpc>
+                <a:spcPct val="90000"/>
+              </a:lnSpc>
+              <a:spcBef>
+                <a:spcPts val="500"/>
+              </a:spcBef>
+              <a:buFont typeface="Arial" panose="020B0604020202020204" pitchFamily="34" charset="0"/>
+              <a:buChar char="•"/>
+              <a:defRPr sz="1800" kern="1200">
+                <a:solidFill>
+                  <a:schemeClr val="tx1"/>
+                </a:solidFill>
+                <a:latin typeface="+mn-lt"/>
+                <a:ea typeface="+mn-ea"/>
+                <a:cs typeface="+mn-cs"/>
+              </a:defRPr>
+            </a:lvl6pPr>
+            <a:lvl7pPr marL="2971800" indent="-228600" algn="l" defTabSz="914400" rtl="0" eaLnBrk="1" latinLnBrk="0" hangingPunct="1">
+              <a:lnSpc>
+                <a:spcPct val="90000"/>
+              </a:lnSpc>
+              <a:spcBef>
+                <a:spcPts val="500"/>
+              </a:spcBef>
+              <a:buFont typeface="Arial" panose="020B0604020202020204" pitchFamily="34" charset="0"/>
+              <a:buChar char="•"/>
+              <a:defRPr sz="1800" kern="1200">
+                <a:solidFill>
+                  <a:schemeClr val="tx1"/>
+                </a:solidFill>
+                <a:latin typeface="+mn-lt"/>
+                <a:ea typeface="+mn-ea"/>
+                <a:cs typeface="+mn-cs"/>
+              </a:defRPr>
+            </a:lvl7pPr>
+            <a:lvl8pPr marL="3429000" indent="-228600" algn="l" defTabSz="914400" rtl="0" eaLnBrk="1" latinLnBrk="0" hangingPunct="1">
+              <a:lnSpc>
+                <a:spcPct val="90000"/>
+              </a:lnSpc>
+              <a:spcBef>
+                <a:spcPts val="500"/>
+              </a:spcBef>
+              <a:buFont typeface="Arial" panose="020B0604020202020204" pitchFamily="34" charset="0"/>
+              <a:buChar char="•"/>
+              <a:defRPr sz="1800" kern="1200">
+                <a:solidFill>
+                  <a:schemeClr val="tx1"/>
+                </a:solidFill>
+                <a:latin typeface="+mn-lt"/>
+                <a:ea typeface="+mn-ea"/>
+                <a:cs typeface="+mn-cs"/>
+              </a:defRPr>
+            </a:lvl8pPr>
+            <a:lvl9pPr marL="3886200" indent="-228600" algn="l" defTabSz="914400" rtl="0" eaLnBrk="1" latinLnBrk="0" hangingPunct="1">
+              <a:lnSpc>
+                <a:spcPct val="90000"/>
+              </a:lnSpc>
+              <a:spcBef>
+                <a:spcPts val="500"/>
+              </a:spcBef>
+              <a:buFont typeface="Arial" panose="020B0604020202020204" pitchFamily="34" charset="0"/>
+              <a:buChar char="•"/>
+              <a:defRPr sz="1800" kern="1200">
+                <a:solidFill>
+                  <a:schemeClr val="tx1"/>
+                </a:solidFill>
+                <a:latin typeface="+mn-lt"/>
+                <a:ea typeface="+mn-ea"/>
+                <a:cs typeface="+mn-cs"/>
+              </a:defRPr>
+            </a:lvl9pPr>
+          </a:lstStyle>
+          <a:p>
+            <a:pPr marL="0" indent="0">
+              <a:buFont typeface="Arial" panose="020B0604020202020204" pitchFamily="34" charset="0"/>
+              <a:buNone/>
+            </a:pPr>
+            <a:r>
+              <a:rPr lang="fr-FR" sz="3200" dirty="0" err="1"/>
+              <a:t>Why</a:t>
+            </a:r>
+            <a:r>
+              <a:rPr lang="fr-FR" sz="3200" dirty="0"/>
+              <a:t> ?</a:t>
+            </a:r>
+          </a:p>
+          <a:p>
+            <a:endParaRPr lang="fr-FR" dirty="0"/>
+          </a:p>
+        </p:txBody>
+      </p:sp>
+    </p:spTree>
+    <p:extLst>
+      <p:ext uri="{BB962C8B-B14F-4D97-AF65-F5344CB8AC3E}">
+        <p14:creationId xmlns:p14="http://schemas.microsoft.com/office/powerpoint/2010/main" val="3097517063"/>
+      </p:ext>
+    </p:extLst>
+  </p:cSld>
+  <p:clrMapOvr>
+    <a:masterClrMapping/>
+  </p:clrMapOvr>
+</p:sld>
+</file>
+
+<file path=ppt/slides/slide11.xml><?xml version="1.0" encoding="utf-8"?>
+<p:sld xmlns:a="http://schemas.openxmlformats.org/drawingml/2006/main" xmlns:r="http://schemas.openxmlformats.org/officeDocument/2006/relationships" xmlns:p="http://schemas.openxmlformats.org/presentationml/2006/main">
+  <p:cSld>
+    <p:spTree>
+      <p:nvGrpSpPr>
+        <p:cNvPr id="1" name=""/>
+        <p:cNvGrpSpPr/>
+        <p:nvPr/>
+      </p:nvGrpSpPr>
+      <p:grpSpPr>
+        <a:xfrm>
+          <a:off x="0" y="0"/>
+          <a:ext cx="0" cy="0"/>
+          <a:chOff x="0" y="0"/>
+          <a:chExt cx="0" cy="0"/>
+        </a:xfrm>
+      </p:grpSpPr>
+      <p:sp>
+        <p:nvSpPr>
+          <p:cNvPr id="2" name="Titre 1">
+            <a:extLst>
+              <a:ext uri="{FF2B5EF4-FFF2-40B4-BE49-F238E27FC236}">
+                <a16:creationId xmlns:a16="http://schemas.microsoft.com/office/drawing/2014/main" id="{0805C1D6-D9B5-4534-94C2-3E57C7BACEBA}"/>
+              </a:ext>
+            </a:extLst>
+          </p:cNvPr>
+          <p:cNvSpPr>
+            <a:spLocks noGrp="1"/>
+          </p:cNvSpPr>
+          <p:nvPr>
+            <p:ph type="title"/>
+          </p:nvPr>
+        </p:nvSpPr>
+        <p:spPr/>
+        <p:txBody>
+          <a:bodyPr/>
+          <a:lstStyle/>
+          <a:p>
+            <a:r>
+              <a:rPr lang="fr-FR" dirty="0" err="1"/>
+              <a:t>Research</a:t>
+            </a:r>
+            <a:r>
+              <a:rPr lang="fr-FR" dirty="0"/>
+              <a:t> Project: The Data</a:t>
+            </a:r>
+          </a:p>
+        </p:txBody>
+      </p:sp>
+      <p:sp>
+        <p:nvSpPr>
+          <p:cNvPr id="3" name="Espace réservé du contenu 2">
+            <a:extLst>
+              <a:ext uri="{FF2B5EF4-FFF2-40B4-BE49-F238E27FC236}">
+                <a16:creationId xmlns:a16="http://schemas.microsoft.com/office/drawing/2014/main" id="{C3EA1F46-CB7D-494D-BCFE-C224BB27EA89}"/>
+              </a:ext>
+            </a:extLst>
+          </p:cNvPr>
+          <p:cNvSpPr>
+            <a:spLocks noGrp="1"/>
+          </p:cNvSpPr>
+          <p:nvPr>
+            <p:ph idx="1"/>
+          </p:nvPr>
+        </p:nvSpPr>
+        <p:spPr>
+          <a:xfrm>
+            <a:off x="838200" y="1825625"/>
+            <a:ext cx="10515600" cy="622011"/>
+          </a:xfrm>
+        </p:spPr>
+        <p:txBody>
+          <a:bodyPr/>
+          <a:lstStyle/>
+          <a:p>
+            <a:pPr marL="0" indent="0">
+              <a:buNone/>
+            </a:pPr>
+            <a:r>
+              <a:rPr lang="fr-FR" dirty="0"/>
+              <a:t>For </a:t>
+            </a:r>
+            <a:r>
+              <a:rPr lang="fr-FR" dirty="0" err="1"/>
+              <a:t>this</a:t>
+            </a:r>
+            <a:r>
+              <a:rPr lang="fr-FR" dirty="0"/>
+              <a:t> </a:t>
+            </a:r>
+            <a:r>
+              <a:rPr lang="fr-FR" dirty="0" err="1"/>
+              <a:t>project</a:t>
+            </a:r>
+            <a:r>
+              <a:rPr lang="fr-FR" dirty="0"/>
+              <a:t> </a:t>
+            </a:r>
+            <a:r>
+              <a:rPr lang="fr-FR" dirty="0" err="1"/>
+              <a:t>we</a:t>
+            </a:r>
+            <a:r>
+              <a:rPr lang="fr-FR" dirty="0"/>
+              <a:t> </a:t>
+            </a:r>
+            <a:r>
+              <a:rPr lang="fr-FR" dirty="0" err="1"/>
+              <a:t>used</a:t>
+            </a:r>
+            <a:r>
+              <a:rPr lang="fr-FR" dirty="0"/>
+              <a:t> </a:t>
+            </a:r>
+            <a:r>
+              <a:rPr lang="fr-FR" dirty="0" err="1"/>
+              <a:t>Coinmarketcap’s</a:t>
+            </a:r>
+            <a:r>
+              <a:rPr lang="fr-FR" dirty="0"/>
+              <a:t> data</a:t>
+            </a:r>
+          </a:p>
+        </p:txBody>
+      </p:sp>
+      <p:sp>
+        <p:nvSpPr>
+          <p:cNvPr id="4" name="Espace réservé du numéro de diapositive 3">
+            <a:extLst>
+              <a:ext uri="{FF2B5EF4-FFF2-40B4-BE49-F238E27FC236}">
+                <a16:creationId xmlns:a16="http://schemas.microsoft.com/office/drawing/2014/main" id="{C1B6CAFE-71D7-4F91-8F68-7AE4B314C968}"/>
+              </a:ext>
+            </a:extLst>
+          </p:cNvPr>
+          <p:cNvSpPr>
+            <a:spLocks noGrp="1"/>
+          </p:cNvSpPr>
+          <p:nvPr>
+            <p:ph type="sldNum" sz="quarter" idx="12"/>
+          </p:nvPr>
+        </p:nvSpPr>
+        <p:spPr/>
+        <p:txBody>
+          <a:bodyPr/>
+          <a:lstStyle/>
+          <a:p>
+            <a:fld id="{3BBC5373-DBF4-4701-8A2E-788485DDEAFD}" type="slidenum">
+              <a:rPr lang="fr-FR" smtClean="0"/>
+              <a:t>11</a:t>
+            </a:fld>
+            <a:endParaRPr lang="fr-FR"/>
+          </a:p>
+        </p:txBody>
+      </p:sp>
+      <p:pic>
+        <p:nvPicPr>
+          <p:cNvPr id="10" name="Image 9" descr="Une image contenant table&#10;&#10;Description générée automatiquement">
+            <a:extLst>
+              <a:ext uri="{FF2B5EF4-FFF2-40B4-BE49-F238E27FC236}">
+                <a16:creationId xmlns:a16="http://schemas.microsoft.com/office/drawing/2014/main" id="{7BCFDA00-C0DB-43C8-AB95-C04637D1F21E}"/>
+              </a:ext>
+            </a:extLst>
+          </p:cNvPr>
+          <p:cNvPicPr>
+            <a:picLocks noChangeAspect="1"/>
+          </p:cNvPicPr>
+          <p:nvPr/>
+        </p:nvPicPr>
+        <p:blipFill>
+          <a:blip r:embed="rId2">
+            <a:extLst>
+              <a:ext uri="{28A0092B-C50C-407E-A947-70E740481C1C}">
+                <a14:useLocalDpi xmlns:a14="http://schemas.microsoft.com/office/drawing/2010/main" val="0"/>
+              </a:ext>
+            </a:extLst>
+          </a:blip>
+          <a:stretch>
+            <a:fillRect/>
+          </a:stretch>
+        </p:blipFill>
+        <p:spPr>
+          <a:xfrm>
+            <a:off x="166254" y="2447636"/>
+            <a:ext cx="7619048" cy="3657143"/>
+          </a:xfrm>
+          <a:prstGeom prst="rect">
+            <a:avLst/>
+          </a:prstGeom>
+        </p:spPr>
+      </p:pic>
+      <p:sp>
+        <p:nvSpPr>
+          <p:cNvPr id="11" name="ZoneTexte 10">
+            <a:extLst>
+              <a:ext uri="{FF2B5EF4-FFF2-40B4-BE49-F238E27FC236}">
+                <a16:creationId xmlns:a16="http://schemas.microsoft.com/office/drawing/2014/main" id="{7D4228D7-46FE-4DDC-83A2-ABCA3406C327}"/>
+              </a:ext>
+            </a:extLst>
+          </p:cNvPr>
+          <p:cNvSpPr txBox="1"/>
+          <p:nvPr/>
+        </p:nvSpPr>
+        <p:spPr>
+          <a:xfrm>
+            <a:off x="8256833" y="3863517"/>
+            <a:ext cx="2625436" cy="830997"/>
+          </a:xfrm>
+          <a:prstGeom prst="rect">
+            <a:avLst/>
+          </a:prstGeom>
+          <a:noFill/>
+        </p:spPr>
+        <p:txBody>
+          <a:bodyPr wrap="square" rtlCol="0">
+            <a:spAutoFit/>
+          </a:bodyPr>
+          <a:lstStyle/>
+          <a:p>
+            <a:r>
+              <a:rPr lang="en-US" sz="2400" dirty="0"/>
+              <a:t>&gt; 5000 currencies</a:t>
+            </a:r>
+          </a:p>
+          <a:p>
+            <a:r>
+              <a:rPr lang="fr-FR" sz="2400" dirty="0"/>
+              <a:t>&gt; 300 platforms</a:t>
+            </a:r>
+          </a:p>
+        </p:txBody>
+      </p:sp>
+    </p:spTree>
+    <p:extLst>
+      <p:ext uri="{BB962C8B-B14F-4D97-AF65-F5344CB8AC3E}">
+        <p14:creationId xmlns:p14="http://schemas.microsoft.com/office/powerpoint/2010/main" val="4103135959"/>
+      </p:ext>
+    </p:extLst>
+  </p:cSld>
+  <p:clrMapOvr>
+    <a:masterClrMapping/>
+  </p:clrMapOvr>
+</p:sld>
+</file>
+
+<file path=ppt/slides/slide12.xml><?xml version="1.0" encoding="utf-8"?>
+<p:sld xmlns:a="http://schemas.openxmlformats.org/drawingml/2006/main" xmlns:r="http://schemas.openxmlformats.org/officeDocument/2006/relationships" xmlns:p="http://schemas.openxmlformats.org/presentationml/2006/main">
+  <p:cSld>
+    <p:spTree>
+      <p:nvGrpSpPr>
+        <p:cNvPr id="1" name=""/>
+        <p:cNvGrpSpPr/>
+        <p:nvPr/>
+      </p:nvGrpSpPr>
+      <p:grpSpPr>
+        <a:xfrm>
+          <a:off x="0" y="0"/>
+          <a:ext cx="0" cy="0"/>
+          <a:chOff x="0" y="0"/>
+          <a:chExt cx="0" cy="0"/>
+        </a:xfrm>
+      </p:grpSpPr>
+      <p:sp>
+        <p:nvSpPr>
+          <p:cNvPr id="2" name="Titre 1">
+            <a:extLst>
+              <a:ext uri="{FF2B5EF4-FFF2-40B4-BE49-F238E27FC236}">
+                <a16:creationId xmlns:a16="http://schemas.microsoft.com/office/drawing/2014/main" id="{0805C1D6-D9B5-4534-94C2-3E57C7BACEBA}"/>
+              </a:ext>
+            </a:extLst>
+          </p:cNvPr>
+          <p:cNvSpPr>
+            <a:spLocks noGrp="1"/>
+          </p:cNvSpPr>
+          <p:nvPr>
+            <p:ph type="title"/>
+          </p:nvPr>
+        </p:nvSpPr>
+        <p:spPr/>
+        <p:txBody>
+          <a:bodyPr/>
+          <a:lstStyle/>
+          <a:p>
+            <a:r>
+              <a:rPr lang="fr-FR" dirty="0" err="1"/>
+              <a:t>Research</a:t>
+            </a:r>
+            <a:r>
+              <a:rPr lang="fr-FR" dirty="0"/>
+              <a:t> Project: The Data</a:t>
+            </a:r>
+          </a:p>
+        </p:txBody>
+      </p:sp>
+      <p:sp>
+        <p:nvSpPr>
+          <p:cNvPr id="4" name="Espace réservé du numéro de diapositive 3">
+            <a:extLst>
+              <a:ext uri="{FF2B5EF4-FFF2-40B4-BE49-F238E27FC236}">
+                <a16:creationId xmlns:a16="http://schemas.microsoft.com/office/drawing/2014/main" id="{C1B6CAFE-71D7-4F91-8F68-7AE4B314C968}"/>
+              </a:ext>
+            </a:extLst>
+          </p:cNvPr>
+          <p:cNvSpPr>
+            <a:spLocks noGrp="1"/>
+          </p:cNvSpPr>
+          <p:nvPr>
+            <p:ph type="sldNum" sz="quarter" idx="12"/>
+          </p:nvPr>
+        </p:nvSpPr>
+        <p:spPr/>
+        <p:txBody>
+          <a:bodyPr/>
+          <a:lstStyle/>
+          <a:p>
+            <a:fld id="{3BBC5373-DBF4-4701-8A2E-788485DDEAFD}" type="slidenum">
+              <a:rPr lang="fr-FR" smtClean="0"/>
+              <a:t>12</a:t>
+            </a:fld>
+            <a:endParaRPr lang="fr-FR"/>
+          </a:p>
+        </p:txBody>
+      </p:sp>
+      <p:pic>
+        <p:nvPicPr>
+          <p:cNvPr id="14" name="Image 13" descr="Une image contenant capture d’écran, rue, cité&#10;&#10;Description générée automatiquement">
+            <a:extLst>
+              <a:ext uri="{FF2B5EF4-FFF2-40B4-BE49-F238E27FC236}">
+                <a16:creationId xmlns:a16="http://schemas.microsoft.com/office/drawing/2014/main" id="{AD158956-31A6-4150-99E7-64DE15972D56}"/>
+              </a:ext>
+            </a:extLst>
+          </p:cNvPr>
+          <p:cNvPicPr>
+            <a:picLocks noChangeAspect="1"/>
+          </p:cNvPicPr>
+          <p:nvPr/>
+        </p:nvPicPr>
+        <p:blipFill>
+          <a:blip r:embed="rId2">
+            <a:extLst>
+              <a:ext uri="{28A0092B-C50C-407E-A947-70E740481C1C}">
+                <a14:useLocalDpi xmlns:a14="http://schemas.microsoft.com/office/drawing/2010/main" val="0"/>
+              </a:ext>
+            </a:extLst>
+          </a:blip>
+          <a:stretch>
+            <a:fillRect/>
+          </a:stretch>
+        </p:blipFill>
+        <p:spPr>
+          <a:xfrm>
+            <a:off x="556936" y="1690688"/>
+            <a:ext cx="8984227" cy="2499372"/>
+          </a:xfrm>
+          <a:prstGeom prst="rect">
+            <a:avLst/>
+          </a:prstGeom>
+        </p:spPr>
+      </p:pic>
+      <p:pic>
+        <p:nvPicPr>
+          <p:cNvPr id="16" name="Image 15" descr="Une image contenant capture d’écran&#10;&#10;Description générée automatiquement">
+            <a:extLst>
+              <a:ext uri="{FF2B5EF4-FFF2-40B4-BE49-F238E27FC236}">
+                <a16:creationId xmlns:a16="http://schemas.microsoft.com/office/drawing/2014/main" id="{4E7923B1-6D7E-4957-AF86-A5F6FB9C26B5}"/>
+              </a:ext>
+            </a:extLst>
+          </p:cNvPr>
+          <p:cNvPicPr>
+            <a:picLocks noChangeAspect="1"/>
+          </p:cNvPicPr>
+          <p:nvPr/>
+        </p:nvPicPr>
+        <p:blipFill>
+          <a:blip r:embed="rId3">
+            <a:extLst>
+              <a:ext uri="{28A0092B-C50C-407E-A947-70E740481C1C}">
+                <a14:useLocalDpi xmlns:a14="http://schemas.microsoft.com/office/drawing/2010/main" val="0"/>
+              </a:ext>
+            </a:extLst>
+          </a:blip>
+          <a:stretch>
+            <a:fillRect/>
+          </a:stretch>
+        </p:blipFill>
+        <p:spPr>
+          <a:xfrm>
+            <a:off x="556937" y="4435035"/>
+            <a:ext cx="8984227" cy="1800242"/>
+          </a:xfrm>
+          <a:prstGeom prst="rect">
+            <a:avLst/>
+          </a:prstGeom>
+        </p:spPr>
+      </p:pic>
+    </p:spTree>
+    <p:extLst>
+      <p:ext uri="{BB962C8B-B14F-4D97-AF65-F5344CB8AC3E}">
+        <p14:creationId xmlns:p14="http://schemas.microsoft.com/office/powerpoint/2010/main" val="2832011753"/>
+      </p:ext>
+    </p:extLst>
+  </p:cSld>
+  <p:clrMapOvr>
+    <a:masterClrMapping/>
+  </p:clrMapOvr>
+</p:sld>
+</file>
+
+<file path=ppt/slides/slide13.xml><?xml version="1.0" encoding="utf-8"?>
+<p:sld xmlns:a="http://schemas.openxmlformats.org/drawingml/2006/main" xmlns:r="http://schemas.openxmlformats.org/officeDocument/2006/relationships" xmlns:p="http://schemas.openxmlformats.org/presentationml/2006/main">
+  <p:cSld>
+    <p:spTree>
+      <p:nvGrpSpPr>
+        <p:cNvPr id="1" name=""/>
+        <p:cNvGrpSpPr/>
+        <p:nvPr/>
+      </p:nvGrpSpPr>
+      <p:grpSpPr>
+        <a:xfrm>
+          <a:off x="0" y="0"/>
+          <a:ext cx="0" cy="0"/>
+          <a:chOff x="0" y="0"/>
+          <a:chExt cx="0" cy="0"/>
+        </a:xfrm>
+      </p:grpSpPr>
+      <p:sp>
+        <p:nvSpPr>
+          <p:cNvPr id="2" name="Titre 1">
+            <a:extLst>
+              <a:ext uri="{FF2B5EF4-FFF2-40B4-BE49-F238E27FC236}">
+                <a16:creationId xmlns:a16="http://schemas.microsoft.com/office/drawing/2014/main" id="{0805C1D6-D9B5-4534-94C2-3E57C7BACEBA}"/>
+              </a:ext>
+            </a:extLst>
+          </p:cNvPr>
+          <p:cNvSpPr>
+            <a:spLocks noGrp="1"/>
+          </p:cNvSpPr>
+          <p:nvPr>
+            <p:ph type="title"/>
+          </p:nvPr>
+        </p:nvSpPr>
+        <p:spPr/>
+        <p:txBody>
+          <a:bodyPr/>
+          <a:lstStyle/>
+          <a:p>
+            <a:r>
+              <a:rPr lang="fr-FR" dirty="0" err="1"/>
+              <a:t>Research</a:t>
+            </a:r>
+            <a:r>
+              <a:rPr lang="fr-FR" dirty="0"/>
+              <a:t> Project: The Data</a:t>
+            </a:r>
+          </a:p>
+        </p:txBody>
+      </p:sp>
+      <p:sp>
+        <p:nvSpPr>
+          <p:cNvPr id="4" name="Espace réservé du numéro de diapositive 3">
+            <a:extLst>
+              <a:ext uri="{FF2B5EF4-FFF2-40B4-BE49-F238E27FC236}">
+                <a16:creationId xmlns:a16="http://schemas.microsoft.com/office/drawing/2014/main" id="{C1B6CAFE-71D7-4F91-8F68-7AE4B314C968}"/>
+              </a:ext>
+            </a:extLst>
+          </p:cNvPr>
+          <p:cNvSpPr>
+            <a:spLocks noGrp="1"/>
+          </p:cNvSpPr>
+          <p:nvPr>
+            <p:ph type="sldNum" sz="quarter" idx="12"/>
+          </p:nvPr>
+        </p:nvSpPr>
+        <p:spPr/>
+        <p:txBody>
+          <a:bodyPr/>
+          <a:lstStyle/>
+          <a:p>
+            <a:fld id="{3BBC5373-DBF4-4701-8A2E-788485DDEAFD}" type="slidenum">
+              <a:rPr lang="fr-FR" smtClean="0"/>
+              <a:t>13</a:t>
+            </a:fld>
+            <a:endParaRPr lang="fr-FR"/>
+          </a:p>
+        </p:txBody>
+      </p:sp>
+      <p:pic>
+        <p:nvPicPr>
+          <p:cNvPr id="8" name="Image 7" descr="Une image contenant capture d’écran, texte&#10;&#10;Description générée automatiquement">
+            <a:extLst>
+              <a:ext uri="{FF2B5EF4-FFF2-40B4-BE49-F238E27FC236}">
+                <a16:creationId xmlns:a16="http://schemas.microsoft.com/office/drawing/2014/main" id="{C82AF44A-C914-43A5-AC71-DFD427974431}"/>
+              </a:ext>
+            </a:extLst>
+          </p:cNvPr>
+          <p:cNvPicPr>
+            <a:picLocks noChangeAspect="1"/>
+          </p:cNvPicPr>
+          <p:nvPr/>
+        </p:nvPicPr>
+        <p:blipFill>
+          <a:blip r:embed="rId2">
+            <a:extLst>
+              <a:ext uri="{28A0092B-C50C-407E-A947-70E740481C1C}">
+                <a14:useLocalDpi xmlns:a14="http://schemas.microsoft.com/office/drawing/2010/main" val="0"/>
+              </a:ext>
+            </a:extLst>
+          </a:blip>
+          <a:stretch>
+            <a:fillRect/>
+          </a:stretch>
+        </p:blipFill>
+        <p:spPr>
+          <a:xfrm>
+            <a:off x="79540" y="4309685"/>
+            <a:ext cx="5645481" cy="2327452"/>
+          </a:xfrm>
+          <a:prstGeom prst="rect">
+            <a:avLst/>
+          </a:prstGeom>
+        </p:spPr>
+      </p:pic>
+      <p:pic>
+        <p:nvPicPr>
+          <p:cNvPr id="10" name="Image 9">
+            <a:extLst>
+              <a:ext uri="{FF2B5EF4-FFF2-40B4-BE49-F238E27FC236}">
+                <a16:creationId xmlns:a16="http://schemas.microsoft.com/office/drawing/2014/main" id="{3222A81B-A17F-434E-BBDA-4C2B41D5F562}"/>
+              </a:ext>
+            </a:extLst>
+          </p:cNvPr>
+          <p:cNvPicPr>
+            <a:picLocks noChangeAspect="1"/>
+          </p:cNvPicPr>
+          <p:nvPr/>
+        </p:nvPicPr>
+        <p:blipFill>
+          <a:blip r:embed="rId3">
+            <a:extLst>
+              <a:ext uri="{28A0092B-C50C-407E-A947-70E740481C1C}">
+                <a14:useLocalDpi xmlns:a14="http://schemas.microsoft.com/office/drawing/2010/main" val="0"/>
+              </a:ext>
+            </a:extLst>
+          </a:blip>
+          <a:stretch>
+            <a:fillRect/>
+          </a:stretch>
+        </p:blipFill>
+        <p:spPr>
+          <a:xfrm>
+            <a:off x="159081" y="1524639"/>
+            <a:ext cx="5486400" cy="2692681"/>
+          </a:xfrm>
+          <a:prstGeom prst="rect">
+            <a:avLst/>
+          </a:prstGeom>
+        </p:spPr>
+      </p:pic>
+      <p:pic>
+        <p:nvPicPr>
+          <p:cNvPr id="14" name="Image 13">
+            <a:extLst>
+              <a:ext uri="{FF2B5EF4-FFF2-40B4-BE49-F238E27FC236}">
+                <a16:creationId xmlns:a16="http://schemas.microsoft.com/office/drawing/2014/main" id="{63003EEE-60F4-4578-B550-7A42BB3A1E63}"/>
+              </a:ext>
+            </a:extLst>
+          </p:cNvPr>
+          <p:cNvPicPr>
+            <a:picLocks noChangeAspect="1"/>
+          </p:cNvPicPr>
+          <p:nvPr/>
+        </p:nvPicPr>
+        <p:blipFill>
+          <a:blip r:embed="rId4">
+            <a:extLst>
+              <a:ext uri="{28A0092B-C50C-407E-A947-70E740481C1C}">
+                <a14:useLocalDpi xmlns:a14="http://schemas.microsoft.com/office/drawing/2010/main" val="0"/>
+              </a:ext>
+            </a:extLst>
+          </a:blip>
+          <a:stretch>
+            <a:fillRect/>
+          </a:stretch>
+        </p:blipFill>
+        <p:spPr>
+          <a:xfrm>
+            <a:off x="6324600" y="1298989"/>
+            <a:ext cx="5430008" cy="5449060"/>
+          </a:xfrm>
+          <a:prstGeom prst="rect">
+            <a:avLst/>
+          </a:prstGeom>
+        </p:spPr>
+      </p:pic>
+    </p:spTree>
+    <p:extLst>
+      <p:ext uri="{BB962C8B-B14F-4D97-AF65-F5344CB8AC3E}">
+        <p14:creationId xmlns:p14="http://schemas.microsoft.com/office/powerpoint/2010/main" val="422175962"/>
+      </p:ext>
+    </p:extLst>
+  </p:cSld>
+  <p:clrMapOvr>
+    <a:masterClrMapping/>
+  </p:clrMapOvr>
+</p:sld>
+</file>
+
+<file path=ppt/slides/slide14.xml><?xml version="1.0" encoding="utf-8"?>
+<p:sld xmlns:a="http://schemas.openxmlformats.org/drawingml/2006/main" xmlns:r="http://schemas.openxmlformats.org/officeDocument/2006/relationships" xmlns:p="http://schemas.openxmlformats.org/presentationml/2006/main">
+  <p:cSld>
+    <p:spTree>
+      <p:nvGrpSpPr>
+        <p:cNvPr id="1" name=""/>
+        <p:cNvGrpSpPr/>
+        <p:nvPr/>
+      </p:nvGrpSpPr>
+      <p:grpSpPr>
+        <a:xfrm>
+          <a:off x="0" y="0"/>
+          <a:ext cx="0" cy="0"/>
+          <a:chOff x="0" y="0"/>
+          <a:chExt cx="0" cy="0"/>
+        </a:xfrm>
+      </p:grpSpPr>
+      <p:sp>
+        <p:nvSpPr>
+          <p:cNvPr id="2" name="Titre 1">
+            <a:extLst>
+              <a:ext uri="{FF2B5EF4-FFF2-40B4-BE49-F238E27FC236}">
+                <a16:creationId xmlns:a16="http://schemas.microsoft.com/office/drawing/2014/main" id="{0805C1D6-D9B5-4534-94C2-3E57C7BACEBA}"/>
+              </a:ext>
+            </a:extLst>
+          </p:cNvPr>
+          <p:cNvSpPr>
+            <a:spLocks noGrp="1"/>
+          </p:cNvSpPr>
+          <p:nvPr>
+            <p:ph type="title"/>
+          </p:nvPr>
+        </p:nvSpPr>
+        <p:spPr/>
+        <p:txBody>
+          <a:bodyPr/>
+          <a:lstStyle/>
+          <a:p>
+            <a:r>
+              <a:rPr lang="fr-FR" dirty="0" err="1"/>
+              <a:t>Research</a:t>
+            </a:r>
+            <a:r>
+              <a:rPr lang="fr-FR" dirty="0"/>
+              <a:t> Project: The Data</a:t>
+            </a:r>
+          </a:p>
+        </p:txBody>
+      </p:sp>
+      <p:sp>
+        <p:nvSpPr>
+          <p:cNvPr id="4" name="Espace réservé du numéro de diapositive 3">
+            <a:extLst>
+              <a:ext uri="{FF2B5EF4-FFF2-40B4-BE49-F238E27FC236}">
+                <a16:creationId xmlns:a16="http://schemas.microsoft.com/office/drawing/2014/main" id="{C1B6CAFE-71D7-4F91-8F68-7AE4B314C968}"/>
+              </a:ext>
+            </a:extLst>
+          </p:cNvPr>
+          <p:cNvSpPr>
+            <a:spLocks noGrp="1"/>
+          </p:cNvSpPr>
+          <p:nvPr>
+            <p:ph type="sldNum" sz="quarter" idx="12"/>
+          </p:nvPr>
+        </p:nvSpPr>
+        <p:spPr/>
+        <p:txBody>
+          <a:bodyPr/>
+          <a:lstStyle/>
+          <a:p>
+            <a:fld id="{3BBC5373-DBF4-4701-8A2E-788485DDEAFD}" type="slidenum">
+              <a:rPr lang="fr-FR" smtClean="0"/>
+              <a:t>14</a:t>
+            </a:fld>
+            <a:endParaRPr lang="fr-FR"/>
+          </a:p>
+        </p:txBody>
+      </p:sp>
+      <p:pic>
+        <p:nvPicPr>
+          <p:cNvPr id="11" name="Image 10">
+            <a:extLst>
+              <a:ext uri="{FF2B5EF4-FFF2-40B4-BE49-F238E27FC236}">
+                <a16:creationId xmlns:a16="http://schemas.microsoft.com/office/drawing/2014/main" id="{B9BA5300-B887-4C39-AEE5-DC67B2583C06}"/>
+              </a:ext>
+            </a:extLst>
+          </p:cNvPr>
+          <p:cNvPicPr>
+            <a:picLocks noChangeAspect="1"/>
+          </p:cNvPicPr>
+          <p:nvPr/>
+        </p:nvPicPr>
+        <p:blipFill>
+          <a:blip r:embed="rId2">
+            <a:extLst>
+              <a:ext uri="{28A0092B-C50C-407E-A947-70E740481C1C}">
+                <a14:useLocalDpi xmlns:a14="http://schemas.microsoft.com/office/drawing/2010/main" val="0"/>
+              </a:ext>
+            </a:extLst>
+          </a:blip>
+          <a:srcRect/>
+          <a:stretch>
+            <a:fillRect/>
+          </a:stretch>
+        </p:blipFill>
+        <p:spPr bwMode="auto">
+          <a:xfrm>
+            <a:off x="7054913" y="1335269"/>
+            <a:ext cx="4298887" cy="2601688"/>
+          </a:xfrm>
+          <a:prstGeom prst="rect">
+            <a:avLst/>
+          </a:prstGeom>
+          <a:noFill/>
+          <a:ln>
+            <a:noFill/>
+          </a:ln>
+        </p:spPr>
+      </p:pic>
+      <p:sp>
+        <p:nvSpPr>
+          <p:cNvPr id="5" name="ZoneTexte 4">
+            <a:extLst>
+              <a:ext uri="{FF2B5EF4-FFF2-40B4-BE49-F238E27FC236}">
+                <a16:creationId xmlns:a16="http://schemas.microsoft.com/office/drawing/2014/main" id="{0466E634-6D5C-46F5-BF5A-A7A2B02BC185}"/>
+              </a:ext>
+            </a:extLst>
+          </p:cNvPr>
+          <p:cNvSpPr txBox="1"/>
+          <p:nvPr/>
+        </p:nvSpPr>
+        <p:spPr>
+          <a:xfrm>
+            <a:off x="6297168" y="2551712"/>
+            <a:ext cx="768096" cy="369332"/>
+          </a:xfrm>
+          <a:prstGeom prst="rect">
+            <a:avLst/>
+          </a:prstGeom>
+          <a:noFill/>
+        </p:spPr>
+        <p:txBody>
+          <a:bodyPr wrap="square" rtlCol="0">
+            <a:spAutoFit/>
+          </a:bodyPr>
+          <a:lstStyle/>
+          <a:p>
+            <a:r>
+              <a:rPr lang="fr-FR" dirty="0" err="1"/>
+              <a:t>Ripple</a:t>
+            </a:r>
+            <a:endParaRPr lang="fr-FR" dirty="0"/>
+          </a:p>
+        </p:txBody>
+      </p:sp>
+      <p:pic>
+        <p:nvPicPr>
+          <p:cNvPr id="12" name="Image 11">
+            <a:extLst>
+              <a:ext uri="{FF2B5EF4-FFF2-40B4-BE49-F238E27FC236}">
+                <a16:creationId xmlns:a16="http://schemas.microsoft.com/office/drawing/2014/main" id="{C1157E5C-E1CB-4B38-BA34-CBAD815C7754}"/>
+              </a:ext>
+            </a:extLst>
+          </p:cNvPr>
+          <p:cNvPicPr>
+            <a:picLocks noChangeAspect="1"/>
+          </p:cNvPicPr>
+          <p:nvPr/>
+        </p:nvPicPr>
+        <p:blipFill>
+          <a:blip r:embed="rId3">
+            <a:extLst>
+              <a:ext uri="{28A0092B-C50C-407E-A947-70E740481C1C}">
+                <a14:useLocalDpi xmlns:a14="http://schemas.microsoft.com/office/drawing/2010/main" val="0"/>
+              </a:ext>
+            </a:extLst>
+          </a:blip>
+          <a:srcRect/>
+          <a:stretch>
+            <a:fillRect/>
+          </a:stretch>
+        </p:blipFill>
+        <p:spPr bwMode="auto">
+          <a:xfrm>
+            <a:off x="1395984" y="1335536"/>
+            <a:ext cx="4299632" cy="2601688"/>
+          </a:xfrm>
+          <a:prstGeom prst="rect">
+            <a:avLst/>
+          </a:prstGeom>
+          <a:noFill/>
+          <a:ln>
+            <a:noFill/>
+          </a:ln>
+        </p:spPr>
+      </p:pic>
+      <p:sp>
+        <p:nvSpPr>
+          <p:cNvPr id="13" name="ZoneTexte 12">
+            <a:extLst>
+              <a:ext uri="{FF2B5EF4-FFF2-40B4-BE49-F238E27FC236}">
+                <a16:creationId xmlns:a16="http://schemas.microsoft.com/office/drawing/2014/main" id="{EA4B5D4E-DCF4-407E-9A6B-37F9256BA248}"/>
+              </a:ext>
+            </a:extLst>
+          </p:cNvPr>
+          <p:cNvSpPr txBox="1"/>
+          <p:nvPr/>
+        </p:nvSpPr>
+        <p:spPr>
+          <a:xfrm>
+            <a:off x="411520" y="2486749"/>
+            <a:ext cx="844296" cy="369332"/>
+          </a:xfrm>
+          <a:prstGeom prst="rect">
+            <a:avLst/>
+          </a:prstGeom>
+          <a:noFill/>
+        </p:spPr>
+        <p:txBody>
+          <a:bodyPr wrap="square" rtlCol="0">
+            <a:spAutoFit/>
+          </a:bodyPr>
+          <a:lstStyle/>
+          <a:p>
+            <a:r>
+              <a:rPr lang="fr-FR" dirty="0" err="1"/>
+              <a:t>Stellar</a:t>
+            </a:r>
+            <a:endParaRPr lang="fr-FR" dirty="0"/>
+          </a:p>
+        </p:txBody>
+      </p:sp>
+      <p:pic>
+        <p:nvPicPr>
+          <p:cNvPr id="18" name="Image 17">
+            <a:extLst>
+              <a:ext uri="{FF2B5EF4-FFF2-40B4-BE49-F238E27FC236}">
+                <a16:creationId xmlns:a16="http://schemas.microsoft.com/office/drawing/2014/main" id="{27610600-8934-4202-8736-15818B1A1730}"/>
+              </a:ext>
+            </a:extLst>
+          </p:cNvPr>
+          <p:cNvPicPr>
+            <a:picLocks noChangeAspect="1"/>
+          </p:cNvPicPr>
+          <p:nvPr/>
+        </p:nvPicPr>
+        <p:blipFill>
+          <a:blip r:embed="rId4">
+            <a:extLst>
+              <a:ext uri="{28A0092B-C50C-407E-A947-70E740481C1C}">
+                <a14:useLocalDpi xmlns:a14="http://schemas.microsoft.com/office/drawing/2010/main" val="0"/>
+              </a:ext>
+            </a:extLst>
+          </a:blip>
+          <a:srcRect/>
+          <a:stretch>
+            <a:fillRect/>
+          </a:stretch>
+        </p:blipFill>
+        <p:spPr bwMode="auto">
+          <a:xfrm>
+            <a:off x="7242869" y="3781532"/>
+            <a:ext cx="4176146" cy="2533015"/>
+          </a:xfrm>
+          <a:prstGeom prst="rect">
+            <a:avLst/>
+          </a:prstGeom>
+          <a:noFill/>
+          <a:ln>
+            <a:noFill/>
+          </a:ln>
+        </p:spPr>
+      </p:pic>
+      <p:sp>
+        <p:nvSpPr>
+          <p:cNvPr id="19" name="ZoneTexte 18">
+            <a:extLst>
+              <a:ext uri="{FF2B5EF4-FFF2-40B4-BE49-F238E27FC236}">
+                <a16:creationId xmlns:a16="http://schemas.microsoft.com/office/drawing/2014/main" id="{3C981717-4579-431B-984B-CE64CEE6ECE3}"/>
+              </a:ext>
+            </a:extLst>
+          </p:cNvPr>
+          <p:cNvSpPr txBox="1"/>
+          <p:nvPr/>
+        </p:nvSpPr>
+        <p:spPr>
+          <a:xfrm>
+            <a:off x="6297168" y="4733285"/>
+            <a:ext cx="1112520" cy="369332"/>
+          </a:xfrm>
+          <a:prstGeom prst="rect">
+            <a:avLst/>
+          </a:prstGeom>
+          <a:noFill/>
+        </p:spPr>
+        <p:txBody>
+          <a:bodyPr wrap="square" rtlCol="0">
+            <a:spAutoFit/>
+          </a:bodyPr>
+          <a:lstStyle/>
+          <a:p>
+            <a:r>
+              <a:rPr lang="fr-FR" dirty="0" err="1"/>
+              <a:t>Ethereum</a:t>
+            </a:r>
+            <a:endParaRPr lang="fr-FR" dirty="0"/>
+          </a:p>
+        </p:txBody>
+      </p:sp>
+      <p:pic>
+        <p:nvPicPr>
+          <p:cNvPr id="20" name="Image 19">
+            <a:extLst>
+              <a:ext uri="{FF2B5EF4-FFF2-40B4-BE49-F238E27FC236}">
+                <a16:creationId xmlns:a16="http://schemas.microsoft.com/office/drawing/2014/main" id="{CAA2BAA6-D3D4-47D0-B4EE-A423C8FDB690}"/>
+              </a:ext>
+            </a:extLst>
+          </p:cNvPr>
+          <p:cNvPicPr>
+            <a:picLocks noChangeAspect="1"/>
+          </p:cNvPicPr>
+          <p:nvPr/>
+        </p:nvPicPr>
+        <p:blipFill>
+          <a:blip r:embed="rId5">
+            <a:extLst>
+              <a:ext uri="{28A0092B-C50C-407E-A947-70E740481C1C}">
+                <a14:useLocalDpi xmlns:a14="http://schemas.microsoft.com/office/drawing/2010/main" val="0"/>
+              </a:ext>
+            </a:extLst>
+          </a:blip>
+          <a:srcRect/>
+          <a:stretch>
+            <a:fillRect/>
+          </a:stretch>
+        </p:blipFill>
+        <p:spPr bwMode="auto">
+          <a:xfrm>
+            <a:off x="1396728" y="3680489"/>
+            <a:ext cx="4298888" cy="2601565"/>
+          </a:xfrm>
+          <a:prstGeom prst="rect">
+            <a:avLst/>
+          </a:prstGeom>
+          <a:noFill/>
+          <a:ln>
+            <a:noFill/>
+          </a:ln>
+        </p:spPr>
+      </p:pic>
+      <p:sp>
+        <p:nvSpPr>
+          <p:cNvPr id="21" name="ZoneTexte 20">
+            <a:extLst>
+              <a:ext uri="{FF2B5EF4-FFF2-40B4-BE49-F238E27FC236}">
+                <a16:creationId xmlns:a16="http://schemas.microsoft.com/office/drawing/2014/main" id="{50F62F43-7E88-4A7F-BD05-611A5FA9839C}"/>
+              </a:ext>
+            </a:extLst>
+          </p:cNvPr>
+          <p:cNvSpPr txBox="1"/>
+          <p:nvPr/>
+        </p:nvSpPr>
+        <p:spPr>
+          <a:xfrm>
+            <a:off x="551688" y="4733285"/>
+            <a:ext cx="844296" cy="369332"/>
+          </a:xfrm>
+          <a:prstGeom prst="rect">
+            <a:avLst/>
+          </a:prstGeom>
+          <a:noFill/>
+        </p:spPr>
+        <p:txBody>
+          <a:bodyPr wrap="square" rtlCol="0">
+            <a:spAutoFit/>
+          </a:bodyPr>
+          <a:lstStyle/>
+          <a:p>
+            <a:r>
+              <a:rPr lang="fr-FR" dirty="0" err="1"/>
+              <a:t>Neo</a:t>
+            </a:r>
+            <a:endParaRPr lang="fr-FR" dirty="0"/>
+          </a:p>
+        </p:txBody>
+      </p:sp>
+      <p:pic>
+        <p:nvPicPr>
+          <p:cNvPr id="7" name="Image 6" descr="Une image contenant lumière&#10;&#10;Description générée automatiquement">
+            <a:extLst>
+              <a:ext uri="{FF2B5EF4-FFF2-40B4-BE49-F238E27FC236}">
+                <a16:creationId xmlns:a16="http://schemas.microsoft.com/office/drawing/2014/main" id="{DE058AC8-B54F-4497-8035-0E3BF67AC441}"/>
+              </a:ext>
+            </a:extLst>
+          </p:cNvPr>
+          <p:cNvPicPr>
+            <a:picLocks noChangeAspect="1"/>
+          </p:cNvPicPr>
+          <p:nvPr/>
+        </p:nvPicPr>
+        <p:blipFill>
+          <a:blip r:embed="rId6">
+            <a:extLst>
+              <a:ext uri="{28A0092B-C50C-407E-A947-70E740481C1C}">
+                <a14:useLocalDpi xmlns:a14="http://schemas.microsoft.com/office/drawing/2010/main" val="0"/>
+              </a:ext>
+            </a:extLst>
+          </a:blip>
+          <a:stretch>
+            <a:fillRect/>
+          </a:stretch>
+        </p:blipFill>
+        <p:spPr>
+          <a:xfrm>
+            <a:off x="6551567" y="5156303"/>
+            <a:ext cx="691302" cy="1125751"/>
+          </a:xfrm>
+          <a:prstGeom prst="rect">
+            <a:avLst/>
+          </a:prstGeom>
+        </p:spPr>
+      </p:pic>
+      <p:pic>
+        <p:nvPicPr>
+          <p:cNvPr id="23" name="Image 22" descr="Une image contenant table, pont&#10;&#10;Description générée automatiquement">
+            <a:extLst>
+              <a:ext uri="{FF2B5EF4-FFF2-40B4-BE49-F238E27FC236}">
+                <a16:creationId xmlns:a16="http://schemas.microsoft.com/office/drawing/2014/main" id="{63059486-7A9F-434B-9557-A27A3D6A8459}"/>
+              </a:ext>
+            </a:extLst>
+          </p:cNvPr>
+          <p:cNvPicPr>
+            <a:picLocks noChangeAspect="1"/>
+          </p:cNvPicPr>
+          <p:nvPr/>
+        </p:nvPicPr>
+        <p:blipFill>
+          <a:blip r:embed="rId7">
+            <a:extLst>
+              <a:ext uri="{28A0092B-C50C-407E-A947-70E740481C1C}">
+                <a14:useLocalDpi xmlns:a14="http://schemas.microsoft.com/office/drawing/2010/main" val="0"/>
+              </a:ext>
+            </a:extLst>
+          </a:blip>
+          <a:stretch>
+            <a:fillRect/>
+          </a:stretch>
+        </p:blipFill>
+        <p:spPr>
+          <a:xfrm>
+            <a:off x="6420820" y="2977383"/>
+            <a:ext cx="568878" cy="568878"/>
+          </a:xfrm>
+          <a:prstGeom prst="rect">
+            <a:avLst/>
+          </a:prstGeom>
+        </p:spPr>
+      </p:pic>
+      <p:pic>
+        <p:nvPicPr>
+          <p:cNvPr id="25" name="Image 24" descr="Une image contenant ordinateur&#10;&#10;Description générée automatiquement">
+            <a:extLst>
+              <a:ext uri="{FF2B5EF4-FFF2-40B4-BE49-F238E27FC236}">
+                <a16:creationId xmlns:a16="http://schemas.microsoft.com/office/drawing/2014/main" id="{891490B2-AF35-47D8-BEF5-D88711F51832}"/>
+              </a:ext>
+            </a:extLst>
+          </p:cNvPr>
+          <p:cNvPicPr>
+            <a:picLocks noChangeAspect="1"/>
+          </p:cNvPicPr>
+          <p:nvPr/>
+        </p:nvPicPr>
+        <p:blipFill>
+          <a:blip r:embed="rId8">
+            <a:extLst>
+              <a:ext uri="{28A0092B-C50C-407E-A947-70E740481C1C}">
+                <a14:useLocalDpi xmlns:a14="http://schemas.microsoft.com/office/drawing/2010/main" val="0"/>
+              </a:ext>
+            </a:extLst>
+          </a:blip>
+          <a:stretch>
+            <a:fillRect/>
+          </a:stretch>
+        </p:blipFill>
+        <p:spPr>
+          <a:xfrm>
+            <a:off x="488961" y="5166692"/>
+            <a:ext cx="691302" cy="766193"/>
+          </a:xfrm>
+          <a:prstGeom prst="rect">
+            <a:avLst/>
+          </a:prstGeom>
+        </p:spPr>
+      </p:pic>
+      <p:pic>
+        <p:nvPicPr>
+          <p:cNvPr id="27" name="Image 26" descr="Une image contenant assis&#10;&#10;Description générée automatiquement">
+            <a:extLst>
+              <a:ext uri="{FF2B5EF4-FFF2-40B4-BE49-F238E27FC236}">
+                <a16:creationId xmlns:a16="http://schemas.microsoft.com/office/drawing/2014/main" id="{05EA3D32-B989-4BDC-A2FC-1AE54033ACBA}"/>
+              </a:ext>
+            </a:extLst>
+          </p:cNvPr>
+          <p:cNvPicPr>
+            <a:picLocks noChangeAspect="1"/>
+          </p:cNvPicPr>
+          <p:nvPr/>
+        </p:nvPicPr>
+        <p:blipFill>
+          <a:blip r:embed="rId9">
+            <a:extLst>
+              <a:ext uri="{28A0092B-C50C-407E-A947-70E740481C1C}">
+                <a14:useLocalDpi xmlns:a14="http://schemas.microsoft.com/office/drawing/2010/main" val="0"/>
+              </a:ext>
+            </a:extLst>
+          </a:blip>
+          <a:stretch>
+            <a:fillRect/>
+          </a:stretch>
+        </p:blipFill>
+        <p:spPr>
+          <a:xfrm>
+            <a:off x="437856" y="2909172"/>
+            <a:ext cx="704506" cy="704506"/>
+          </a:xfrm>
+          <a:prstGeom prst="rect">
+            <a:avLst/>
+          </a:prstGeom>
+        </p:spPr>
+      </p:pic>
+    </p:spTree>
+    <p:extLst>
+      <p:ext uri="{BB962C8B-B14F-4D97-AF65-F5344CB8AC3E}">
+        <p14:creationId xmlns:p14="http://schemas.microsoft.com/office/powerpoint/2010/main" val="2307522580"/>
+      </p:ext>
+    </p:extLst>
+  </p:cSld>
+  <p:clrMapOvr>
+    <a:masterClrMapping/>
+  </p:clrMapOvr>
+</p:sld>
+</file>
+
+<file path=ppt/slides/slide15.xml><?xml version="1.0" encoding="utf-8"?>
+<p:sld xmlns:a="http://schemas.openxmlformats.org/drawingml/2006/main" xmlns:r="http://schemas.openxmlformats.org/officeDocument/2006/relationships" xmlns:p="http://schemas.openxmlformats.org/presentationml/2006/main">
+  <p:cSld>
+    <p:spTree>
+      <p:nvGrpSpPr>
+        <p:cNvPr id="1" name=""/>
+        <p:cNvGrpSpPr/>
+        <p:nvPr/>
+      </p:nvGrpSpPr>
+      <p:grpSpPr>
+        <a:xfrm>
+          <a:off x="0" y="0"/>
+          <a:ext cx="0" cy="0"/>
+          <a:chOff x="0" y="0"/>
+          <a:chExt cx="0" cy="0"/>
+        </a:xfrm>
+      </p:grpSpPr>
+      <p:sp>
+        <p:nvSpPr>
+          <p:cNvPr id="2" name="Titre 1">
+            <a:extLst>
+              <a:ext uri="{FF2B5EF4-FFF2-40B4-BE49-F238E27FC236}">
+                <a16:creationId xmlns:a16="http://schemas.microsoft.com/office/drawing/2014/main" id="{0805C1D6-D9B5-4534-94C2-3E57C7BACEBA}"/>
+              </a:ext>
+            </a:extLst>
+          </p:cNvPr>
+          <p:cNvSpPr>
+            <a:spLocks noGrp="1"/>
+          </p:cNvSpPr>
+          <p:nvPr>
+            <p:ph type="title"/>
+          </p:nvPr>
+        </p:nvSpPr>
+        <p:spPr/>
+        <p:txBody>
+          <a:bodyPr/>
+          <a:lstStyle/>
+          <a:p>
+            <a:r>
+              <a:rPr lang="fr-FR" dirty="0" err="1"/>
+              <a:t>Research</a:t>
+            </a:r>
+            <a:r>
+              <a:rPr lang="fr-FR" dirty="0"/>
+              <a:t> Project: First </a:t>
+            </a:r>
+            <a:r>
+              <a:rPr lang="fr-FR" dirty="0" err="1"/>
+              <a:t>Results</a:t>
+            </a:r>
+            <a:endParaRPr lang="fr-FR" dirty="0"/>
+          </a:p>
+        </p:txBody>
+      </p:sp>
+      <p:sp>
+        <p:nvSpPr>
+          <p:cNvPr id="4" name="Espace réservé du numéro de diapositive 3">
+            <a:extLst>
+              <a:ext uri="{FF2B5EF4-FFF2-40B4-BE49-F238E27FC236}">
+                <a16:creationId xmlns:a16="http://schemas.microsoft.com/office/drawing/2014/main" id="{C1B6CAFE-71D7-4F91-8F68-7AE4B314C968}"/>
+              </a:ext>
+            </a:extLst>
+          </p:cNvPr>
+          <p:cNvSpPr>
+            <a:spLocks noGrp="1"/>
+          </p:cNvSpPr>
+          <p:nvPr>
+            <p:ph type="sldNum" sz="quarter" idx="12"/>
+          </p:nvPr>
+        </p:nvSpPr>
+        <p:spPr/>
+        <p:txBody>
+          <a:bodyPr/>
+          <a:lstStyle/>
+          <a:p>
+            <a:fld id="{3BBC5373-DBF4-4701-8A2E-788485DDEAFD}" type="slidenum">
+              <a:rPr lang="fr-FR" smtClean="0"/>
+              <a:t>15</a:t>
+            </a:fld>
+            <a:endParaRPr lang="fr-FR"/>
+          </a:p>
+        </p:txBody>
+      </p:sp>
+      <p:pic>
+        <p:nvPicPr>
+          <p:cNvPr id="6" name="Image 5" descr="Une image contenant texte, debout, girafe, groupe&#10;&#10;Description générée automatiquement">
+            <a:extLst>
+              <a:ext uri="{FF2B5EF4-FFF2-40B4-BE49-F238E27FC236}">
+                <a16:creationId xmlns:a16="http://schemas.microsoft.com/office/drawing/2014/main" id="{8B80FCAC-8482-4DC2-9740-5FFEAD8FC6C5}"/>
+              </a:ext>
+            </a:extLst>
+          </p:cNvPr>
+          <p:cNvPicPr>
+            <a:picLocks noChangeAspect="1"/>
+          </p:cNvPicPr>
+          <p:nvPr/>
+        </p:nvPicPr>
+        <p:blipFill>
+          <a:blip r:embed="rId2">
+            <a:extLst>
+              <a:ext uri="{28A0092B-C50C-407E-A947-70E740481C1C}">
+                <a14:useLocalDpi xmlns:a14="http://schemas.microsoft.com/office/drawing/2010/main" val="0"/>
+              </a:ext>
+            </a:extLst>
+          </a:blip>
+          <a:stretch>
+            <a:fillRect/>
+          </a:stretch>
+        </p:blipFill>
+        <p:spPr>
+          <a:xfrm>
+            <a:off x="127419" y="2772776"/>
+            <a:ext cx="5868527" cy="3230155"/>
+          </a:xfrm>
+          <a:prstGeom prst="rect">
+            <a:avLst/>
+          </a:prstGeom>
+        </p:spPr>
+      </p:pic>
+      <p:sp>
+        <p:nvSpPr>
+          <p:cNvPr id="9" name="Titre 1">
+            <a:extLst>
+              <a:ext uri="{FF2B5EF4-FFF2-40B4-BE49-F238E27FC236}">
+                <a16:creationId xmlns:a16="http://schemas.microsoft.com/office/drawing/2014/main" id="{045EFFC5-08D5-4823-AC8B-D04540DA6CE2}"/>
+              </a:ext>
+            </a:extLst>
+          </p:cNvPr>
+          <p:cNvSpPr txBox="1">
+            <a:spLocks/>
+          </p:cNvSpPr>
+          <p:nvPr/>
+        </p:nvSpPr>
+        <p:spPr>
+          <a:xfrm>
+            <a:off x="838200" y="1825086"/>
+            <a:ext cx="4099560" cy="608648"/>
+          </a:xfrm>
+          <a:prstGeom prst="rect">
+            <a:avLst/>
+          </a:prstGeom>
+        </p:spPr>
+        <p:txBody>
+          <a:bodyPr vert="horz" lIns="91440" tIns="45720" rIns="91440" bIns="45720" rtlCol="0" anchor="ctr">
+            <a:normAutofit/>
+          </a:bodyPr>
+          <a:lstStyle>
+            <a:lvl1pPr algn="l" defTabSz="914400" rtl="0" eaLnBrk="1" latinLnBrk="0" hangingPunct="1">
+              <a:lnSpc>
+                <a:spcPct val="90000"/>
+              </a:lnSpc>
+              <a:spcBef>
+                <a:spcPct val="0"/>
+              </a:spcBef>
+              <a:buNone/>
+              <a:defRPr sz="4400" kern="1200">
+                <a:solidFill>
+                  <a:schemeClr val="tx1"/>
+                </a:solidFill>
+                <a:latin typeface="+mj-lt"/>
+                <a:ea typeface="+mj-ea"/>
+                <a:cs typeface="+mj-cs"/>
+              </a:defRPr>
+            </a:lvl1pPr>
+          </a:lstStyle>
+          <a:p>
+            <a:r>
+              <a:rPr lang="fr-FR" sz="2400" dirty="0" err="1"/>
+              <a:t>Market</a:t>
+            </a:r>
+            <a:r>
+              <a:rPr lang="fr-FR" sz="2400" dirty="0"/>
+              <a:t> Cap covariance matrix</a:t>
+            </a:r>
+          </a:p>
+        </p:txBody>
+      </p:sp>
+      <p:sp>
+        <p:nvSpPr>
+          <p:cNvPr id="11" name="Titre 1">
+            <a:extLst>
+              <a:ext uri="{FF2B5EF4-FFF2-40B4-BE49-F238E27FC236}">
+                <a16:creationId xmlns:a16="http://schemas.microsoft.com/office/drawing/2014/main" id="{F0384825-F58E-4CE5-A640-F9419B7DD10A}"/>
+              </a:ext>
+            </a:extLst>
+          </p:cNvPr>
+          <p:cNvSpPr txBox="1">
+            <a:spLocks/>
+          </p:cNvSpPr>
+          <p:nvPr/>
+        </p:nvSpPr>
+        <p:spPr>
+          <a:xfrm>
+            <a:off x="7092696" y="1825086"/>
+            <a:ext cx="4099560" cy="608648"/>
+          </a:xfrm>
+          <a:prstGeom prst="rect">
+            <a:avLst/>
+          </a:prstGeom>
+        </p:spPr>
+        <p:txBody>
+          <a:bodyPr vert="horz" lIns="91440" tIns="45720" rIns="91440" bIns="45720" rtlCol="0" anchor="ctr">
+            <a:normAutofit fontScale="92500"/>
+          </a:bodyPr>
+          <a:lstStyle>
+            <a:lvl1pPr algn="l" defTabSz="914400" rtl="0" eaLnBrk="1" latinLnBrk="0" hangingPunct="1">
+              <a:lnSpc>
+                <a:spcPct val="90000"/>
+              </a:lnSpc>
+              <a:spcBef>
+                <a:spcPct val="0"/>
+              </a:spcBef>
+              <a:buNone/>
+              <a:defRPr sz="4400" kern="1200">
+                <a:solidFill>
+                  <a:schemeClr val="tx1"/>
+                </a:solidFill>
+                <a:latin typeface="+mj-lt"/>
+                <a:ea typeface="+mj-ea"/>
+                <a:cs typeface="+mj-cs"/>
+              </a:defRPr>
+            </a:lvl1pPr>
+          </a:lstStyle>
+          <a:p>
+            <a:r>
+              <a:rPr lang="fr-FR" sz="2400" dirty="0"/>
+              <a:t>Volume </a:t>
+            </a:r>
+            <a:r>
+              <a:rPr lang="fr-FR" sz="2400" dirty="0" err="1"/>
+              <a:t>Traded</a:t>
+            </a:r>
+            <a:r>
+              <a:rPr lang="fr-FR" sz="2400" dirty="0"/>
+              <a:t> covariance matrix</a:t>
+            </a:r>
+          </a:p>
+        </p:txBody>
+      </p:sp>
+      <p:pic>
+        <p:nvPicPr>
+          <p:cNvPr id="12" name="Image 11" descr="Une image contenant texte, fenêtre, regardant, debout&#10;&#10;Description générée automatiquement">
+            <a:extLst>
+              <a:ext uri="{FF2B5EF4-FFF2-40B4-BE49-F238E27FC236}">
+                <a16:creationId xmlns:a16="http://schemas.microsoft.com/office/drawing/2014/main" id="{DBFCE613-1210-4179-82B6-5B41E14BB683}"/>
+              </a:ext>
+            </a:extLst>
+          </p:cNvPr>
+          <p:cNvPicPr>
+            <a:picLocks noChangeAspect="1"/>
+          </p:cNvPicPr>
+          <p:nvPr/>
+        </p:nvPicPr>
+        <p:blipFill>
+          <a:blip r:embed="rId3">
+            <a:extLst>
+              <a:ext uri="{28A0092B-C50C-407E-A947-70E740481C1C}">
+                <a14:useLocalDpi xmlns:a14="http://schemas.microsoft.com/office/drawing/2010/main" val="0"/>
+              </a:ext>
+            </a:extLst>
+          </a:blip>
+          <a:stretch>
+            <a:fillRect/>
+          </a:stretch>
+        </p:blipFill>
+        <p:spPr>
+          <a:xfrm>
+            <a:off x="6196054" y="2769494"/>
+            <a:ext cx="5512725" cy="3204882"/>
+          </a:xfrm>
+          <a:prstGeom prst="rect">
+            <a:avLst/>
+          </a:prstGeom>
+        </p:spPr>
+      </p:pic>
+    </p:spTree>
+    <p:extLst>
+      <p:ext uri="{BB962C8B-B14F-4D97-AF65-F5344CB8AC3E}">
+        <p14:creationId xmlns:p14="http://schemas.microsoft.com/office/powerpoint/2010/main" val="3550686693"/>
+      </p:ext>
+    </p:extLst>
+  </p:cSld>
+  <p:clrMapOvr>
+    <a:masterClrMapping/>
+  </p:clrMapOvr>
+</p:sld>
+</file>
+
+<file path=ppt/slides/slide16.xml><?xml version="1.0" encoding="utf-8"?>
+<p:sld xmlns:a="http://schemas.openxmlformats.org/drawingml/2006/main" xmlns:r="http://schemas.openxmlformats.org/officeDocument/2006/relationships" xmlns:p="http://schemas.openxmlformats.org/presentationml/2006/main">
+  <p:cSld>
+    <p:spTree>
+      <p:nvGrpSpPr>
+        <p:cNvPr id="1" name=""/>
+        <p:cNvGrpSpPr/>
+        <p:nvPr/>
+      </p:nvGrpSpPr>
+      <p:grpSpPr>
+        <a:xfrm>
+          <a:off x="0" y="0"/>
+          <a:ext cx="0" cy="0"/>
+          <a:chOff x="0" y="0"/>
+          <a:chExt cx="0" cy="0"/>
+        </a:xfrm>
+      </p:grpSpPr>
+      <p:sp>
+        <p:nvSpPr>
+          <p:cNvPr id="2" name="Titre 1">
+            <a:extLst>
+              <a:ext uri="{FF2B5EF4-FFF2-40B4-BE49-F238E27FC236}">
+                <a16:creationId xmlns:a16="http://schemas.microsoft.com/office/drawing/2014/main" id="{0805C1D6-D9B5-4534-94C2-3E57C7BACEBA}"/>
+              </a:ext>
+            </a:extLst>
+          </p:cNvPr>
+          <p:cNvSpPr>
+            <a:spLocks noGrp="1"/>
+          </p:cNvSpPr>
+          <p:nvPr>
+            <p:ph type="title"/>
+          </p:nvPr>
+        </p:nvSpPr>
+        <p:spPr/>
+        <p:txBody>
+          <a:bodyPr/>
+          <a:lstStyle/>
+          <a:p>
+            <a:r>
+              <a:rPr lang="fr-FR" dirty="0" err="1"/>
+              <a:t>Research</a:t>
+            </a:r>
+            <a:r>
+              <a:rPr lang="fr-FR" dirty="0"/>
+              <a:t> Project: First </a:t>
+            </a:r>
+            <a:r>
+              <a:rPr lang="fr-FR" dirty="0" err="1"/>
+              <a:t>Results</a:t>
+            </a:r>
+            <a:endParaRPr lang="fr-FR" dirty="0"/>
+          </a:p>
+        </p:txBody>
+      </p:sp>
+      <p:sp>
+        <p:nvSpPr>
+          <p:cNvPr id="4" name="Espace réservé du numéro de diapositive 3">
+            <a:extLst>
+              <a:ext uri="{FF2B5EF4-FFF2-40B4-BE49-F238E27FC236}">
+                <a16:creationId xmlns:a16="http://schemas.microsoft.com/office/drawing/2014/main" id="{C1B6CAFE-71D7-4F91-8F68-7AE4B314C968}"/>
+              </a:ext>
+            </a:extLst>
+          </p:cNvPr>
+          <p:cNvSpPr>
+            <a:spLocks noGrp="1"/>
+          </p:cNvSpPr>
+          <p:nvPr>
+            <p:ph type="sldNum" sz="quarter" idx="12"/>
+          </p:nvPr>
+        </p:nvSpPr>
+        <p:spPr/>
+        <p:txBody>
+          <a:bodyPr/>
+          <a:lstStyle/>
+          <a:p>
+            <a:fld id="{3BBC5373-DBF4-4701-8A2E-788485DDEAFD}" type="slidenum">
+              <a:rPr lang="fr-FR" smtClean="0"/>
+              <a:t>16</a:t>
+            </a:fld>
+            <a:endParaRPr lang="fr-FR"/>
+          </a:p>
+        </p:txBody>
+      </p:sp>
+      <p:pic>
+        <p:nvPicPr>
+          <p:cNvPr id="15" name="Image 14">
+            <a:extLst>
+              <a:ext uri="{FF2B5EF4-FFF2-40B4-BE49-F238E27FC236}">
+                <a16:creationId xmlns:a16="http://schemas.microsoft.com/office/drawing/2014/main" id="{EA7F99DB-24C7-490E-B2C0-049E38603953}"/>
+              </a:ext>
+            </a:extLst>
+          </p:cNvPr>
+          <p:cNvPicPr>
+            <a:picLocks noChangeAspect="1"/>
+          </p:cNvPicPr>
+          <p:nvPr/>
+        </p:nvPicPr>
+        <p:blipFill rotWithShape="1">
+          <a:blip r:embed="rId2">
+            <a:extLst>
+              <a:ext uri="{28A0092B-C50C-407E-A947-70E740481C1C}">
+                <a14:useLocalDpi xmlns:a14="http://schemas.microsoft.com/office/drawing/2010/main" val="0"/>
+              </a:ext>
+            </a:extLst>
+          </a:blip>
+          <a:srcRect b="4740"/>
+          <a:stretch/>
+        </p:blipFill>
+        <p:spPr>
+          <a:xfrm>
+            <a:off x="354676" y="2235635"/>
+            <a:ext cx="3860954" cy="4055437"/>
+          </a:xfrm>
+          <a:prstGeom prst="rect">
+            <a:avLst/>
+          </a:prstGeom>
+        </p:spPr>
+      </p:pic>
+      <p:pic>
+        <p:nvPicPr>
+          <p:cNvPr id="17" name="Image 16">
+            <a:extLst>
+              <a:ext uri="{FF2B5EF4-FFF2-40B4-BE49-F238E27FC236}">
+                <a16:creationId xmlns:a16="http://schemas.microsoft.com/office/drawing/2014/main" id="{E3AB39BA-07D4-4899-941E-969172935BB7}"/>
+              </a:ext>
+            </a:extLst>
+          </p:cNvPr>
+          <p:cNvPicPr>
+            <a:picLocks noChangeAspect="1"/>
+          </p:cNvPicPr>
+          <p:nvPr/>
+        </p:nvPicPr>
+        <p:blipFill rotWithShape="1">
+          <a:blip r:embed="rId3">
+            <a:extLst>
+              <a:ext uri="{28A0092B-C50C-407E-A947-70E740481C1C}">
+                <a14:useLocalDpi xmlns:a14="http://schemas.microsoft.com/office/drawing/2010/main" val="0"/>
+              </a:ext>
+            </a:extLst>
+          </a:blip>
+          <a:srcRect t="13511"/>
+          <a:stretch/>
+        </p:blipFill>
+        <p:spPr>
+          <a:xfrm>
+            <a:off x="5746101" y="1361821"/>
+            <a:ext cx="6413349" cy="5496179"/>
+          </a:xfrm>
+          <a:prstGeom prst="rect">
+            <a:avLst/>
+          </a:prstGeom>
+        </p:spPr>
+      </p:pic>
+    </p:spTree>
+    <p:extLst>
+      <p:ext uri="{BB962C8B-B14F-4D97-AF65-F5344CB8AC3E}">
+        <p14:creationId xmlns:p14="http://schemas.microsoft.com/office/powerpoint/2010/main" val="612212024"/>
+      </p:ext>
+    </p:extLst>
+  </p:cSld>
+  <p:clrMapOvr>
+    <a:masterClrMapping/>
+  </p:clrMapOvr>
+</p:sld>
+</file>
+
+<file path=ppt/slides/slide17.xml><?xml version="1.0" encoding="utf-8"?>
+<p:sld xmlns:a="http://schemas.openxmlformats.org/drawingml/2006/main" xmlns:r="http://schemas.openxmlformats.org/officeDocument/2006/relationships" xmlns:p="http://schemas.openxmlformats.org/presentationml/2006/main">
+  <p:cSld>
+    <p:spTree>
+      <p:nvGrpSpPr>
+        <p:cNvPr id="1" name=""/>
+        <p:cNvGrpSpPr/>
+        <p:nvPr/>
+      </p:nvGrpSpPr>
+      <p:grpSpPr>
+        <a:xfrm>
+          <a:off x="0" y="0"/>
+          <a:ext cx="0" cy="0"/>
+          <a:chOff x="0" y="0"/>
+          <a:chExt cx="0" cy="0"/>
+        </a:xfrm>
+      </p:grpSpPr>
+      <p:sp>
+        <p:nvSpPr>
+          <p:cNvPr id="2" name="Titre 1">
+            <a:extLst>
+              <a:ext uri="{FF2B5EF4-FFF2-40B4-BE49-F238E27FC236}">
+                <a16:creationId xmlns:a16="http://schemas.microsoft.com/office/drawing/2014/main" id="{0805C1D6-D9B5-4534-94C2-3E57C7BACEBA}"/>
+              </a:ext>
+            </a:extLst>
+          </p:cNvPr>
+          <p:cNvSpPr>
+            <a:spLocks noGrp="1"/>
+          </p:cNvSpPr>
+          <p:nvPr>
+            <p:ph type="title"/>
+          </p:nvPr>
+        </p:nvSpPr>
+        <p:spPr>
+          <a:xfrm>
+            <a:off x="838200" y="365125"/>
+            <a:ext cx="11200002" cy="1325563"/>
+          </a:xfrm>
+        </p:spPr>
+        <p:txBody>
+          <a:bodyPr/>
+          <a:lstStyle/>
+          <a:p>
+            <a:r>
+              <a:rPr lang="fr-FR" dirty="0" err="1"/>
+              <a:t>Research</a:t>
+            </a:r>
+            <a:r>
+              <a:rPr lang="fr-FR" dirty="0"/>
+              <a:t> Project: Machine Learning </a:t>
+            </a:r>
+            <a:r>
+              <a:rPr lang="fr-FR" dirty="0" err="1"/>
+              <a:t>Models</a:t>
+            </a:r>
+            <a:endParaRPr lang="fr-FR" dirty="0"/>
+          </a:p>
+        </p:txBody>
+      </p:sp>
+      <p:sp>
+        <p:nvSpPr>
+          <p:cNvPr id="4" name="Espace réservé du numéro de diapositive 3">
+            <a:extLst>
+              <a:ext uri="{FF2B5EF4-FFF2-40B4-BE49-F238E27FC236}">
+                <a16:creationId xmlns:a16="http://schemas.microsoft.com/office/drawing/2014/main" id="{C1B6CAFE-71D7-4F91-8F68-7AE4B314C968}"/>
+              </a:ext>
+            </a:extLst>
+          </p:cNvPr>
+          <p:cNvSpPr>
+            <a:spLocks noGrp="1"/>
+          </p:cNvSpPr>
+          <p:nvPr>
+            <p:ph type="sldNum" sz="quarter" idx="12"/>
+          </p:nvPr>
+        </p:nvSpPr>
+        <p:spPr/>
+        <p:txBody>
+          <a:bodyPr/>
+          <a:lstStyle/>
+          <a:p>
+            <a:fld id="{3BBC5373-DBF4-4701-8A2E-788485DDEAFD}" type="slidenum">
+              <a:rPr lang="fr-FR" smtClean="0"/>
+              <a:t>17</a:t>
+            </a:fld>
+            <a:endParaRPr lang="fr-FR"/>
+          </a:p>
+        </p:txBody>
+      </p:sp>
+      <p:sp>
+        <p:nvSpPr>
+          <p:cNvPr id="10" name="Espace réservé du contenu 2">
+            <a:extLst>
+              <a:ext uri="{FF2B5EF4-FFF2-40B4-BE49-F238E27FC236}">
+                <a16:creationId xmlns:a16="http://schemas.microsoft.com/office/drawing/2014/main" id="{A8AB046D-AA77-4A44-B536-0B6C9EC36C4F}"/>
+              </a:ext>
+            </a:extLst>
+          </p:cNvPr>
+          <p:cNvSpPr>
+            <a:spLocks noGrp="1"/>
+          </p:cNvSpPr>
+          <p:nvPr>
+            <p:ph idx="1"/>
+          </p:nvPr>
+        </p:nvSpPr>
+        <p:spPr>
+          <a:xfrm>
+            <a:off x="838200" y="1825625"/>
+            <a:ext cx="10515600" cy="4264782"/>
+          </a:xfrm>
+        </p:spPr>
+        <p:txBody>
+          <a:bodyPr/>
+          <a:lstStyle/>
+          <a:p>
+            <a:pPr marL="0" indent="0">
+              <a:buNone/>
+            </a:pPr>
+            <a:r>
+              <a:rPr lang="fr-FR" sz="3200" dirty="0"/>
+              <a:t>- Monte Carlo Simulation</a:t>
+            </a:r>
+          </a:p>
+        </p:txBody>
+      </p:sp>
+    </p:spTree>
+    <p:extLst>
+      <p:ext uri="{BB962C8B-B14F-4D97-AF65-F5344CB8AC3E}">
+        <p14:creationId xmlns:p14="http://schemas.microsoft.com/office/powerpoint/2010/main" val="2548956930"/>
+      </p:ext>
+    </p:extLst>
+  </p:cSld>
+  <p:clrMapOvr>
+    <a:masterClrMapping/>
+  </p:clrMapOvr>
+</p:sld>
+</file>
+
+<file path=ppt/slides/slide18.xml><?xml version="1.0" encoding="utf-8"?>
+<p:sld xmlns:a="http://schemas.openxmlformats.org/drawingml/2006/main" xmlns:r="http://schemas.openxmlformats.org/officeDocument/2006/relationships" xmlns:p="http://schemas.openxmlformats.org/presentationml/2006/main">
+  <p:cSld>
+    <p:spTree>
+      <p:nvGrpSpPr>
+        <p:cNvPr id="1" name=""/>
+        <p:cNvGrpSpPr/>
+        <p:nvPr/>
+      </p:nvGrpSpPr>
+      <p:grpSpPr>
+        <a:xfrm>
+          <a:off x="0" y="0"/>
+          <a:ext cx="0" cy="0"/>
+          <a:chOff x="0" y="0"/>
+          <a:chExt cx="0" cy="0"/>
+        </a:xfrm>
+      </p:grpSpPr>
+      <p:sp>
+        <p:nvSpPr>
+          <p:cNvPr id="2" name="Titre 1">
+            <a:extLst>
+              <a:ext uri="{FF2B5EF4-FFF2-40B4-BE49-F238E27FC236}">
+                <a16:creationId xmlns:a16="http://schemas.microsoft.com/office/drawing/2014/main" id="{0805C1D6-D9B5-4534-94C2-3E57C7BACEBA}"/>
+              </a:ext>
+            </a:extLst>
+          </p:cNvPr>
+          <p:cNvSpPr>
+            <a:spLocks noGrp="1"/>
+          </p:cNvSpPr>
+          <p:nvPr>
+            <p:ph type="title"/>
+          </p:nvPr>
+        </p:nvSpPr>
+        <p:spPr/>
+        <p:txBody>
+          <a:bodyPr/>
+          <a:lstStyle/>
+          <a:p>
+            <a:r>
+              <a:rPr lang="fr-FR" dirty="0" err="1"/>
+              <a:t>Research</a:t>
+            </a:r>
+            <a:r>
+              <a:rPr lang="fr-FR" dirty="0"/>
+              <a:t> Project: The Data</a:t>
+            </a:r>
+          </a:p>
+        </p:txBody>
+      </p:sp>
+      <p:sp>
+        <p:nvSpPr>
+          <p:cNvPr id="4" name="Espace réservé du numéro de diapositive 3">
+            <a:extLst>
+              <a:ext uri="{FF2B5EF4-FFF2-40B4-BE49-F238E27FC236}">
+                <a16:creationId xmlns:a16="http://schemas.microsoft.com/office/drawing/2014/main" id="{C1B6CAFE-71D7-4F91-8F68-7AE4B314C968}"/>
+              </a:ext>
+            </a:extLst>
+          </p:cNvPr>
+          <p:cNvSpPr>
+            <a:spLocks noGrp="1"/>
+          </p:cNvSpPr>
+          <p:nvPr>
+            <p:ph type="sldNum" sz="quarter" idx="12"/>
+          </p:nvPr>
+        </p:nvSpPr>
+        <p:spPr/>
+        <p:txBody>
+          <a:bodyPr/>
+          <a:lstStyle/>
+          <a:p>
+            <a:fld id="{3BBC5373-DBF4-4701-8A2E-788485DDEAFD}" type="slidenum">
+              <a:rPr lang="fr-FR" smtClean="0"/>
+              <a:t>18</a:t>
+            </a:fld>
+            <a:endParaRPr lang="fr-FR"/>
+          </a:p>
+        </p:txBody>
+      </p:sp>
+    </p:spTree>
+    <p:extLst>
+      <p:ext uri="{BB962C8B-B14F-4D97-AF65-F5344CB8AC3E}">
+        <p14:creationId xmlns:p14="http://schemas.microsoft.com/office/powerpoint/2010/main" val="3708334188"/>
+      </p:ext>
+    </p:extLst>
+  </p:cSld>
+  <p:clrMapOvr>
+    <a:masterClrMapping/>
+  </p:clrMapOvr>
+</p:sld>
+</file>
+
+<file path=ppt/slides/slide19.xml><?xml version="1.0" encoding="utf-8"?>
+<p:sld xmlns:a="http://schemas.openxmlformats.org/drawingml/2006/main" xmlns:r="http://schemas.openxmlformats.org/officeDocument/2006/relationships" xmlns:p="http://schemas.openxmlformats.org/presentationml/2006/main">
+  <p:cSld>
+    <p:spTree>
+      <p:nvGrpSpPr>
+        <p:cNvPr id="1" name=""/>
+        <p:cNvGrpSpPr/>
+        <p:nvPr/>
+      </p:nvGrpSpPr>
+      <p:grpSpPr>
+        <a:xfrm>
+          <a:off x="0" y="0"/>
+          <a:ext cx="0" cy="0"/>
+          <a:chOff x="0" y="0"/>
+          <a:chExt cx="0" cy="0"/>
+        </a:xfrm>
+      </p:grpSpPr>
+      <p:sp>
+        <p:nvSpPr>
+          <p:cNvPr id="2" name="Titre 1">
+            <a:extLst>
+              <a:ext uri="{FF2B5EF4-FFF2-40B4-BE49-F238E27FC236}">
+                <a16:creationId xmlns:a16="http://schemas.microsoft.com/office/drawing/2014/main" id="{0805C1D6-D9B5-4534-94C2-3E57C7BACEBA}"/>
+              </a:ext>
+            </a:extLst>
+          </p:cNvPr>
+          <p:cNvSpPr>
+            <a:spLocks noGrp="1"/>
+          </p:cNvSpPr>
+          <p:nvPr>
+            <p:ph type="title"/>
+          </p:nvPr>
+        </p:nvSpPr>
+        <p:spPr/>
+        <p:txBody>
+          <a:bodyPr/>
+          <a:lstStyle/>
+          <a:p>
+            <a:r>
+              <a:rPr lang="fr-FR" dirty="0" err="1"/>
+              <a:t>Research</a:t>
+            </a:r>
+            <a:r>
+              <a:rPr lang="fr-FR" dirty="0"/>
+              <a:t> Project: The Data</a:t>
+            </a:r>
+          </a:p>
+        </p:txBody>
+      </p:sp>
+      <p:sp>
+        <p:nvSpPr>
+          <p:cNvPr id="4" name="Espace réservé du numéro de diapositive 3">
+            <a:extLst>
+              <a:ext uri="{FF2B5EF4-FFF2-40B4-BE49-F238E27FC236}">
+                <a16:creationId xmlns:a16="http://schemas.microsoft.com/office/drawing/2014/main" id="{C1B6CAFE-71D7-4F91-8F68-7AE4B314C968}"/>
+              </a:ext>
+            </a:extLst>
+          </p:cNvPr>
+          <p:cNvSpPr>
+            <a:spLocks noGrp="1"/>
+          </p:cNvSpPr>
+          <p:nvPr>
+            <p:ph type="sldNum" sz="quarter" idx="12"/>
+          </p:nvPr>
+        </p:nvSpPr>
+        <p:spPr/>
+        <p:txBody>
+          <a:bodyPr/>
+          <a:lstStyle/>
+          <a:p>
+            <a:fld id="{3BBC5373-DBF4-4701-8A2E-788485DDEAFD}" type="slidenum">
+              <a:rPr lang="fr-FR" smtClean="0"/>
+              <a:t>19</a:t>
+            </a:fld>
+            <a:endParaRPr lang="fr-FR"/>
+          </a:p>
+        </p:txBody>
+      </p:sp>
+    </p:spTree>
+    <p:extLst>
+      <p:ext uri="{BB962C8B-B14F-4D97-AF65-F5344CB8AC3E}">
+        <p14:creationId xmlns:p14="http://schemas.microsoft.com/office/powerpoint/2010/main" val="3719320862"/>
+      </p:ext>
+    </p:extLst>
+  </p:cSld>
+  <p:clrMapOvr>
+    <a:masterClrMapping/>
+  </p:clrMapOvr>
+</p:sld>
+</file>
+
 <file path=ppt/slides/slide2.xml><?xml version="1.0" encoding="utf-8"?>
 <p:sld xmlns:a="http://schemas.openxmlformats.org/drawingml/2006/main" xmlns:r="http://schemas.openxmlformats.org/officeDocument/2006/relationships" xmlns:p="http://schemas.openxmlformats.org/presentationml/2006/main">
   <p:cSld>
@@ -4194,7 +6716,10 @@
               <a:rPr lang="fr-FR" dirty="0" err="1"/>
               <a:t>project</a:t>
             </a:r>
-            <a:endParaRPr lang="fr-FR" dirty="0"/>
+            <a:r>
+              <a:rPr lang="fr-FR" dirty="0"/>
+              <a:t>: Part 1</a:t>
+            </a:r>
           </a:p>
           <a:p>
             <a:pPr lvl="1">
@@ -4237,7 +6762,10 @@
               <a:rPr lang="fr-FR" dirty="0" err="1"/>
               <a:t>project</a:t>
             </a:r>
-            <a:endParaRPr lang="fr-FR" dirty="0"/>
+            <a:r>
+              <a:rPr lang="fr-FR" dirty="0"/>
+              <a:t>: Part 2</a:t>
+            </a:r>
           </a:p>
           <a:p>
             <a:pPr lvl="1">
@@ -4277,7 +6805,10 @@
               <a:rPr lang="fr-FR" dirty="0" err="1"/>
               <a:t>project</a:t>
             </a:r>
-            <a:endParaRPr lang="fr-FR" dirty="0"/>
+            <a:r>
+              <a:rPr lang="fr-FR" dirty="0"/>
+              <a:t>: Part 3</a:t>
+            </a:r>
           </a:p>
           <a:p>
             <a:pPr lvl="1">
@@ -4346,6 +6877,451 @@
     <p:extLst>
       <p:ext uri="{BB962C8B-B14F-4D97-AF65-F5344CB8AC3E}">
         <p14:creationId xmlns:p14="http://schemas.microsoft.com/office/powerpoint/2010/main" val="913178034"/>
+      </p:ext>
+    </p:extLst>
+  </p:cSld>
+  <p:clrMapOvr>
+    <a:masterClrMapping/>
+  </p:clrMapOvr>
+</p:sld>
+</file>
+
+<file path=ppt/slides/slide20.xml><?xml version="1.0" encoding="utf-8"?>
+<p:sld xmlns:a="http://schemas.openxmlformats.org/drawingml/2006/main" xmlns:r="http://schemas.openxmlformats.org/officeDocument/2006/relationships" xmlns:p="http://schemas.openxmlformats.org/presentationml/2006/main">
+  <p:cSld>
+    <p:spTree>
+      <p:nvGrpSpPr>
+        <p:cNvPr id="1" name=""/>
+        <p:cNvGrpSpPr/>
+        <p:nvPr/>
+      </p:nvGrpSpPr>
+      <p:grpSpPr>
+        <a:xfrm>
+          <a:off x="0" y="0"/>
+          <a:ext cx="0" cy="0"/>
+          <a:chOff x="0" y="0"/>
+          <a:chExt cx="0" cy="0"/>
+        </a:xfrm>
+      </p:grpSpPr>
+      <p:sp>
+        <p:nvSpPr>
+          <p:cNvPr id="2" name="Espace réservé du numéro de diapositive 1">
+            <a:extLst>
+              <a:ext uri="{FF2B5EF4-FFF2-40B4-BE49-F238E27FC236}">
+                <a16:creationId xmlns:a16="http://schemas.microsoft.com/office/drawing/2014/main" id="{C0144A91-5721-45FD-85CC-9A0AE749E5CF}"/>
+              </a:ext>
+            </a:extLst>
+          </p:cNvPr>
+          <p:cNvSpPr>
+            <a:spLocks noGrp="1"/>
+          </p:cNvSpPr>
+          <p:nvPr>
+            <p:ph type="sldNum" sz="quarter" idx="12"/>
+          </p:nvPr>
+        </p:nvSpPr>
+        <p:spPr/>
+        <p:txBody>
+          <a:bodyPr/>
+          <a:lstStyle/>
+          <a:p>
+            <a:fld id="{3BBC5373-DBF4-4701-8A2E-788485DDEAFD}" type="slidenum">
+              <a:rPr lang="fr-FR" smtClean="0"/>
+              <a:t>20</a:t>
+            </a:fld>
+            <a:endParaRPr lang="fr-FR"/>
+          </a:p>
+        </p:txBody>
+      </p:sp>
+    </p:spTree>
+    <p:extLst>
+      <p:ext uri="{BB962C8B-B14F-4D97-AF65-F5344CB8AC3E}">
+        <p14:creationId xmlns:p14="http://schemas.microsoft.com/office/powerpoint/2010/main" val="3696280933"/>
+      </p:ext>
+    </p:extLst>
+  </p:cSld>
+  <p:clrMapOvr>
+    <a:masterClrMapping/>
+  </p:clrMapOvr>
+</p:sld>
+</file>
+
+<file path=ppt/slides/slide21.xml><?xml version="1.0" encoding="utf-8"?>
+<p:sld xmlns:a="http://schemas.openxmlformats.org/drawingml/2006/main" xmlns:r="http://schemas.openxmlformats.org/officeDocument/2006/relationships" xmlns:p="http://schemas.openxmlformats.org/presentationml/2006/main">
+  <p:cSld>
+    <p:spTree>
+      <p:nvGrpSpPr>
+        <p:cNvPr id="1" name=""/>
+        <p:cNvGrpSpPr/>
+        <p:nvPr/>
+      </p:nvGrpSpPr>
+      <p:grpSpPr>
+        <a:xfrm>
+          <a:off x="0" y="0"/>
+          <a:ext cx="0" cy="0"/>
+          <a:chOff x="0" y="0"/>
+          <a:chExt cx="0" cy="0"/>
+        </a:xfrm>
+      </p:grpSpPr>
+      <p:sp>
+        <p:nvSpPr>
+          <p:cNvPr id="2" name="Espace réservé du numéro de diapositive 1">
+            <a:extLst>
+              <a:ext uri="{FF2B5EF4-FFF2-40B4-BE49-F238E27FC236}">
+                <a16:creationId xmlns:a16="http://schemas.microsoft.com/office/drawing/2014/main" id="{F77638D1-C1E6-4453-ADE4-B597A215A592}"/>
+              </a:ext>
+            </a:extLst>
+          </p:cNvPr>
+          <p:cNvSpPr>
+            <a:spLocks noGrp="1"/>
+          </p:cNvSpPr>
+          <p:nvPr>
+            <p:ph type="sldNum" sz="quarter" idx="12"/>
+          </p:nvPr>
+        </p:nvSpPr>
+        <p:spPr/>
+        <p:txBody>
+          <a:bodyPr/>
+          <a:lstStyle/>
+          <a:p>
+            <a:fld id="{3BBC5373-DBF4-4701-8A2E-788485DDEAFD}" type="slidenum">
+              <a:rPr lang="fr-FR" smtClean="0"/>
+              <a:t>21</a:t>
+            </a:fld>
+            <a:endParaRPr lang="fr-FR"/>
+          </a:p>
+        </p:txBody>
+      </p:sp>
+    </p:spTree>
+    <p:extLst>
+      <p:ext uri="{BB962C8B-B14F-4D97-AF65-F5344CB8AC3E}">
+        <p14:creationId xmlns:p14="http://schemas.microsoft.com/office/powerpoint/2010/main" val="2051994957"/>
+      </p:ext>
+    </p:extLst>
+  </p:cSld>
+  <p:clrMapOvr>
+    <a:masterClrMapping/>
+  </p:clrMapOvr>
+</p:sld>
+</file>
+
+<file path=ppt/slides/slide22.xml><?xml version="1.0" encoding="utf-8"?>
+<p:sld xmlns:a="http://schemas.openxmlformats.org/drawingml/2006/main" xmlns:r="http://schemas.openxmlformats.org/officeDocument/2006/relationships" xmlns:p="http://schemas.openxmlformats.org/presentationml/2006/main">
+  <p:cSld>
+    <p:spTree>
+      <p:nvGrpSpPr>
+        <p:cNvPr id="1" name=""/>
+        <p:cNvGrpSpPr/>
+        <p:nvPr/>
+      </p:nvGrpSpPr>
+      <p:grpSpPr>
+        <a:xfrm>
+          <a:off x="0" y="0"/>
+          <a:ext cx="0" cy="0"/>
+          <a:chOff x="0" y="0"/>
+          <a:chExt cx="0" cy="0"/>
+        </a:xfrm>
+      </p:grpSpPr>
+      <p:sp>
+        <p:nvSpPr>
+          <p:cNvPr id="2" name="Espace réservé du numéro de diapositive 1">
+            <a:extLst>
+              <a:ext uri="{FF2B5EF4-FFF2-40B4-BE49-F238E27FC236}">
+                <a16:creationId xmlns:a16="http://schemas.microsoft.com/office/drawing/2014/main" id="{736140B9-23E3-4C21-A6C4-BB47C5325715}"/>
+              </a:ext>
+            </a:extLst>
+          </p:cNvPr>
+          <p:cNvSpPr>
+            <a:spLocks noGrp="1"/>
+          </p:cNvSpPr>
+          <p:nvPr>
+            <p:ph type="sldNum" sz="quarter" idx="12"/>
+          </p:nvPr>
+        </p:nvSpPr>
+        <p:spPr/>
+        <p:txBody>
+          <a:bodyPr/>
+          <a:lstStyle/>
+          <a:p>
+            <a:fld id="{3BBC5373-DBF4-4701-8A2E-788485DDEAFD}" type="slidenum">
+              <a:rPr lang="fr-FR" smtClean="0"/>
+              <a:t>22</a:t>
+            </a:fld>
+            <a:endParaRPr lang="fr-FR"/>
+          </a:p>
+        </p:txBody>
+      </p:sp>
+    </p:spTree>
+    <p:extLst>
+      <p:ext uri="{BB962C8B-B14F-4D97-AF65-F5344CB8AC3E}">
+        <p14:creationId xmlns:p14="http://schemas.microsoft.com/office/powerpoint/2010/main" val="597237407"/>
+      </p:ext>
+    </p:extLst>
+  </p:cSld>
+  <p:clrMapOvr>
+    <a:masterClrMapping/>
+  </p:clrMapOvr>
+</p:sld>
+</file>
+
+<file path=ppt/slides/slide23.xml><?xml version="1.0" encoding="utf-8"?>
+<p:sld xmlns:a="http://schemas.openxmlformats.org/drawingml/2006/main" xmlns:r="http://schemas.openxmlformats.org/officeDocument/2006/relationships" xmlns:p="http://schemas.openxmlformats.org/presentationml/2006/main">
+  <p:cSld>
+    <p:spTree>
+      <p:nvGrpSpPr>
+        <p:cNvPr id="1" name=""/>
+        <p:cNvGrpSpPr/>
+        <p:nvPr/>
+      </p:nvGrpSpPr>
+      <p:grpSpPr>
+        <a:xfrm>
+          <a:off x="0" y="0"/>
+          <a:ext cx="0" cy="0"/>
+          <a:chOff x="0" y="0"/>
+          <a:chExt cx="0" cy="0"/>
+        </a:xfrm>
+      </p:grpSpPr>
+      <p:sp>
+        <p:nvSpPr>
+          <p:cNvPr id="2" name="Espace réservé du numéro de diapositive 1">
+            <a:extLst>
+              <a:ext uri="{FF2B5EF4-FFF2-40B4-BE49-F238E27FC236}">
+                <a16:creationId xmlns:a16="http://schemas.microsoft.com/office/drawing/2014/main" id="{44C2A292-2C0D-4FE2-9993-86FEF4C07F82}"/>
+              </a:ext>
+            </a:extLst>
+          </p:cNvPr>
+          <p:cNvSpPr>
+            <a:spLocks noGrp="1"/>
+          </p:cNvSpPr>
+          <p:nvPr>
+            <p:ph type="sldNum" sz="quarter" idx="12"/>
+          </p:nvPr>
+        </p:nvSpPr>
+        <p:spPr/>
+        <p:txBody>
+          <a:bodyPr/>
+          <a:lstStyle/>
+          <a:p>
+            <a:fld id="{3BBC5373-DBF4-4701-8A2E-788485DDEAFD}" type="slidenum">
+              <a:rPr lang="fr-FR" smtClean="0"/>
+              <a:t>23</a:t>
+            </a:fld>
+            <a:endParaRPr lang="fr-FR"/>
+          </a:p>
+        </p:txBody>
+      </p:sp>
+    </p:spTree>
+    <p:extLst>
+      <p:ext uri="{BB962C8B-B14F-4D97-AF65-F5344CB8AC3E}">
+        <p14:creationId xmlns:p14="http://schemas.microsoft.com/office/powerpoint/2010/main" val="618334826"/>
+      </p:ext>
+    </p:extLst>
+  </p:cSld>
+  <p:clrMapOvr>
+    <a:masterClrMapping/>
+  </p:clrMapOvr>
+</p:sld>
+</file>
+
+<file path=ppt/slides/slide24.xml><?xml version="1.0" encoding="utf-8"?>
+<p:sld xmlns:a="http://schemas.openxmlformats.org/drawingml/2006/main" xmlns:r="http://schemas.openxmlformats.org/officeDocument/2006/relationships" xmlns:p="http://schemas.openxmlformats.org/presentationml/2006/main">
+  <p:cSld>
+    <p:spTree>
+      <p:nvGrpSpPr>
+        <p:cNvPr id="1" name=""/>
+        <p:cNvGrpSpPr/>
+        <p:nvPr/>
+      </p:nvGrpSpPr>
+      <p:grpSpPr>
+        <a:xfrm>
+          <a:off x="0" y="0"/>
+          <a:ext cx="0" cy="0"/>
+          <a:chOff x="0" y="0"/>
+          <a:chExt cx="0" cy="0"/>
+        </a:xfrm>
+      </p:grpSpPr>
+      <p:sp>
+        <p:nvSpPr>
+          <p:cNvPr id="2" name="Espace réservé du numéro de diapositive 1">
+            <a:extLst>
+              <a:ext uri="{FF2B5EF4-FFF2-40B4-BE49-F238E27FC236}">
+                <a16:creationId xmlns:a16="http://schemas.microsoft.com/office/drawing/2014/main" id="{73C04726-523C-4E25-9411-31793383B438}"/>
+              </a:ext>
+            </a:extLst>
+          </p:cNvPr>
+          <p:cNvSpPr>
+            <a:spLocks noGrp="1"/>
+          </p:cNvSpPr>
+          <p:nvPr>
+            <p:ph type="sldNum" sz="quarter" idx="12"/>
+          </p:nvPr>
+        </p:nvSpPr>
+        <p:spPr/>
+        <p:txBody>
+          <a:bodyPr/>
+          <a:lstStyle/>
+          <a:p>
+            <a:fld id="{3BBC5373-DBF4-4701-8A2E-788485DDEAFD}" type="slidenum">
+              <a:rPr lang="fr-FR" smtClean="0"/>
+              <a:t>24</a:t>
+            </a:fld>
+            <a:endParaRPr lang="fr-FR"/>
+          </a:p>
+        </p:txBody>
+      </p:sp>
+    </p:spTree>
+    <p:extLst>
+      <p:ext uri="{BB962C8B-B14F-4D97-AF65-F5344CB8AC3E}">
+        <p14:creationId xmlns:p14="http://schemas.microsoft.com/office/powerpoint/2010/main" val="3866137661"/>
+      </p:ext>
+    </p:extLst>
+  </p:cSld>
+  <p:clrMapOvr>
+    <a:masterClrMapping/>
+  </p:clrMapOvr>
+</p:sld>
+</file>
+
+<file path=ppt/slides/slide25.xml><?xml version="1.0" encoding="utf-8"?>
+<p:sld xmlns:a="http://schemas.openxmlformats.org/drawingml/2006/main" xmlns:r="http://schemas.openxmlformats.org/officeDocument/2006/relationships" xmlns:p="http://schemas.openxmlformats.org/presentationml/2006/main">
+  <p:cSld>
+    <p:spTree>
+      <p:nvGrpSpPr>
+        <p:cNvPr id="1" name=""/>
+        <p:cNvGrpSpPr/>
+        <p:nvPr/>
+      </p:nvGrpSpPr>
+      <p:grpSpPr>
+        <a:xfrm>
+          <a:off x="0" y="0"/>
+          <a:ext cx="0" cy="0"/>
+          <a:chOff x="0" y="0"/>
+          <a:chExt cx="0" cy="0"/>
+        </a:xfrm>
+      </p:grpSpPr>
+      <p:sp>
+        <p:nvSpPr>
+          <p:cNvPr id="2" name="Titre 1">
+            <a:extLst>
+              <a:ext uri="{FF2B5EF4-FFF2-40B4-BE49-F238E27FC236}">
+                <a16:creationId xmlns:a16="http://schemas.microsoft.com/office/drawing/2014/main" id="{0805C1D6-D9B5-4534-94C2-3E57C7BACEBA}"/>
+              </a:ext>
+            </a:extLst>
+          </p:cNvPr>
+          <p:cNvSpPr>
+            <a:spLocks noGrp="1"/>
+          </p:cNvSpPr>
+          <p:nvPr>
+            <p:ph type="title"/>
+          </p:nvPr>
+        </p:nvSpPr>
+        <p:spPr/>
+        <p:txBody>
+          <a:bodyPr/>
+          <a:lstStyle/>
+          <a:p>
+            <a:r>
+              <a:rPr lang="fr-FR" dirty="0"/>
+              <a:t>Sources:</a:t>
+            </a:r>
+          </a:p>
+        </p:txBody>
+      </p:sp>
+      <p:sp>
+        <p:nvSpPr>
+          <p:cNvPr id="4" name="Espace réservé du numéro de diapositive 3">
+            <a:extLst>
+              <a:ext uri="{FF2B5EF4-FFF2-40B4-BE49-F238E27FC236}">
+                <a16:creationId xmlns:a16="http://schemas.microsoft.com/office/drawing/2014/main" id="{C1B6CAFE-71D7-4F91-8F68-7AE4B314C968}"/>
+              </a:ext>
+            </a:extLst>
+          </p:cNvPr>
+          <p:cNvSpPr>
+            <a:spLocks noGrp="1"/>
+          </p:cNvSpPr>
+          <p:nvPr>
+            <p:ph type="sldNum" sz="quarter" idx="12"/>
+          </p:nvPr>
+        </p:nvSpPr>
+        <p:spPr/>
+        <p:txBody>
+          <a:bodyPr/>
+          <a:lstStyle/>
+          <a:p>
+            <a:fld id="{3BBC5373-DBF4-4701-8A2E-788485DDEAFD}" type="slidenum">
+              <a:rPr lang="fr-FR" smtClean="0"/>
+              <a:t>25</a:t>
+            </a:fld>
+            <a:endParaRPr lang="fr-FR"/>
+          </a:p>
+        </p:txBody>
+      </p:sp>
+      <p:sp>
+        <p:nvSpPr>
+          <p:cNvPr id="5" name="Titre 1">
+            <a:extLst>
+              <a:ext uri="{FF2B5EF4-FFF2-40B4-BE49-F238E27FC236}">
+                <a16:creationId xmlns:a16="http://schemas.microsoft.com/office/drawing/2014/main" id="{FBF507CC-64D7-47DA-B193-B9229C60BCD4}"/>
+              </a:ext>
+            </a:extLst>
+          </p:cNvPr>
+          <p:cNvSpPr txBox="1">
+            <a:spLocks/>
+          </p:cNvSpPr>
+          <p:nvPr/>
+        </p:nvSpPr>
+        <p:spPr>
+          <a:xfrm>
+            <a:off x="838200" y="1404493"/>
+            <a:ext cx="10515600" cy="1325563"/>
+          </a:xfrm>
+          <a:prstGeom prst="rect">
+            <a:avLst/>
+          </a:prstGeom>
+        </p:spPr>
+        <p:txBody>
+          <a:bodyPr vert="horz" lIns="91440" tIns="45720" rIns="91440" bIns="45720" rtlCol="0" anchor="ctr">
+            <a:normAutofit/>
+          </a:bodyPr>
+          <a:lstStyle>
+            <a:lvl1pPr algn="l" defTabSz="914400" rtl="0" eaLnBrk="1" latinLnBrk="0" hangingPunct="1">
+              <a:lnSpc>
+                <a:spcPct val="90000"/>
+              </a:lnSpc>
+              <a:spcBef>
+                <a:spcPct val="0"/>
+              </a:spcBef>
+              <a:buNone/>
+              <a:defRPr sz="4400" kern="1200">
+                <a:solidFill>
+                  <a:schemeClr val="tx1"/>
+                </a:solidFill>
+                <a:latin typeface="+mj-lt"/>
+                <a:ea typeface="+mj-ea"/>
+                <a:cs typeface="+mj-cs"/>
+              </a:defRPr>
+            </a:lvl1pPr>
+          </a:lstStyle>
+          <a:p>
+            <a:r>
+              <a:rPr lang="fr-FR" sz="2400" dirty="0"/>
+              <a:t>Coinmarketcap:	</a:t>
+            </a:r>
+            <a:r>
+              <a:rPr lang="fr-FR" sz="1600" dirty="0"/>
+              <a:t>https://coinmarketcap.com/</a:t>
+            </a:r>
+            <a:r>
+              <a:rPr lang="fr-FR" sz="1000" dirty="0"/>
+              <a:t> </a:t>
+            </a:r>
+            <a:endParaRPr lang="fr-FR" sz="2400" dirty="0"/>
+          </a:p>
+        </p:txBody>
+      </p:sp>
+    </p:spTree>
+    <p:extLst>
+      <p:ext uri="{BB962C8B-B14F-4D97-AF65-F5344CB8AC3E}">
+        <p14:creationId xmlns:p14="http://schemas.microsoft.com/office/powerpoint/2010/main" val="555133352"/>
       </p:ext>
     </p:extLst>
   </p:cSld>
@@ -4540,7 +7516,7 @@
         </p:blipFill>
         <p:spPr>
           <a:xfrm>
-            <a:off x="9089922" y="529083"/>
+            <a:off x="6259334" y="758826"/>
             <a:ext cx="2936224" cy="2936224"/>
           </a:xfrm>
           <a:prstGeom prst="rect">
@@ -4576,7 +7552,7 @@
         </p:blipFill>
         <p:spPr>
           <a:xfrm>
-            <a:off x="2819171" y="4254856"/>
+            <a:off x="3058087" y="4254856"/>
             <a:ext cx="2358030" cy="2358030"/>
           </a:xfrm>
           <a:prstGeom prst="rect">
@@ -4722,6 +7698,42 @@
           <a:xfrm rot="1912136">
             <a:off x="343503" y="2590100"/>
             <a:ext cx="2660540" cy="4332557"/>
+          </a:xfrm>
+          <a:prstGeom prst="rect">
+            <a:avLst/>
+          </a:prstGeom>
+        </p:spPr>
+      </p:pic>
+      <p:pic>
+        <p:nvPicPr>
+          <p:cNvPr id="6" name="Image 5" descr="Une image contenant table, pont&#10;&#10;Description générée automatiquement">
+            <a:extLst>
+              <a:ext uri="{FF2B5EF4-FFF2-40B4-BE49-F238E27FC236}">
+                <a16:creationId xmlns:a16="http://schemas.microsoft.com/office/drawing/2014/main" id="{458033DE-F0DF-43ED-8C42-BC06B171E3F3}"/>
+              </a:ext>
+            </a:extLst>
+          </p:cNvPr>
+          <p:cNvPicPr>
+            <a:picLocks noChangeAspect="1"/>
+          </p:cNvPicPr>
+          <p:nvPr/>
+        </p:nvPicPr>
+        <p:blipFill>
+          <a:blip r:embed="rId11">
+            <a:extLst>
+              <a:ext uri="{28A0092B-C50C-407E-A947-70E740481C1C}">
+                <a14:useLocalDpi xmlns:a14="http://schemas.microsoft.com/office/drawing/2010/main" val="0"/>
+              </a:ext>
+            </a:extLst>
+          </a:blip>
+          <a:stretch>
+            <a:fillRect/>
+          </a:stretch>
+        </p:blipFill>
+        <p:spPr>
+          <a:xfrm>
+            <a:off x="9616400" y="1229192"/>
+            <a:ext cx="1832540" cy="1832540"/>
           </a:xfrm>
           <a:prstGeom prst="rect">
             <a:avLst/>
@@ -4837,8 +7849,8 @@
         </p:nvSpPr>
         <p:spPr>
           <a:xfrm>
-            <a:off x="3382161" y="159391"/>
-            <a:ext cx="5427677" cy="769441"/>
+            <a:off x="3382162" y="159391"/>
+            <a:ext cx="4260210" cy="769441"/>
           </a:xfrm>
           <a:prstGeom prst="rect">
             <a:avLst/>
@@ -4873,7 +7885,7 @@
         </p:nvSpPr>
         <p:spPr>
           <a:xfrm>
-            <a:off x="244423" y="1770018"/>
+            <a:off x="336702" y="1476403"/>
             <a:ext cx="5569148" cy="2031325"/>
           </a:xfrm>
           <a:prstGeom prst="rect">
@@ -4921,42 +7933,6 @@
           </a:p>
         </p:txBody>
       </p:sp>
-      <p:pic>
-        <p:nvPicPr>
-          <p:cNvPr id="8" name="Image 7" descr="Une image contenant pièce, dessin&#10;&#10;Description générée automatiquement">
-            <a:extLst>
-              <a:ext uri="{FF2B5EF4-FFF2-40B4-BE49-F238E27FC236}">
-                <a16:creationId xmlns:a16="http://schemas.microsoft.com/office/drawing/2014/main" id="{D9576661-B0BE-4402-B146-DB10A5CF4AB2}"/>
-              </a:ext>
-            </a:extLst>
-          </p:cNvPr>
-          <p:cNvPicPr>
-            <a:picLocks noChangeAspect="1"/>
-          </p:cNvPicPr>
-          <p:nvPr/>
-        </p:nvPicPr>
-        <p:blipFill>
-          <a:blip r:embed="rId3">
-            <a:extLst>
-              <a:ext uri="{28A0092B-C50C-407E-A947-70E740481C1C}">
-                <a14:useLocalDpi xmlns:a14="http://schemas.microsoft.com/office/drawing/2010/main" val="0"/>
-              </a:ext>
-            </a:extLst>
-          </a:blip>
-          <a:stretch>
-            <a:fillRect/>
-          </a:stretch>
-        </p:blipFill>
-        <p:spPr>
-          <a:xfrm>
-            <a:off x="9096277" y="1257774"/>
-            <a:ext cx="1629145" cy="1629145"/>
-          </a:xfrm>
-          <a:prstGeom prst="rect">
-            <a:avLst/>
-          </a:prstGeom>
-        </p:spPr>
-      </p:pic>
     </p:spTree>
     <p:extLst>
       <p:ext uri="{BB962C8B-B14F-4D97-AF65-F5344CB8AC3E}">
@@ -4989,67 +7965,10 @@
       </p:grpSpPr>
       <p:sp>
         <p:nvSpPr>
-          <p:cNvPr id="2" name="Titre 1">
-            <a:extLst>
-              <a:ext uri="{FF2B5EF4-FFF2-40B4-BE49-F238E27FC236}">
-                <a16:creationId xmlns:a16="http://schemas.microsoft.com/office/drawing/2014/main" id="{0805C1D6-D9B5-4534-94C2-3E57C7BACEBA}"/>
-              </a:ext>
-            </a:extLst>
-          </p:cNvPr>
-          <p:cNvSpPr>
-            <a:spLocks noGrp="1"/>
-          </p:cNvSpPr>
-          <p:nvPr>
-            <p:ph type="title"/>
-          </p:nvPr>
-        </p:nvSpPr>
-        <p:spPr/>
-        <p:txBody>
-          <a:bodyPr/>
-          <a:lstStyle/>
-          <a:p>
-            <a:r>
-              <a:rPr lang="fr-FR" dirty="0" err="1"/>
-              <a:t>Research</a:t>
-            </a:r>
-            <a:r>
-              <a:rPr lang="fr-FR" dirty="0"/>
-              <a:t> Project</a:t>
-            </a:r>
-          </a:p>
-        </p:txBody>
-      </p:sp>
-      <p:sp>
-        <p:nvSpPr>
-          <p:cNvPr id="3" name="Espace réservé du contenu 2">
-            <a:extLst>
-              <a:ext uri="{FF2B5EF4-FFF2-40B4-BE49-F238E27FC236}">
-                <a16:creationId xmlns:a16="http://schemas.microsoft.com/office/drawing/2014/main" id="{C3EA1F46-CB7D-494D-BCFE-C224BB27EA89}"/>
-              </a:ext>
-            </a:extLst>
-          </p:cNvPr>
-          <p:cNvSpPr>
-            <a:spLocks noGrp="1"/>
-          </p:cNvSpPr>
-          <p:nvPr>
-            <p:ph idx="1"/>
-          </p:nvPr>
-        </p:nvSpPr>
-        <p:spPr/>
-        <p:txBody>
-          <a:bodyPr/>
-          <a:lstStyle/>
-          <a:p>
-            <a:endParaRPr lang="fr-FR" dirty="0"/>
-          </a:p>
-        </p:txBody>
-      </p:sp>
-      <p:sp>
-        <p:nvSpPr>
-          <p:cNvPr id="4" name="Espace réservé du numéro de diapositive 3">
-            <a:extLst>
-              <a:ext uri="{FF2B5EF4-FFF2-40B4-BE49-F238E27FC236}">
-                <a16:creationId xmlns:a16="http://schemas.microsoft.com/office/drawing/2014/main" id="{C1B6CAFE-71D7-4F91-8F68-7AE4B314C968}"/>
+          <p:cNvPr id="2" name="Espace réservé du numéro de diapositive 1">
+            <a:extLst>
+              <a:ext uri="{FF2B5EF4-FFF2-40B4-BE49-F238E27FC236}">
+                <a16:creationId xmlns:a16="http://schemas.microsoft.com/office/drawing/2014/main" id="{B963AA24-B359-401B-A99D-879537671173}"/>
               </a:ext>
             </a:extLst>
           </p:cNvPr>
@@ -5073,10 +7992,635 @@
           </a:p>
         </p:txBody>
       </p:sp>
+      <p:sp>
+        <p:nvSpPr>
+          <p:cNvPr id="4" name="ZoneTexte 3">
+            <a:extLst>
+              <a:ext uri="{FF2B5EF4-FFF2-40B4-BE49-F238E27FC236}">
+                <a16:creationId xmlns:a16="http://schemas.microsoft.com/office/drawing/2014/main" id="{FE79EA11-2100-48EE-A03D-66AEF2A5911F}"/>
+              </a:ext>
+            </a:extLst>
+          </p:cNvPr>
+          <p:cNvSpPr txBox="1"/>
+          <p:nvPr/>
+        </p:nvSpPr>
+        <p:spPr>
+          <a:xfrm>
+            <a:off x="3382162" y="159391"/>
+            <a:ext cx="4260210" cy="769441"/>
+          </a:xfrm>
+          <a:prstGeom prst="rect">
+            <a:avLst/>
+          </a:prstGeom>
+          <a:noFill/>
+        </p:spPr>
+        <p:txBody>
+          <a:bodyPr wrap="square" rtlCol="0">
+            <a:spAutoFit/>
+          </a:bodyPr>
+          <a:lstStyle/>
+          <a:p>
+            <a:r>
+              <a:rPr lang="en-US" sz="4400" dirty="0"/>
+              <a:t>Cryptocurrencies</a:t>
+            </a:r>
+            <a:endParaRPr lang="fr-FR" sz="4400" dirty="0"/>
+          </a:p>
+        </p:txBody>
+      </p:sp>
+      <p:sp>
+        <p:nvSpPr>
+          <p:cNvPr id="5" name="ZoneTexte 4">
+            <a:extLst>
+              <a:ext uri="{FF2B5EF4-FFF2-40B4-BE49-F238E27FC236}">
+                <a16:creationId xmlns:a16="http://schemas.microsoft.com/office/drawing/2014/main" id="{194ED805-7757-48C4-901A-2D9289B21C87}"/>
+              </a:ext>
+            </a:extLst>
+          </p:cNvPr>
+          <p:cNvSpPr txBox="1"/>
+          <p:nvPr/>
+        </p:nvSpPr>
+        <p:spPr>
+          <a:xfrm>
+            <a:off x="2711043" y="928832"/>
+            <a:ext cx="5602447" cy="584775"/>
+          </a:xfrm>
+          <a:prstGeom prst="rect">
+            <a:avLst/>
+          </a:prstGeom>
+          <a:noFill/>
+        </p:spPr>
+        <p:txBody>
+          <a:bodyPr wrap="square" rtlCol="0">
+            <a:spAutoFit/>
+          </a:bodyPr>
+          <a:lstStyle/>
+          <a:p>
+            <a:r>
+              <a:rPr lang="en-US" sz="3200" dirty="0"/>
+              <a:t>How to trade cryptocurrencies ?</a:t>
+            </a:r>
+            <a:endParaRPr lang="fr-FR" sz="3200" dirty="0"/>
+          </a:p>
+        </p:txBody>
+      </p:sp>
+      <p:pic>
+        <p:nvPicPr>
+          <p:cNvPr id="7" name="Image 6" descr="Une image contenant accessoire&#10;&#10;Description générée automatiquement">
+            <a:extLst>
+              <a:ext uri="{FF2B5EF4-FFF2-40B4-BE49-F238E27FC236}">
+                <a16:creationId xmlns:a16="http://schemas.microsoft.com/office/drawing/2014/main" id="{E708FC89-C937-4F98-B609-5BC5FE60F5AA}"/>
+              </a:ext>
+            </a:extLst>
+          </p:cNvPr>
+          <p:cNvPicPr>
+            <a:picLocks noChangeAspect="1"/>
+          </p:cNvPicPr>
+          <p:nvPr/>
+        </p:nvPicPr>
+        <p:blipFill>
+          <a:blip r:embed="rId2">
+            <a:extLst>
+              <a:ext uri="{28A0092B-C50C-407E-A947-70E740481C1C}">
+                <a14:useLocalDpi xmlns:a14="http://schemas.microsoft.com/office/drawing/2010/main" val="0"/>
+              </a:ext>
+            </a:extLst>
+          </a:blip>
+          <a:stretch>
+            <a:fillRect/>
+          </a:stretch>
+        </p:blipFill>
+        <p:spPr>
+          <a:xfrm>
+            <a:off x="1699195" y="2283048"/>
+            <a:ext cx="1401635" cy="1371600"/>
+          </a:xfrm>
+          <a:prstGeom prst="rect">
+            <a:avLst/>
+          </a:prstGeom>
+        </p:spPr>
+      </p:pic>
+      <p:pic>
+        <p:nvPicPr>
+          <p:cNvPr id="9" name="Image 8" descr="Une image contenant horloge, lumière&#10;&#10;Description générée automatiquement">
+            <a:extLst>
+              <a:ext uri="{FF2B5EF4-FFF2-40B4-BE49-F238E27FC236}">
+                <a16:creationId xmlns:a16="http://schemas.microsoft.com/office/drawing/2014/main" id="{E769EB70-F08A-4790-90FC-1FD7D3DC65E9}"/>
+              </a:ext>
+            </a:extLst>
+          </p:cNvPr>
+          <p:cNvPicPr>
+            <a:picLocks noChangeAspect="1"/>
+          </p:cNvPicPr>
+          <p:nvPr/>
+        </p:nvPicPr>
+        <p:blipFill>
+          <a:blip r:embed="rId3">
+            <a:extLst>
+              <a:ext uri="{28A0092B-C50C-407E-A947-70E740481C1C}">
+                <a14:useLocalDpi xmlns:a14="http://schemas.microsoft.com/office/drawing/2010/main" val="0"/>
+              </a:ext>
+            </a:extLst>
+          </a:blip>
+          <a:stretch>
+            <a:fillRect/>
+          </a:stretch>
+        </p:blipFill>
+        <p:spPr>
+          <a:xfrm rot="18263841">
+            <a:off x="2996175" y="1352224"/>
+            <a:ext cx="1399592" cy="1399592"/>
+          </a:xfrm>
+          <a:prstGeom prst="rect">
+            <a:avLst/>
+          </a:prstGeom>
+        </p:spPr>
+      </p:pic>
+      <p:pic>
+        <p:nvPicPr>
+          <p:cNvPr id="11" name="Image 10" descr="Une image contenant ordinateur, horloge&#10;&#10;Description générée automatiquement">
+            <a:extLst>
+              <a:ext uri="{FF2B5EF4-FFF2-40B4-BE49-F238E27FC236}">
+                <a16:creationId xmlns:a16="http://schemas.microsoft.com/office/drawing/2014/main" id="{CA4CDC71-3BF1-44A1-B558-4C47C3B67D22}"/>
+              </a:ext>
+            </a:extLst>
+          </p:cNvPr>
+          <p:cNvPicPr>
+            <a:picLocks noChangeAspect="1"/>
+          </p:cNvPicPr>
+          <p:nvPr/>
+        </p:nvPicPr>
+        <p:blipFill>
+          <a:blip r:embed="rId4">
+            <a:extLst>
+              <a:ext uri="{28A0092B-C50C-407E-A947-70E740481C1C}">
+                <a14:useLocalDpi xmlns:a14="http://schemas.microsoft.com/office/drawing/2010/main" val="0"/>
+              </a:ext>
+            </a:extLst>
+          </a:blip>
+          <a:stretch>
+            <a:fillRect/>
+          </a:stretch>
+        </p:blipFill>
+        <p:spPr>
+          <a:xfrm>
+            <a:off x="4528102" y="2391509"/>
+            <a:ext cx="1455576" cy="1455576"/>
+          </a:xfrm>
+          <a:prstGeom prst="rect">
+            <a:avLst/>
+          </a:prstGeom>
+        </p:spPr>
+      </p:pic>
+      <p:pic>
+        <p:nvPicPr>
+          <p:cNvPr id="12" name="Image 11" descr="Une image contenant horloge, lumière&#10;&#10;Description générée automatiquement">
+            <a:extLst>
+              <a:ext uri="{FF2B5EF4-FFF2-40B4-BE49-F238E27FC236}">
+                <a16:creationId xmlns:a16="http://schemas.microsoft.com/office/drawing/2014/main" id="{321A710C-5ACA-4B60-8D8C-1DD882D8B3AC}"/>
+              </a:ext>
+            </a:extLst>
+          </p:cNvPr>
+          <p:cNvPicPr>
+            <a:picLocks noChangeAspect="1"/>
+          </p:cNvPicPr>
+          <p:nvPr/>
+        </p:nvPicPr>
+        <p:blipFill>
+          <a:blip r:embed="rId3">
+            <a:extLst>
+              <a:ext uri="{28A0092B-C50C-407E-A947-70E740481C1C}">
+                <a14:useLocalDpi xmlns:a14="http://schemas.microsoft.com/office/drawing/2010/main" val="0"/>
+              </a:ext>
+            </a:extLst>
+          </a:blip>
+          <a:stretch>
+            <a:fillRect/>
+          </a:stretch>
+        </p:blipFill>
+        <p:spPr>
+          <a:xfrm rot="18263841">
+            <a:off x="6481292" y="1404748"/>
+            <a:ext cx="1399592" cy="1399592"/>
+          </a:xfrm>
+          <a:prstGeom prst="rect">
+            <a:avLst/>
+          </a:prstGeom>
+        </p:spPr>
+      </p:pic>
+      <p:pic>
+        <p:nvPicPr>
+          <p:cNvPr id="18" name="Image 17" descr="Une image contenant dessin&#10;&#10;Description générée automatiquement">
+            <a:extLst>
+              <a:ext uri="{FF2B5EF4-FFF2-40B4-BE49-F238E27FC236}">
+                <a16:creationId xmlns:a16="http://schemas.microsoft.com/office/drawing/2014/main" id="{A87A6CC7-85B7-442A-83CF-BF7A66C3CB6E}"/>
+              </a:ext>
+            </a:extLst>
+          </p:cNvPr>
+          <p:cNvPicPr>
+            <a:picLocks noChangeAspect="1"/>
+          </p:cNvPicPr>
+          <p:nvPr/>
+        </p:nvPicPr>
+        <p:blipFill>
+          <a:blip r:embed="rId5">
+            <a:extLst>
+              <a:ext uri="{28A0092B-C50C-407E-A947-70E740481C1C}">
+                <a14:useLocalDpi xmlns:a14="http://schemas.microsoft.com/office/drawing/2010/main" val="0"/>
+              </a:ext>
+            </a:extLst>
+          </a:blip>
+          <a:stretch>
+            <a:fillRect/>
+          </a:stretch>
+        </p:blipFill>
+        <p:spPr>
+          <a:xfrm>
+            <a:off x="7476392" y="2391509"/>
+            <a:ext cx="2268415" cy="1371600"/>
+          </a:xfrm>
+          <a:prstGeom prst="rect">
+            <a:avLst/>
+          </a:prstGeom>
+        </p:spPr>
+      </p:pic>
+      <p:sp>
+        <p:nvSpPr>
+          <p:cNvPr id="19" name="ZoneTexte 18">
+            <a:extLst>
+              <a:ext uri="{FF2B5EF4-FFF2-40B4-BE49-F238E27FC236}">
+                <a16:creationId xmlns:a16="http://schemas.microsoft.com/office/drawing/2014/main" id="{BFC19057-7315-4465-B246-D7276359BAC7}"/>
+              </a:ext>
+            </a:extLst>
+          </p:cNvPr>
+          <p:cNvSpPr txBox="1"/>
+          <p:nvPr/>
+        </p:nvSpPr>
+        <p:spPr>
+          <a:xfrm>
+            <a:off x="3126420" y="2707977"/>
+            <a:ext cx="1516725" cy="738664"/>
+          </a:xfrm>
+          <a:prstGeom prst="rect">
+            <a:avLst/>
+          </a:prstGeom>
+          <a:noFill/>
+        </p:spPr>
+        <p:txBody>
+          <a:bodyPr wrap="square" rtlCol="0">
+            <a:spAutoFit/>
+          </a:bodyPr>
+          <a:lstStyle/>
+          <a:p>
+            <a:r>
+              <a:rPr lang="fr-FR" sz="1400" dirty="0"/>
+              <a:t>Conversion </a:t>
+            </a:r>
+            <a:r>
+              <a:rPr lang="fr-FR" sz="1400" dirty="0" err="1"/>
+              <a:t>fees</a:t>
+            </a:r>
+            <a:r>
+              <a:rPr lang="fr-FR" sz="1400" dirty="0"/>
+              <a:t> to change $/€ to </a:t>
+            </a:r>
+            <a:r>
+              <a:rPr lang="fr-FR" sz="1400" dirty="0" err="1"/>
+              <a:t>cryptocurrencies</a:t>
+            </a:r>
+            <a:endParaRPr lang="fr-FR" sz="1400" dirty="0"/>
+          </a:p>
+        </p:txBody>
+      </p:sp>
+      <p:sp>
+        <p:nvSpPr>
+          <p:cNvPr id="20" name="ZoneTexte 19">
+            <a:extLst>
+              <a:ext uri="{FF2B5EF4-FFF2-40B4-BE49-F238E27FC236}">
+                <a16:creationId xmlns:a16="http://schemas.microsoft.com/office/drawing/2014/main" id="{62B6A06C-2158-4015-89A7-67C31F6BC5ED}"/>
+              </a:ext>
+            </a:extLst>
+          </p:cNvPr>
+          <p:cNvSpPr txBox="1"/>
+          <p:nvPr/>
+        </p:nvSpPr>
+        <p:spPr>
+          <a:xfrm>
+            <a:off x="5911214" y="2749965"/>
+            <a:ext cx="1656369" cy="738664"/>
+          </a:xfrm>
+          <a:prstGeom prst="rect">
+            <a:avLst/>
+          </a:prstGeom>
+          <a:noFill/>
+        </p:spPr>
+        <p:txBody>
+          <a:bodyPr wrap="square" rtlCol="0">
+            <a:spAutoFit/>
+          </a:bodyPr>
+          <a:lstStyle/>
+          <a:p>
+            <a:r>
+              <a:rPr lang="fr-FR" sz="1400" dirty="0"/>
+              <a:t>Transaction </a:t>
+            </a:r>
+            <a:r>
+              <a:rPr lang="fr-FR" sz="1400" dirty="0" err="1"/>
+              <a:t>fees</a:t>
+            </a:r>
+            <a:r>
+              <a:rPr lang="fr-FR" sz="1400" dirty="0"/>
+              <a:t> to </a:t>
+            </a:r>
+            <a:r>
+              <a:rPr lang="fr-FR" sz="1400" dirty="0" err="1"/>
+              <a:t>send</a:t>
+            </a:r>
+            <a:r>
+              <a:rPr lang="fr-FR" sz="1400" dirty="0"/>
+              <a:t> </a:t>
+            </a:r>
+            <a:r>
+              <a:rPr lang="fr-FR" sz="1400" dirty="0" err="1"/>
+              <a:t>your</a:t>
+            </a:r>
+            <a:r>
+              <a:rPr lang="fr-FR" sz="1400" dirty="0"/>
+              <a:t> money out of a platform</a:t>
+            </a:r>
+          </a:p>
+        </p:txBody>
+      </p:sp>
+      <p:pic>
+        <p:nvPicPr>
+          <p:cNvPr id="21" name="Image 20" descr="Une image contenant accessoire&#10;&#10;Description générée automatiquement">
+            <a:extLst>
+              <a:ext uri="{FF2B5EF4-FFF2-40B4-BE49-F238E27FC236}">
+                <a16:creationId xmlns:a16="http://schemas.microsoft.com/office/drawing/2014/main" id="{4D65C456-20B1-43DA-9665-5D72F4FE1E0B}"/>
+              </a:ext>
+            </a:extLst>
+          </p:cNvPr>
+          <p:cNvPicPr>
+            <a:picLocks noChangeAspect="1"/>
+          </p:cNvPicPr>
+          <p:nvPr/>
+        </p:nvPicPr>
+        <p:blipFill>
+          <a:blip r:embed="rId2">
+            <a:extLst>
+              <a:ext uri="{28A0092B-C50C-407E-A947-70E740481C1C}">
+                <a14:useLocalDpi xmlns:a14="http://schemas.microsoft.com/office/drawing/2010/main" val="0"/>
+              </a:ext>
+            </a:extLst>
+          </a:blip>
+          <a:stretch>
+            <a:fillRect/>
+          </a:stretch>
+        </p:blipFill>
+        <p:spPr>
+          <a:xfrm>
+            <a:off x="7986319" y="4516868"/>
+            <a:ext cx="1401635" cy="1371600"/>
+          </a:xfrm>
+          <a:prstGeom prst="rect">
+            <a:avLst/>
+          </a:prstGeom>
+        </p:spPr>
+      </p:pic>
+      <p:pic>
+        <p:nvPicPr>
+          <p:cNvPr id="23" name="Image 22" descr="Une image contenant horloge, lumière&#10;&#10;Description générée automatiquement">
+            <a:extLst>
+              <a:ext uri="{FF2B5EF4-FFF2-40B4-BE49-F238E27FC236}">
+                <a16:creationId xmlns:a16="http://schemas.microsoft.com/office/drawing/2014/main" id="{1B82C2FF-42B1-4F50-A602-A4AC104E332E}"/>
+              </a:ext>
+            </a:extLst>
+          </p:cNvPr>
+          <p:cNvPicPr>
+            <a:picLocks noChangeAspect="1"/>
+          </p:cNvPicPr>
+          <p:nvPr/>
+        </p:nvPicPr>
+        <p:blipFill>
+          <a:blip r:embed="rId3">
+            <a:extLst>
+              <a:ext uri="{28A0092B-C50C-407E-A947-70E740481C1C}">
+                <a14:useLocalDpi xmlns:a14="http://schemas.microsoft.com/office/drawing/2010/main" val="0"/>
+              </a:ext>
+            </a:extLst>
+          </a:blip>
+          <a:stretch>
+            <a:fillRect/>
+          </a:stretch>
+        </p:blipFill>
+        <p:spPr>
+          <a:xfrm rot="18263841">
+            <a:off x="2996175" y="3614222"/>
+            <a:ext cx="1399592" cy="1399592"/>
+          </a:xfrm>
+          <a:prstGeom prst="rect">
+            <a:avLst/>
+          </a:prstGeom>
+        </p:spPr>
+      </p:pic>
+      <p:pic>
+        <p:nvPicPr>
+          <p:cNvPr id="24" name="Image 23" descr="Une image contenant ordinateur, horloge&#10;&#10;Description générée automatiquement">
+            <a:extLst>
+              <a:ext uri="{FF2B5EF4-FFF2-40B4-BE49-F238E27FC236}">
+                <a16:creationId xmlns:a16="http://schemas.microsoft.com/office/drawing/2014/main" id="{B0D26E73-EFC5-4325-8C3F-6AA94BB75B52}"/>
+              </a:ext>
+            </a:extLst>
+          </p:cNvPr>
+          <p:cNvPicPr>
+            <a:picLocks noChangeAspect="1"/>
+          </p:cNvPicPr>
+          <p:nvPr/>
+        </p:nvPicPr>
+        <p:blipFill>
+          <a:blip r:embed="rId4">
+            <a:extLst>
+              <a:ext uri="{28A0092B-C50C-407E-A947-70E740481C1C}">
+                <a14:useLocalDpi xmlns:a14="http://schemas.microsoft.com/office/drawing/2010/main" val="0"/>
+              </a:ext>
+            </a:extLst>
+          </a:blip>
+          <a:stretch>
+            <a:fillRect/>
+          </a:stretch>
+        </p:blipFill>
+        <p:spPr>
+          <a:xfrm>
+            <a:off x="4528102" y="4516868"/>
+            <a:ext cx="1455576" cy="1455576"/>
+          </a:xfrm>
+          <a:prstGeom prst="rect">
+            <a:avLst/>
+          </a:prstGeom>
+        </p:spPr>
+      </p:pic>
+      <p:pic>
+        <p:nvPicPr>
+          <p:cNvPr id="25" name="Image 24" descr="Une image contenant dessin&#10;&#10;Description générée automatiquement">
+            <a:extLst>
+              <a:ext uri="{FF2B5EF4-FFF2-40B4-BE49-F238E27FC236}">
+                <a16:creationId xmlns:a16="http://schemas.microsoft.com/office/drawing/2014/main" id="{FC95ADBB-0B26-46FD-AF87-D3479113D699}"/>
+              </a:ext>
+            </a:extLst>
+          </p:cNvPr>
+          <p:cNvPicPr>
+            <a:picLocks noChangeAspect="1"/>
+          </p:cNvPicPr>
+          <p:nvPr/>
+        </p:nvPicPr>
+        <p:blipFill>
+          <a:blip r:embed="rId5">
+            <a:extLst>
+              <a:ext uri="{28A0092B-C50C-407E-A947-70E740481C1C}">
+                <a14:useLocalDpi xmlns:a14="http://schemas.microsoft.com/office/drawing/2010/main" val="0"/>
+              </a:ext>
+            </a:extLst>
+          </a:blip>
+          <a:stretch>
+            <a:fillRect/>
+          </a:stretch>
+        </p:blipFill>
+        <p:spPr>
+          <a:xfrm>
+            <a:off x="1235676" y="4516868"/>
+            <a:ext cx="2268415" cy="1371600"/>
+          </a:xfrm>
+          <a:prstGeom prst="rect">
+            <a:avLst/>
+          </a:prstGeom>
+        </p:spPr>
+      </p:pic>
+      <p:pic>
+        <p:nvPicPr>
+          <p:cNvPr id="26" name="Image 25" descr="Une image contenant horloge, lumière&#10;&#10;Description générée automatiquement">
+            <a:extLst>
+              <a:ext uri="{FF2B5EF4-FFF2-40B4-BE49-F238E27FC236}">
+                <a16:creationId xmlns:a16="http://schemas.microsoft.com/office/drawing/2014/main" id="{8F684EF3-76B3-44CF-9590-664486922770}"/>
+              </a:ext>
+            </a:extLst>
+          </p:cNvPr>
+          <p:cNvPicPr>
+            <a:picLocks noChangeAspect="1"/>
+          </p:cNvPicPr>
+          <p:nvPr/>
+        </p:nvPicPr>
+        <p:blipFill>
+          <a:blip r:embed="rId3">
+            <a:extLst>
+              <a:ext uri="{28A0092B-C50C-407E-A947-70E740481C1C}">
+                <a14:useLocalDpi xmlns:a14="http://schemas.microsoft.com/office/drawing/2010/main" val="0"/>
+              </a:ext>
+            </a:extLst>
+          </a:blip>
+          <a:stretch>
+            <a:fillRect/>
+          </a:stretch>
+        </p:blipFill>
+        <p:spPr>
+          <a:xfrm rot="18263841">
+            <a:off x="6451396" y="3674134"/>
+            <a:ext cx="1399592" cy="1399592"/>
+          </a:xfrm>
+          <a:prstGeom prst="rect">
+            <a:avLst/>
+          </a:prstGeom>
+        </p:spPr>
+      </p:pic>
+      <p:sp>
+        <p:nvSpPr>
+          <p:cNvPr id="27" name="ZoneTexte 26">
+            <a:extLst>
+              <a:ext uri="{FF2B5EF4-FFF2-40B4-BE49-F238E27FC236}">
+                <a16:creationId xmlns:a16="http://schemas.microsoft.com/office/drawing/2014/main" id="{763B8E21-D5FA-4EF7-A475-2C57CA2E5698}"/>
+              </a:ext>
+            </a:extLst>
+          </p:cNvPr>
+          <p:cNvSpPr txBox="1"/>
+          <p:nvPr/>
+        </p:nvSpPr>
+        <p:spPr>
+          <a:xfrm>
+            <a:off x="185246" y="2707977"/>
+            <a:ext cx="1535185" cy="369332"/>
+          </a:xfrm>
+          <a:prstGeom prst="rect">
+            <a:avLst/>
+          </a:prstGeom>
+          <a:noFill/>
+        </p:spPr>
+        <p:txBody>
+          <a:bodyPr wrap="square" rtlCol="0">
+            <a:spAutoFit/>
+          </a:bodyPr>
+          <a:lstStyle/>
+          <a:p>
+            <a:r>
+              <a:rPr lang="fr-FR" dirty="0"/>
+              <a:t>To </a:t>
+            </a:r>
+            <a:r>
+              <a:rPr lang="fr-FR" dirty="0" err="1"/>
+              <a:t>buy</a:t>
+            </a:r>
+            <a:r>
+              <a:rPr lang="fr-FR" dirty="0"/>
+              <a:t> crypto</a:t>
+            </a:r>
+          </a:p>
+        </p:txBody>
+      </p:sp>
+      <p:sp>
+        <p:nvSpPr>
+          <p:cNvPr id="28" name="ZoneTexte 27">
+            <a:extLst>
+              <a:ext uri="{FF2B5EF4-FFF2-40B4-BE49-F238E27FC236}">
+                <a16:creationId xmlns:a16="http://schemas.microsoft.com/office/drawing/2014/main" id="{A8B86D2B-E2CA-453D-B35C-7B36E05490CA}"/>
+              </a:ext>
+            </a:extLst>
+          </p:cNvPr>
+          <p:cNvSpPr txBox="1"/>
+          <p:nvPr/>
+        </p:nvSpPr>
+        <p:spPr>
+          <a:xfrm>
+            <a:off x="193999" y="4732124"/>
+            <a:ext cx="1338468" cy="646331"/>
+          </a:xfrm>
+          <a:prstGeom prst="rect">
+            <a:avLst/>
+          </a:prstGeom>
+          <a:noFill/>
+        </p:spPr>
+        <p:txBody>
+          <a:bodyPr wrap="square" rtlCol="0">
+            <a:spAutoFit/>
+          </a:bodyPr>
+          <a:lstStyle/>
+          <a:p>
+            <a:r>
+              <a:rPr lang="fr-FR" dirty="0"/>
+              <a:t>To </a:t>
+            </a:r>
+            <a:r>
+              <a:rPr lang="fr-FR" dirty="0" err="1"/>
+              <a:t>secure</a:t>
+            </a:r>
+            <a:r>
+              <a:rPr lang="fr-FR" dirty="0"/>
+              <a:t> value</a:t>
+            </a:r>
+          </a:p>
+        </p:txBody>
+      </p:sp>
     </p:spTree>
     <p:extLst>
       <p:ext uri="{BB962C8B-B14F-4D97-AF65-F5344CB8AC3E}">
-        <p14:creationId xmlns:p14="http://schemas.microsoft.com/office/powerpoint/2010/main" val="1067660787"/>
+        <p14:creationId xmlns:p14="http://schemas.microsoft.com/office/powerpoint/2010/main" val="3899985557"/>
       </p:ext>
     </p:extLst>
   </p:cSld>
@@ -5129,6 +8673,250 @@
               <a:t>6</a:t>
             </a:fld>
             <a:endParaRPr lang="fr-FR"/>
+          </a:p>
+        </p:txBody>
+      </p:sp>
+      <p:pic>
+        <p:nvPicPr>
+          <p:cNvPr id="3" name="Image 2" descr="Une image contenant pièce, dessin&#10;&#10;Description générée automatiquement">
+            <a:extLst>
+              <a:ext uri="{FF2B5EF4-FFF2-40B4-BE49-F238E27FC236}">
+                <a16:creationId xmlns:a16="http://schemas.microsoft.com/office/drawing/2014/main" id="{27031937-7111-42C2-BB58-E6D6CBCD155C}"/>
+              </a:ext>
+            </a:extLst>
+          </p:cNvPr>
+          <p:cNvPicPr>
+            <a:picLocks noChangeAspect="1"/>
+          </p:cNvPicPr>
+          <p:nvPr/>
+        </p:nvPicPr>
+        <p:blipFill>
+          <a:blip r:embed="rId2">
+            <a:extLst>
+              <a:ext uri="{28A0092B-C50C-407E-A947-70E740481C1C}">
+                <a14:useLocalDpi xmlns:a14="http://schemas.microsoft.com/office/drawing/2010/main" val="0"/>
+              </a:ext>
+            </a:extLst>
+          </a:blip>
+          <a:stretch>
+            <a:fillRect/>
+          </a:stretch>
+        </p:blipFill>
+        <p:spPr>
+          <a:xfrm>
+            <a:off x="922782" y="1084427"/>
+            <a:ext cx="1879934" cy="1879934"/>
+          </a:xfrm>
+          <a:prstGeom prst="rect">
+            <a:avLst/>
+          </a:prstGeom>
+        </p:spPr>
+      </p:pic>
+      <p:sp>
+        <p:nvSpPr>
+          <p:cNvPr id="4" name="ZoneTexte 3">
+            <a:extLst>
+              <a:ext uri="{FF2B5EF4-FFF2-40B4-BE49-F238E27FC236}">
+                <a16:creationId xmlns:a16="http://schemas.microsoft.com/office/drawing/2014/main" id="{F896FCFC-C6C0-4E4E-B687-1107100BE1C4}"/>
+              </a:ext>
+            </a:extLst>
+          </p:cNvPr>
+          <p:cNvSpPr txBox="1"/>
+          <p:nvPr/>
+        </p:nvSpPr>
+        <p:spPr>
+          <a:xfrm>
+            <a:off x="3382161" y="159391"/>
+            <a:ext cx="5427677" cy="769441"/>
+          </a:xfrm>
+          <a:prstGeom prst="rect">
+            <a:avLst/>
+          </a:prstGeom>
+          <a:noFill/>
+        </p:spPr>
+        <p:txBody>
+          <a:bodyPr wrap="square" rtlCol="0">
+            <a:spAutoFit/>
+          </a:bodyPr>
+          <a:lstStyle/>
+          <a:p>
+            <a:r>
+              <a:rPr lang="en-US" sz="4400" dirty="0"/>
+              <a:t>The Tether - USDT</a:t>
+            </a:r>
+            <a:endParaRPr lang="fr-FR" sz="4400" dirty="0"/>
+          </a:p>
+        </p:txBody>
+      </p:sp>
+      <p:pic>
+        <p:nvPicPr>
+          <p:cNvPr id="6" name="Graphique 5">
+            <a:extLst>
+              <a:ext uri="{FF2B5EF4-FFF2-40B4-BE49-F238E27FC236}">
+                <a16:creationId xmlns:a16="http://schemas.microsoft.com/office/drawing/2014/main" id="{ED350CC4-5923-471F-BF82-F5D3DAD17A35}"/>
+              </a:ext>
+            </a:extLst>
+          </p:cNvPr>
+          <p:cNvPicPr>
+            <a:picLocks noChangeAspect="1"/>
+          </p:cNvPicPr>
+          <p:nvPr/>
+        </p:nvPicPr>
+        <p:blipFill>
+          <a:blip r:embed="rId3">
+            <a:extLst>
+              <a:ext uri="{28A0092B-C50C-407E-A947-70E740481C1C}">
+                <a14:useLocalDpi xmlns:a14="http://schemas.microsoft.com/office/drawing/2010/main" val="0"/>
+              </a:ext>
+              <a:ext uri="{96DAC541-7B7A-43D3-8B79-37D633B846F1}">
+                <asvg:svgBlip xmlns:asvg="http://schemas.microsoft.com/office/drawing/2016/SVG/main" r:embed="rId4"/>
+              </a:ext>
+            </a:extLst>
+          </a:blip>
+          <a:stretch>
+            <a:fillRect/>
+          </a:stretch>
+        </p:blipFill>
+        <p:spPr>
+          <a:xfrm>
+            <a:off x="-231488" y="4153504"/>
+            <a:ext cx="4593755" cy="3062503"/>
+          </a:xfrm>
+          <a:prstGeom prst="rect">
+            <a:avLst/>
+          </a:prstGeom>
+        </p:spPr>
+      </p:pic>
+      <p:sp>
+        <p:nvSpPr>
+          <p:cNvPr id="7" name="Rectangle 6">
+            <a:extLst>
+              <a:ext uri="{FF2B5EF4-FFF2-40B4-BE49-F238E27FC236}">
+                <a16:creationId xmlns:a16="http://schemas.microsoft.com/office/drawing/2014/main" id="{D6BC70C3-F6D3-4685-8350-C11B936EC0CC}"/>
+              </a:ext>
+            </a:extLst>
+          </p:cNvPr>
+          <p:cNvSpPr/>
+          <p:nvPr/>
+        </p:nvSpPr>
+        <p:spPr>
+          <a:xfrm>
+            <a:off x="410609" y="4153504"/>
+            <a:ext cx="3309560" cy="707886"/>
+          </a:xfrm>
+          <a:prstGeom prst="rect">
+            <a:avLst/>
+          </a:prstGeom>
+        </p:spPr>
+        <p:txBody>
+          <a:bodyPr wrap="none">
+            <a:spAutoFit/>
+          </a:bodyPr>
+          <a:lstStyle/>
+          <a:p>
+            <a:r>
+              <a:rPr lang="fr-FR" sz="4000" dirty="0">
+                <a:latin typeface="Calibri" panose="020F0502020204030204" pitchFamily="34" charset="0"/>
+              </a:rPr>
+              <a:t>1 USDT = 1USD</a:t>
+            </a:r>
+            <a:endParaRPr lang="fr-FR" sz="4000" dirty="0"/>
+          </a:p>
+        </p:txBody>
+      </p:sp>
+      <p:pic>
+        <p:nvPicPr>
+          <p:cNvPr id="9" name="Image 8" descr="Une image contenant texte, carte&#10;&#10;Description générée automatiquement">
+            <a:extLst>
+              <a:ext uri="{FF2B5EF4-FFF2-40B4-BE49-F238E27FC236}">
+                <a16:creationId xmlns:a16="http://schemas.microsoft.com/office/drawing/2014/main" id="{8676180F-E2F7-450B-A3D5-7CF5234DCF9B}"/>
+              </a:ext>
+            </a:extLst>
+          </p:cNvPr>
+          <p:cNvPicPr>
+            <a:picLocks noChangeAspect="1"/>
+          </p:cNvPicPr>
+          <p:nvPr/>
+        </p:nvPicPr>
+        <p:blipFill>
+          <a:blip r:embed="rId5">
+            <a:extLst>
+              <a:ext uri="{28A0092B-C50C-407E-A947-70E740481C1C}">
+                <a14:useLocalDpi xmlns:a14="http://schemas.microsoft.com/office/drawing/2010/main" val="0"/>
+              </a:ext>
+            </a:extLst>
+          </a:blip>
+          <a:stretch>
+            <a:fillRect/>
+          </a:stretch>
+        </p:blipFill>
+        <p:spPr>
+          <a:xfrm>
+            <a:off x="3829772" y="1413165"/>
+            <a:ext cx="8154259" cy="4943186"/>
+          </a:xfrm>
+          <a:prstGeom prst="rect">
+            <a:avLst/>
+          </a:prstGeom>
+        </p:spPr>
+      </p:pic>
+      <p:sp>
+        <p:nvSpPr>
+          <p:cNvPr id="11" name="ZoneTexte 10">
+            <a:extLst>
+              <a:ext uri="{FF2B5EF4-FFF2-40B4-BE49-F238E27FC236}">
+                <a16:creationId xmlns:a16="http://schemas.microsoft.com/office/drawing/2014/main" id="{C5AA5D49-30A3-4A2E-9C1F-F6E7C7316661}"/>
+              </a:ext>
+            </a:extLst>
+          </p:cNvPr>
+          <p:cNvSpPr txBox="1"/>
+          <p:nvPr/>
+        </p:nvSpPr>
+        <p:spPr>
+          <a:xfrm>
+            <a:off x="207969" y="3269673"/>
+            <a:ext cx="3621803" cy="861774"/>
+          </a:xfrm>
+          <a:prstGeom prst="rect">
+            <a:avLst/>
+          </a:prstGeom>
+          <a:noFill/>
+        </p:spPr>
+        <p:txBody>
+          <a:bodyPr wrap="square" rtlCol="0">
+            <a:spAutoFit/>
+          </a:bodyPr>
+          <a:lstStyle/>
+          <a:p>
+            <a:r>
+              <a:rPr lang="fr-FR" sz="1600" dirty="0" err="1"/>
+              <a:t>Market</a:t>
+            </a:r>
+            <a:r>
+              <a:rPr lang="fr-FR" sz="1600" dirty="0"/>
+              <a:t> cap: 	     4 628 311 000$</a:t>
+            </a:r>
+          </a:p>
+          <a:p>
+            <a:r>
+              <a:rPr lang="fr-FR" sz="1600" dirty="0"/>
+              <a:t>Volume </a:t>
+            </a:r>
+            <a:r>
+              <a:rPr lang="fr-FR" sz="1600" dirty="0" err="1"/>
+              <a:t>Traded</a:t>
+            </a:r>
+            <a:r>
+              <a:rPr lang="fr-FR" sz="1600" dirty="0"/>
+              <a:t> in 24h:   51 142 268 000$</a:t>
+            </a:r>
+          </a:p>
+          <a:p>
+            <a:r>
+              <a:rPr lang="en-US" sz="1600" dirty="0"/>
+              <a:t>35% of volume traded every day</a:t>
+            </a:r>
+            <a:endParaRPr lang="fr-FR" sz="1400" dirty="0"/>
           </a:p>
         </p:txBody>
       </p:sp>
@@ -5191,10 +8979,625 @@
           </a:p>
         </p:txBody>
       </p:sp>
+      <p:sp>
+        <p:nvSpPr>
+          <p:cNvPr id="4" name="ZoneTexte 3">
+            <a:extLst>
+              <a:ext uri="{FF2B5EF4-FFF2-40B4-BE49-F238E27FC236}">
+                <a16:creationId xmlns:a16="http://schemas.microsoft.com/office/drawing/2014/main" id="{FE79EA11-2100-48EE-A03D-66AEF2A5911F}"/>
+              </a:ext>
+            </a:extLst>
+          </p:cNvPr>
+          <p:cNvSpPr txBox="1"/>
+          <p:nvPr/>
+        </p:nvSpPr>
+        <p:spPr>
+          <a:xfrm>
+            <a:off x="3382162" y="159391"/>
+            <a:ext cx="4260210" cy="769441"/>
+          </a:xfrm>
+          <a:prstGeom prst="rect">
+            <a:avLst/>
+          </a:prstGeom>
+          <a:noFill/>
+        </p:spPr>
+        <p:txBody>
+          <a:bodyPr wrap="square" rtlCol="0">
+            <a:spAutoFit/>
+          </a:bodyPr>
+          <a:lstStyle/>
+          <a:p>
+            <a:r>
+              <a:rPr lang="en-US" sz="4400" dirty="0"/>
+              <a:t>Cryptocurrencies</a:t>
+            </a:r>
+            <a:endParaRPr lang="fr-FR" sz="4400" dirty="0"/>
+          </a:p>
+        </p:txBody>
+      </p:sp>
+      <p:sp>
+        <p:nvSpPr>
+          <p:cNvPr id="5" name="ZoneTexte 4">
+            <a:extLst>
+              <a:ext uri="{FF2B5EF4-FFF2-40B4-BE49-F238E27FC236}">
+                <a16:creationId xmlns:a16="http://schemas.microsoft.com/office/drawing/2014/main" id="{194ED805-7757-48C4-901A-2D9289B21C87}"/>
+              </a:ext>
+            </a:extLst>
+          </p:cNvPr>
+          <p:cNvSpPr txBox="1"/>
+          <p:nvPr/>
+        </p:nvSpPr>
+        <p:spPr>
+          <a:xfrm>
+            <a:off x="2711043" y="928832"/>
+            <a:ext cx="5602447" cy="584775"/>
+          </a:xfrm>
+          <a:prstGeom prst="rect">
+            <a:avLst/>
+          </a:prstGeom>
+          <a:noFill/>
+        </p:spPr>
+        <p:txBody>
+          <a:bodyPr wrap="square" rtlCol="0">
+            <a:spAutoFit/>
+          </a:bodyPr>
+          <a:lstStyle/>
+          <a:p>
+            <a:r>
+              <a:rPr lang="en-US" sz="3200" dirty="0"/>
+              <a:t>How to trade cryptocurrencies ?</a:t>
+            </a:r>
+            <a:endParaRPr lang="fr-FR" sz="3200" dirty="0"/>
+          </a:p>
+        </p:txBody>
+      </p:sp>
+      <p:pic>
+        <p:nvPicPr>
+          <p:cNvPr id="7" name="Image 6" descr="Une image contenant accessoire&#10;&#10;Description générée automatiquement">
+            <a:extLst>
+              <a:ext uri="{FF2B5EF4-FFF2-40B4-BE49-F238E27FC236}">
+                <a16:creationId xmlns:a16="http://schemas.microsoft.com/office/drawing/2014/main" id="{E708FC89-C937-4F98-B609-5BC5FE60F5AA}"/>
+              </a:ext>
+            </a:extLst>
+          </p:cNvPr>
+          <p:cNvPicPr>
+            <a:picLocks noChangeAspect="1"/>
+          </p:cNvPicPr>
+          <p:nvPr/>
+        </p:nvPicPr>
+        <p:blipFill>
+          <a:blip r:embed="rId2">
+            <a:extLst>
+              <a:ext uri="{28A0092B-C50C-407E-A947-70E740481C1C}">
+                <a14:useLocalDpi xmlns:a14="http://schemas.microsoft.com/office/drawing/2010/main" val="0"/>
+              </a:ext>
+            </a:extLst>
+          </a:blip>
+          <a:stretch>
+            <a:fillRect/>
+          </a:stretch>
+        </p:blipFill>
+        <p:spPr>
+          <a:xfrm>
+            <a:off x="1699195" y="2283048"/>
+            <a:ext cx="1401635" cy="1371600"/>
+          </a:xfrm>
+          <a:prstGeom prst="rect">
+            <a:avLst/>
+          </a:prstGeom>
+        </p:spPr>
+      </p:pic>
+      <p:pic>
+        <p:nvPicPr>
+          <p:cNvPr id="9" name="Image 8" descr="Une image contenant horloge, lumière&#10;&#10;Description générée automatiquement">
+            <a:extLst>
+              <a:ext uri="{FF2B5EF4-FFF2-40B4-BE49-F238E27FC236}">
+                <a16:creationId xmlns:a16="http://schemas.microsoft.com/office/drawing/2014/main" id="{E769EB70-F08A-4790-90FC-1FD7D3DC65E9}"/>
+              </a:ext>
+            </a:extLst>
+          </p:cNvPr>
+          <p:cNvPicPr>
+            <a:picLocks noChangeAspect="1"/>
+          </p:cNvPicPr>
+          <p:nvPr/>
+        </p:nvPicPr>
+        <p:blipFill>
+          <a:blip r:embed="rId3">
+            <a:extLst>
+              <a:ext uri="{28A0092B-C50C-407E-A947-70E740481C1C}">
+                <a14:useLocalDpi xmlns:a14="http://schemas.microsoft.com/office/drawing/2010/main" val="0"/>
+              </a:ext>
+            </a:extLst>
+          </a:blip>
+          <a:stretch>
+            <a:fillRect/>
+          </a:stretch>
+        </p:blipFill>
+        <p:spPr>
+          <a:xfrm rot="18263841">
+            <a:off x="2996175" y="1352224"/>
+            <a:ext cx="1399592" cy="1399592"/>
+          </a:xfrm>
+          <a:prstGeom prst="rect">
+            <a:avLst/>
+          </a:prstGeom>
+        </p:spPr>
+      </p:pic>
+      <p:pic>
+        <p:nvPicPr>
+          <p:cNvPr id="11" name="Image 10" descr="Une image contenant ordinateur, horloge&#10;&#10;Description générée automatiquement">
+            <a:extLst>
+              <a:ext uri="{FF2B5EF4-FFF2-40B4-BE49-F238E27FC236}">
+                <a16:creationId xmlns:a16="http://schemas.microsoft.com/office/drawing/2014/main" id="{CA4CDC71-3BF1-44A1-B558-4C47C3B67D22}"/>
+              </a:ext>
+            </a:extLst>
+          </p:cNvPr>
+          <p:cNvPicPr>
+            <a:picLocks noChangeAspect="1"/>
+          </p:cNvPicPr>
+          <p:nvPr/>
+        </p:nvPicPr>
+        <p:blipFill>
+          <a:blip r:embed="rId4">
+            <a:extLst>
+              <a:ext uri="{28A0092B-C50C-407E-A947-70E740481C1C}">
+                <a14:useLocalDpi xmlns:a14="http://schemas.microsoft.com/office/drawing/2010/main" val="0"/>
+              </a:ext>
+            </a:extLst>
+          </a:blip>
+          <a:stretch>
+            <a:fillRect/>
+          </a:stretch>
+        </p:blipFill>
+        <p:spPr>
+          <a:xfrm>
+            <a:off x="4528102" y="2391509"/>
+            <a:ext cx="1455576" cy="1455576"/>
+          </a:xfrm>
+          <a:prstGeom prst="rect">
+            <a:avLst/>
+          </a:prstGeom>
+        </p:spPr>
+      </p:pic>
+      <p:pic>
+        <p:nvPicPr>
+          <p:cNvPr id="12" name="Image 11" descr="Une image contenant horloge, lumière&#10;&#10;Description générée automatiquement">
+            <a:extLst>
+              <a:ext uri="{FF2B5EF4-FFF2-40B4-BE49-F238E27FC236}">
+                <a16:creationId xmlns:a16="http://schemas.microsoft.com/office/drawing/2014/main" id="{321A710C-5ACA-4B60-8D8C-1DD882D8B3AC}"/>
+              </a:ext>
+            </a:extLst>
+          </p:cNvPr>
+          <p:cNvPicPr>
+            <a:picLocks noChangeAspect="1"/>
+          </p:cNvPicPr>
+          <p:nvPr/>
+        </p:nvPicPr>
+        <p:blipFill>
+          <a:blip r:embed="rId3">
+            <a:extLst>
+              <a:ext uri="{28A0092B-C50C-407E-A947-70E740481C1C}">
+                <a14:useLocalDpi xmlns:a14="http://schemas.microsoft.com/office/drawing/2010/main" val="0"/>
+              </a:ext>
+            </a:extLst>
+          </a:blip>
+          <a:stretch>
+            <a:fillRect/>
+          </a:stretch>
+        </p:blipFill>
+        <p:spPr>
+          <a:xfrm rot="18263841">
+            <a:off x="6481292" y="1404748"/>
+            <a:ext cx="1399592" cy="1399592"/>
+          </a:xfrm>
+          <a:prstGeom prst="rect">
+            <a:avLst/>
+          </a:prstGeom>
+        </p:spPr>
+      </p:pic>
+      <p:pic>
+        <p:nvPicPr>
+          <p:cNvPr id="18" name="Image 17" descr="Une image contenant dessin&#10;&#10;Description générée automatiquement">
+            <a:extLst>
+              <a:ext uri="{FF2B5EF4-FFF2-40B4-BE49-F238E27FC236}">
+                <a16:creationId xmlns:a16="http://schemas.microsoft.com/office/drawing/2014/main" id="{A87A6CC7-85B7-442A-83CF-BF7A66C3CB6E}"/>
+              </a:ext>
+            </a:extLst>
+          </p:cNvPr>
+          <p:cNvPicPr>
+            <a:picLocks noChangeAspect="1"/>
+          </p:cNvPicPr>
+          <p:nvPr/>
+        </p:nvPicPr>
+        <p:blipFill>
+          <a:blip r:embed="rId5">
+            <a:extLst>
+              <a:ext uri="{28A0092B-C50C-407E-A947-70E740481C1C}">
+                <a14:useLocalDpi xmlns:a14="http://schemas.microsoft.com/office/drawing/2010/main" val="0"/>
+              </a:ext>
+            </a:extLst>
+          </a:blip>
+          <a:stretch>
+            <a:fillRect/>
+          </a:stretch>
+        </p:blipFill>
+        <p:spPr>
+          <a:xfrm>
+            <a:off x="7476392" y="2391509"/>
+            <a:ext cx="2268415" cy="1371600"/>
+          </a:xfrm>
+          <a:prstGeom prst="rect">
+            <a:avLst/>
+          </a:prstGeom>
+        </p:spPr>
+      </p:pic>
+      <p:sp>
+        <p:nvSpPr>
+          <p:cNvPr id="19" name="ZoneTexte 18">
+            <a:extLst>
+              <a:ext uri="{FF2B5EF4-FFF2-40B4-BE49-F238E27FC236}">
+                <a16:creationId xmlns:a16="http://schemas.microsoft.com/office/drawing/2014/main" id="{BFC19057-7315-4465-B246-D7276359BAC7}"/>
+              </a:ext>
+            </a:extLst>
+          </p:cNvPr>
+          <p:cNvSpPr txBox="1"/>
+          <p:nvPr/>
+        </p:nvSpPr>
+        <p:spPr>
+          <a:xfrm>
+            <a:off x="3126420" y="2707977"/>
+            <a:ext cx="1516725" cy="738664"/>
+          </a:xfrm>
+          <a:prstGeom prst="rect">
+            <a:avLst/>
+          </a:prstGeom>
+          <a:noFill/>
+        </p:spPr>
+        <p:txBody>
+          <a:bodyPr wrap="square" rtlCol="0">
+            <a:spAutoFit/>
+          </a:bodyPr>
+          <a:lstStyle/>
+          <a:p>
+            <a:r>
+              <a:rPr lang="fr-FR" sz="1400" dirty="0"/>
+              <a:t>Conversion </a:t>
+            </a:r>
+            <a:r>
+              <a:rPr lang="fr-FR" sz="1400" dirty="0" err="1"/>
+              <a:t>fees</a:t>
+            </a:r>
+            <a:r>
+              <a:rPr lang="fr-FR" sz="1400" dirty="0"/>
+              <a:t> to change $/€ to </a:t>
+            </a:r>
+            <a:r>
+              <a:rPr lang="fr-FR" sz="1400" dirty="0" err="1"/>
+              <a:t>cryptocurrencies</a:t>
+            </a:r>
+            <a:endParaRPr lang="fr-FR" sz="1400" dirty="0"/>
+          </a:p>
+        </p:txBody>
+      </p:sp>
+      <p:sp>
+        <p:nvSpPr>
+          <p:cNvPr id="20" name="ZoneTexte 19">
+            <a:extLst>
+              <a:ext uri="{FF2B5EF4-FFF2-40B4-BE49-F238E27FC236}">
+                <a16:creationId xmlns:a16="http://schemas.microsoft.com/office/drawing/2014/main" id="{62B6A06C-2158-4015-89A7-67C31F6BC5ED}"/>
+              </a:ext>
+            </a:extLst>
+          </p:cNvPr>
+          <p:cNvSpPr txBox="1"/>
+          <p:nvPr/>
+        </p:nvSpPr>
+        <p:spPr>
+          <a:xfrm>
+            <a:off x="5911214" y="2749965"/>
+            <a:ext cx="1656369" cy="738664"/>
+          </a:xfrm>
+          <a:prstGeom prst="rect">
+            <a:avLst/>
+          </a:prstGeom>
+          <a:noFill/>
+        </p:spPr>
+        <p:txBody>
+          <a:bodyPr wrap="square" rtlCol="0">
+            <a:spAutoFit/>
+          </a:bodyPr>
+          <a:lstStyle/>
+          <a:p>
+            <a:r>
+              <a:rPr lang="fr-FR" sz="1400" dirty="0"/>
+              <a:t>Transaction </a:t>
+            </a:r>
+            <a:r>
+              <a:rPr lang="fr-FR" sz="1400" dirty="0" err="1"/>
+              <a:t>fees</a:t>
+            </a:r>
+            <a:r>
+              <a:rPr lang="fr-FR" sz="1400" dirty="0"/>
+              <a:t> to </a:t>
+            </a:r>
+            <a:r>
+              <a:rPr lang="fr-FR" sz="1400" dirty="0" err="1"/>
+              <a:t>send</a:t>
+            </a:r>
+            <a:r>
+              <a:rPr lang="fr-FR" sz="1400" dirty="0"/>
+              <a:t> </a:t>
+            </a:r>
+            <a:r>
+              <a:rPr lang="fr-FR" sz="1400" dirty="0" err="1"/>
+              <a:t>your</a:t>
+            </a:r>
+            <a:r>
+              <a:rPr lang="fr-FR" sz="1400" dirty="0"/>
+              <a:t> money out of a platform</a:t>
+            </a:r>
+          </a:p>
+        </p:txBody>
+      </p:sp>
+      <p:pic>
+        <p:nvPicPr>
+          <p:cNvPr id="23" name="Image 22" descr="Une image contenant horloge, lumière&#10;&#10;Description générée automatiquement">
+            <a:extLst>
+              <a:ext uri="{FF2B5EF4-FFF2-40B4-BE49-F238E27FC236}">
+                <a16:creationId xmlns:a16="http://schemas.microsoft.com/office/drawing/2014/main" id="{1B82C2FF-42B1-4F50-A602-A4AC104E332E}"/>
+              </a:ext>
+            </a:extLst>
+          </p:cNvPr>
+          <p:cNvPicPr>
+            <a:picLocks noChangeAspect="1"/>
+          </p:cNvPicPr>
+          <p:nvPr/>
+        </p:nvPicPr>
+        <p:blipFill>
+          <a:blip r:embed="rId3">
+            <a:extLst>
+              <a:ext uri="{28A0092B-C50C-407E-A947-70E740481C1C}">
+                <a14:useLocalDpi xmlns:a14="http://schemas.microsoft.com/office/drawing/2010/main" val="0"/>
+              </a:ext>
+            </a:extLst>
+          </a:blip>
+          <a:stretch>
+            <a:fillRect/>
+          </a:stretch>
+        </p:blipFill>
+        <p:spPr>
+          <a:xfrm rot="18263841">
+            <a:off x="2996176" y="3614221"/>
+            <a:ext cx="1399592" cy="1399592"/>
+          </a:xfrm>
+          <a:prstGeom prst="rect">
+            <a:avLst/>
+          </a:prstGeom>
+        </p:spPr>
+      </p:pic>
+      <p:sp>
+        <p:nvSpPr>
+          <p:cNvPr id="17" name="ZoneTexte 16">
+            <a:extLst>
+              <a:ext uri="{FF2B5EF4-FFF2-40B4-BE49-F238E27FC236}">
+                <a16:creationId xmlns:a16="http://schemas.microsoft.com/office/drawing/2014/main" id="{62554D44-42A4-49E9-862C-7322BA920286}"/>
+              </a:ext>
+            </a:extLst>
+          </p:cNvPr>
+          <p:cNvSpPr txBox="1"/>
+          <p:nvPr/>
+        </p:nvSpPr>
+        <p:spPr>
+          <a:xfrm>
+            <a:off x="185246" y="2707977"/>
+            <a:ext cx="1535185" cy="369332"/>
+          </a:xfrm>
+          <a:prstGeom prst="rect">
+            <a:avLst/>
+          </a:prstGeom>
+          <a:noFill/>
+        </p:spPr>
+        <p:txBody>
+          <a:bodyPr wrap="square" rtlCol="0">
+            <a:spAutoFit/>
+          </a:bodyPr>
+          <a:lstStyle/>
+          <a:p>
+            <a:r>
+              <a:rPr lang="fr-FR" dirty="0"/>
+              <a:t>To </a:t>
+            </a:r>
+            <a:r>
+              <a:rPr lang="fr-FR" dirty="0" err="1"/>
+              <a:t>buy</a:t>
+            </a:r>
+            <a:r>
+              <a:rPr lang="fr-FR" dirty="0"/>
+              <a:t> crypto</a:t>
+            </a:r>
+          </a:p>
+        </p:txBody>
+      </p:sp>
+      <p:sp>
+        <p:nvSpPr>
+          <p:cNvPr id="22" name="ZoneTexte 21">
+            <a:extLst>
+              <a:ext uri="{FF2B5EF4-FFF2-40B4-BE49-F238E27FC236}">
+                <a16:creationId xmlns:a16="http://schemas.microsoft.com/office/drawing/2014/main" id="{971DB39A-41F3-4271-B367-16917F6E659F}"/>
+              </a:ext>
+            </a:extLst>
+          </p:cNvPr>
+          <p:cNvSpPr txBox="1"/>
+          <p:nvPr/>
+        </p:nvSpPr>
+        <p:spPr>
+          <a:xfrm>
+            <a:off x="283604" y="4700364"/>
+            <a:ext cx="1338468" cy="646331"/>
+          </a:xfrm>
+          <a:prstGeom prst="rect">
+            <a:avLst/>
+          </a:prstGeom>
+          <a:noFill/>
+        </p:spPr>
+        <p:txBody>
+          <a:bodyPr wrap="square" rtlCol="0">
+            <a:spAutoFit/>
+          </a:bodyPr>
+          <a:lstStyle/>
+          <a:p>
+            <a:r>
+              <a:rPr lang="fr-FR" dirty="0"/>
+              <a:t>To </a:t>
+            </a:r>
+            <a:r>
+              <a:rPr lang="fr-FR" dirty="0" err="1"/>
+              <a:t>secure</a:t>
+            </a:r>
+            <a:r>
+              <a:rPr lang="fr-FR" dirty="0"/>
+              <a:t> value</a:t>
+            </a:r>
+          </a:p>
+        </p:txBody>
+      </p:sp>
+      <p:pic>
+        <p:nvPicPr>
+          <p:cNvPr id="6" name="Image 5" descr="Une image contenant dessin, signe&#10;&#10;Description générée automatiquement">
+            <a:extLst>
+              <a:ext uri="{FF2B5EF4-FFF2-40B4-BE49-F238E27FC236}">
+                <a16:creationId xmlns:a16="http://schemas.microsoft.com/office/drawing/2014/main" id="{E4BF5803-C30A-4C82-BE49-B41FDD7CEA0C}"/>
+              </a:ext>
+            </a:extLst>
+          </p:cNvPr>
+          <p:cNvPicPr>
+            <a:picLocks noChangeAspect="1"/>
+          </p:cNvPicPr>
+          <p:nvPr/>
+        </p:nvPicPr>
+        <p:blipFill>
+          <a:blip r:embed="rId6">
+            <a:extLst>
+              <a:ext uri="{28A0092B-C50C-407E-A947-70E740481C1C}">
+                <a14:useLocalDpi xmlns:a14="http://schemas.microsoft.com/office/drawing/2010/main" val="0"/>
+              </a:ext>
+            </a:extLst>
+          </a:blip>
+          <a:stretch>
+            <a:fillRect/>
+          </a:stretch>
+        </p:blipFill>
+        <p:spPr>
+          <a:xfrm>
+            <a:off x="1408264" y="4387197"/>
+            <a:ext cx="1535185" cy="1535185"/>
+          </a:xfrm>
+          <a:prstGeom prst="rect">
+            <a:avLst/>
+          </a:prstGeom>
+        </p:spPr>
+      </p:pic>
+      <p:pic>
+        <p:nvPicPr>
+          <p:cNvPr id="10" name="Image 9" descr="Une image contenant pièce, dessin&#10;&#10;Description générée automatiquement">
+            <a:extLst>
+              <a:ext uri="{FF2B5EF4-FFF2-40B4-BE49-F238E27FC236}">
+                <a16:creationId xmlns:a16="http://schemas.microsoft.com/office/drawing/2014/main" id="{DD157407-B283-4EFF-9507-CE59F03B7D7F}"/>
+              </a:ext>
+            </a:extLst>
+          </p:cNvPr>
+          <p:cNvPicPr>
+            <a:picLocks noChangeAspect="1"/>
+          </p:cNvPicPr>
+          <p:nvPr/>
+        </p:nvPicPr>
+        <p:blipFill>
+          <a:blip r:embed="rId7">
+            <a:extLst>
+              <a:ext uri="{28A0092B-C50C-407E-A947-70E740481C1C}">
+                <a14:useLocalDpi xmlns:a14="http://schemas.microsoft.com/office/drawing/2010/main" val="0"/>
+              </a:ext>
+            </a:extLst>
+          </a:blip>
+          <a:stretch>
+            <a:fillRect/>
+          </a:stretch>
+        </p:blipFill>
+        <p:spPr>
+          <a:xfrm>
+            <a:off x="4376029" y="4396384"/>
+            <a:ext cx="1535185" cy="1535185"/>
+          </a:xfrm>
+          <a:prstGeom prst="rect">
+            <a:avLst/>
+          </a:prstGeom>
+        </p:spPr>
+      </p:pic>
+      <p:sp>
+        <p:nvSpPr>
+          <p:cNvPr id="13" name="ZoneTexte 12">
+            <a:extLst>
+              <a:ext uri="{FF2B5EF4-FFF2-40B4-BE49-F238E27FC236}">
+                <a16:creationId xmlns:a16="http://schemas.microsoft.com/office/drawing/2014/main" id="{6E52EEB3-2DD2-4744-A564-7E26BBEC5338}"/>
+              </a:ext>
+            </a:extLst>
+          </p:cNvPr>
+          <p:cNvSpPr txBox="1"/>
+          <p:nvPr/>
+        </p:nvSpPr>
+        <p:spPr>
+          <a:xfrm>
+            <a:off x="6244836" y="4683853"/>
+            <a:ext cx="2197915" cy="923330"/>
+          </a:xfrm>
+          <a:prstGeom prst="rect">
+            <a:avLst/>
+          </a:prstGeom>
+          <a:noFill/>
+        </p:spPr>
+        <p:txBody>
+          <a:bodyPr wrap="square" rtlCol="0">
+            <a:spAutoFit/>
+          </a:bodyPr>
+          <a:lstStyle/>
+          <a:p>
+            <a:r>
+              <a:rPr lang="fr-FR" dirty="0" err="1"/>
+              <a:t>Almost</a:t>
+            </a:r>
+            <a:r>
+              <a:rPr lang="fr-FR" dirty="0"/>
+              <a:t> no </a:t>
+            </a:r>
+            <a:r>
+              <a:rPr lang="fr-FR" dirty="0" err="1"/>
+              <a:t>fees</a:t>
+            </a:r>
+            <a:endParaRPr lang="fr-FR" dirty="0"/>
+          </a:p>
+          <a:p>
+            <a:endParaRPr lang="fr-FR" dirty="0"/>
+          </a:p>
+          <a:p>
+            <a:r>
+              <a:rPr lang="fr-FR" dirty="0" err="1"/>
+              <a:t>Almost</a:t>
+            </a:r>
+            <a:r>
+              <a:rPr lang="fr-FR" dirty="0"/>
+              <a:t> </a:t>
+            </a:r>
+            <a:r>
+              <a:rPr lang="fr-FR" dirty="0" err="1"/>
+              <a:t>instantaneous</a:t>
+            </a:r>
+            <a:endParaRPr lang="fr-FR" dirty="0"/>
+          </a:p>
+        </p:txBody>
+      </p:sp>
     </p:spTree>
     <p:extLst>
       <p:ext uri="{BB962C8B-B14F-4D97-AF65-F5344CB8AC3E}">
-        <p14:creationId xmlns:p14="http://schemas.microsoft.com/office/powerpoint/2010/main" val="3899985557"/>
+        <p14:creationId xmlns:p14="http://schemas.microsoft.com/office/powerpoint/2010/main" val="3356867627"/>
       </p:ext>
     </p:extLst>
   </p:cSld>
@@ -5223,10 +9626,94 @@
       </p:grpSpPr>
       <p:sp>
         <p:nvSpPr>
-          <p:cNvPr id="2" name="Espace réservé du numéro de diapositive 1">
-            <a:extLst>
-              <a:ext uri="{FF2B5EF4-FFF2-40B4-BE49-F238E27FC236}">
-                <a16:creationId xmlns:a16="http://schemas.microsoft.com/office/drawing/2014/main" id="{B963AA24-B359-401B-A99D-879537671173}"/>
+          <p:cNvPr id="2" name="Titre 1">
+            <a:extLst>
+              <a:ext uri="{FF2B5EF4-FFF2-40B4-BE49-F238E27FC236}">
+                <a16:creationId xmlns:a16="http://schemas.microsoft.com/office/drawing/2014/main" id="{0805C1D6-D9B5-4534-94C2-3E57C7BACEBA}"/>
+              </a:ext>
+            </a:extLst>
+          </p:cNvPr>
+          <p:cNvSpPr>
+            <a:spLocks noGrp="1"/>
+          </p:cNvSpPr>
+          <p:nvPr>
+            <p:ph type="title"/>
+          </p:nvPr>
+        </p:nvSpPr>
+        <p:spPr/>
+        <p:txBody>
+          <a:bodyPr/>
+          <a:lstStyle/>
+          <a:p>
+            <a:r>
+              <a:rPr lang="fr-FR" dirty="0" err="1"/>
+              <a:t>Research</a:t>
+            </a:r>
+            <a:r>
+              <a:rPr lang="fr-FR" dirty="0"/>
+              <a:t> Project: </a:t>
+            </a:r>
+            <a:r>
+              <a:rPr lang="fr-FR" dirty="0" err="1"/>
+              <a:t>Presentation</a:t>
+            </a:r>
+            <a:endParaRPr lang="fr-FR" dirty="0"/>
+          </a:p>
+        </p:txBody>
+      </p:sp>
+      <p:sp>
+        <p:nvSpPr>
+          <p:cNvPr id="3" name="Espace réservé du contenu 2">
+            <a:extLst>
+              <a:ext uri="{FF2B5EF4-FFF2-40B4-BE49-F238E27FC236}">
+                <a16:creationId xmlns:a16="http://schemas.microsoft.com/office/drawing/2014/main" id="{C3EA1F46-CB7D-494D-BCFE-C224BB27EA89}"/>
+              </a:ext>
+            </a:extLst>
+          </p:cNvPr>
+          <p:cNvSpPr>
+            <a:spLocks noGrp="1"/>
+          </p:cNvSpPr>
+          <p:nvPr>
+            <p:ph idx="1"/>
+          </p:nvPr>
+        </p:nvSpPr>
+        <p:spPr>
+          <a:xfrm>
+            <a:off x="838200" y="1825625"/>
+            <a:ext cx="10515600" cy="1035021"/>
+          </a:xfrm>
+        </p:spPr>
+        <p:txBody>
+          <a:bodyPr/>
+          <a:lstStyle/>
+          <a:p>
+            <a:pPr marL="0" indent="0" algn="ctr">
+              <a:buNone/>
+            </a:pPr>
+            <a:r>
+              <a:rPr lang="en-US" sz="3200" dirty="0"/>
+              <a:t>Can we predict Tether’s market cap evolution using</a:t>
+            </a:r>
+            <a:br>
+              <a:rPr lang="en-US" sz="3200" dirty="0"/>
+            </a:br>
+            <a:r>
+              <a:rPr lang="en-US" sz="3200" dirty="0"/>
+              <a:t>other cryptocurrencies’s demand ? </a:t>
+            </a:r>
+            <a:endParaRPr lang="fr-FR" sz="3200" dirty="0"/>
+          </a:p>
+          <a:p>
+            <a:endParaRPr lang="fr-FR" dirty="0"/>
+          </a:p>
+        </p:txBody>
+      </p:sp>
+      <p:sp>
+        <p:nvSpPr>
+          <p:cNvPr id="4" name="Espace réservé du numéro de diapositive 3">
+            <a:extLst>
+              <a:ext uri="{FF2B5EF4-FFF2-40B4-BE49-F238E27FC236}">
+                <a16:creationId xmlns:a16="http://schemas.microsoft.com/office/drawing/2014/main" id="{C1B6CAFE-71D7-4F91-8F68-7AE4B314C968}"/>
               </a:ext>
             </a:extLst>
           </p:cNvPr>
@@ -5253,7 +9740,382 @@
     </p:spTree>
     <p:extLst>
       <p:ext uri="{BB962C8B-B14F-4D97-AF65-F5344CB8AC3E}">
-        <p14:creationId xmlns:p14="http://schemas.microsoft.com/office/powerpoint/2010/main" val="2570373840"/>
+        <p14:creationId xmlns:p14="http://schemas.microsoft.com/office/powerpoint/2010/main" val="1067660787"/>
+      </p:ext>
+    </p:extLst>
+  </p:cSld>
+  <p:clrMapOvr>
+    <a:masterClrMapping/>
+  </p:clrMapOvr>
+</p:sld>
+</file>
+
+<file path=ppt/slides/slide9.xml><?xml version="1.0" encoding="utf-8"?>
+<p:sld xmlns:a="http://schemas.openxmlformats.org/drawingml/2006/main" xmlns:r="http://schemas.openxmlformats.org/officeDocument/2006/relationships" xmlns:p="http://schemas.openxmlformats.org/presentationml/2006/main">
+  <p:cSld>
+    <p:spTree>
+      <p:nvGrpSpPr>
+        <p:cNvPr id="1" name=""/>
+        <p:cNvGrpSpPr/>
+        <p:nvPr/>
+      </p:nvGrpSpPr>
+      <p:grpSpPr>
+        <a:xfrm>
+          <a:off x="0" y="0"/>
+          <a:ext cx="0" cy="0"/>
+          <a:chOff x="0" y="0"/>
+          <a:chExt cx="0" cy="0"/>
+        </a:xfrm>
+      </p:grpSpPr>
+      <p:sp>
+        <p:nvSpPr>
+          <p:cNvPr id="2" name="Titre 1">
+            <a:extLst>
+              <a:ext uri="{FF2B5EF4-FFF2-40B4-BE49-F238E27FC236}">
+                <a16:creationId xmlns:a16="http://schemas.microsoft.com/office/drawing/2014/main" id="{0805C1D6-D9B5-4534-94C2-3E57C7BACEBA}"/>
+              </a:ext>
+            </a:extLst>
+          </p:cNvPr>
+          <p:cNvSpPr>
+            <a:spLocks noGrp="1"/>
+          </p:cNvSpPr>
+          <p:nvPr>
+            <p:ph type="title"/>
+          </p:nvPr>
+        </p:nvSpPr>
+        <p:spPr/>
+        <p:txBody>
+          <a:bodyPr/>
+          <a:lstStyle/>
+          <a:p>
+            <a:r>
+              <a:rPr lang="fr-FR" dirty="0" err="1"/>
+              <a:t>Research</a:t>
+            </a:r>
+            <a:r>
+              <a:rPr lang="fr-FR" dirty="0"/>
+              <a:t> Project: </a:t>
+            </a:r>
+            <a:r>
+              <a:rPr lang="fr-FR" dirty="0" err="1"/>
+              <a:t>Presentation</a:t>
+            </a:r>
+            <a:endParaRPr lang="fr-FR" dirty="0"/>
+          </a:p>
+        </p:txBody>
+      </p:sp>
+      <p:sp>
+        <p:nvSpPr>
+          <p:cNvPr id="3" name="Espace réservé du contenu 2">
+            <a:extLst>
+              <a:ext uri="{FF2B5EF4-FFF2-40B4-BE49-F238E27FC236}">
+                <a16:creationId xmlns:a16="http://schemas.microsoft.com/office/drawing/2014/main" id="{C3EA1F46-CB7D-494D-BCFE-C224BB27EA89}"/>
+              </a:ext>
+            </a:extLst>
+          </p:cNvPr>
+          <p:cNvSpPr>
+            <a:spLocks noGrp="1"/>
+          </p:cNvSpPr>
+          <p:nvPr>
+            <p:ph idx="1"/>
+          </p:nvPr>
+        </p:nvSpPr>
+        <p:spPr>
+          <a:xfrm>
+            <a:off x="838200" y="1825625"/>
+            <a:ext cx="10515600" cy="1035021"/>
+          </a:xfrm>
+        </p:spPr>
+        <p:txBody>
+          <a:bodyPr/>
+          <a:lstStyle/>
+          <a:p>
+            <a:pPr marL="0" indent="0" algn="ctr">
+              <a:buNone/>
+            </a:pPr>
+            <a:r>
+              <a:rPr lang="en-US" sz="3200" dirty="0"/>
+              <a:t>Can we predict Tether’s market cap evolution using</a:t>
+            </a:r>
+            <a:br>
+              <a:rPr lang="en-US" sz="3200" dirty="0"/>
+            </a:br>
+            <a:r>
+              <a:rPr lang="en-US" sz="3200" dirty="0"/>
+              <a:t>other cryptocurrencies’s demand ? </a:t>
+            </a:r>
+            <a:endParaRPr lang="fr-FR" sz="3200" dirty="0"/>
+          </a:p>
+          <a:p>
+            <a:endParaRPr lang="fr-FR" dirty="0"/>
+          </a:p>
+        </p:txBody>
+      </p:sp>
+      <p:sp>
+        <p:nvSpPr>
+          <p:cNvPr id="4" name="Espace réservé du numéro de diapositive 3">
+            <a:extLst>
+              <a:ext uri="{FF2B5EF4-FFF2-40B4-BE49-F238E27FC236}">
+                <a16:creationId xmlns:a16="http://schemas.microsoft.com/office/drawing/2014/main" id="{C1B6CAFE-71D7-4F91-8F68-7AE4B314C968}"/>
+              </a:ext>
+            </a:extLst>
+          </p:cNvPr>
+          <p:cNvSpPr>
+            <a:spLocks noGrp="1"/>
+          </p:cNvSpPr>
+          <p:nvPr>
+            <p:ph type="sldNum" sz="quarter" idx="12"/>
+          </p:nvPr>
+        </p:nvSpPr>
+        <p:spPr/>
+        <p:txBody>
+          <a:bodyPr/>
+          <a:lstStyle/>
+          <a:p>
+            <a:fld id="{3BBC5373-DBF4-4701-8A2E-788485DDEAFD}" type="slidenum">
+              <a:rPr lang="fr-FR" smtClean="0"/>
+              <a:t>9</a:t>
+            </a:fld>
+            <a:endParaRPr lang="fr-FR"/>
+          </a:p>
+        </p:txBody>
+      </p:sp>
+      <p:sp>
+        <p:nvSpPr>
+          <p:cNvPr id="6" name="Espace réservé du contenu 2">
+            <a:extLst>
+              <a:ext uri="{FF2B5EF4-FFF2-40B4-BE49-F238E27FC236}">
+                <a16:creationId xmlns:a16="http://schemas.microsoft.com/office/drawing/2014/main" id="{2A8FDF41-4C77-4846-9C21-3ED581D4EE17}"/>
+              </a:ext>
+            </a:extLst>
+          </p:cNvPr>
+          <p:cNvSpPr txBox="1">
+            <a:spLocks/>
+          </p:cNvSpPr>
+          <p:nvPr/>
+        </p:nvSpPr>
+        <p:spPr>
+          <a:xfrm>
+            <a:off x="838200" y="2911489"/>
+            <a:ext cx="10515600" cy="1035021"/>
+          </a:xfrm>
+          <a:prstGeom prst="rect">
+            <a:avLst/>
+          </a:prstGeom>
+        </p:spPr>
+        <p:txBody>
+          <a:bodyPr/>
+          <a:lstStyle>
+            <a:lvl1pPr marL="228600" indent="-228600" algn="l" defTabSz="914400" rtl="0" eaLnBrk="1" latinLnBrk="0" hangingPunct="1">
+              <a:lnSpc>
+                <a:spcPct val="90000"/>
+              </a:lnSpc>
+              <a:spcBef>
+                <a:spcPts val="1000"/>
+              </a:spcBef>
+              <a:buFont typeface="Arial" panose="020B0604020202020204" pitchFamily="34" charset="0"/>
+              <a:buChar char="•"/>
+              <a:defRPr sz="2800" kern="1200">
+                <a:solidFill>
+                  <a:schemeClr val="tx1"/>
+                </a:solidFill>
+                <a:latin typeface="+mn-lt"/>
+                <a:ea typeface="+mn-ea"/>
+                <a:cs typeface="+mn-cs"/>
+              </a:defRPr>
+            </a:lvl1pPr>
+            <a:lvl2pPr marL="685800" indent="-228600" algn="l" defTabSz="914400" rtl="0" eaLnBrk="1" latinLnBrk="0" hangingPunct="1">
+              <a:lnSpc>
+                <a:spcPct val="90000"/>
+              </a:lnSpc>
+              <a:spcBef>
+                <a:spcPts val="500"/>
+              </a:spcBef>
+              <a:buFont typeface="Arial" panose="020B0604020202020204" pitchFamily="34" charset="0"/>
+              <a:buChar char="•"/>
+              <a:defRPr sz="2400" kern="1200">
+                <a:solidFill>
+                  <a:schemeClr val="tx1"/>
+                </a:solidFill>
+                <a:latin typeface="+mn-lt"/>
+                <a:ea typeface="+mn-ea"/>
+                <a:cs typeface="+mn-cs"/>
+              </a:defRPr>
+            </a:lvl2pPr>
+            <a:lvl3pPr marL="1143000" indent="-228600" algn="l" defTabSz="914400" rtl="0" eaLnBrk="1" latinLnBrk="0" hangingPunct="1">
+              <a:lnSpc>
+                <a:spcPct val="90000"/>
+              </a:lnSpc>
+              <a:spcBef>
+                <a:spcPts val="500"/>
+              </a:spcBef>
+              <a:buFont typeface="Arial" panose="020B0604020202020204" pitchFamily="34" charset="0"/>
+              <a:buChar char="•"/>
+              <a:defRPr sz="2000" kern="1200">
+                <a:solidFill>
+                  <a:schemeClr val="tx1"/>
+                </a:solidFill>
+                <a:latin typeface="+mn-lt"/>
+                <a:ea typeface="+mn-ea"/>
+                <a:cs typeface="+mn-cs"/>
+              </a:defRPr>
+            </a:lvl3pPr>
+            <a:lvl4pPr marL="1600200" indent="-228600" algn="l" defTabSz="914400" rtl="0" eaLnBrk="1" latinLnBrk="0" hangingPunct="1">
+              <a:lnSpc>
+                <a:spcPct val="90000"/>
+              </a:lnSpc>
+              <a:spcBef>
+                <a:spcPts val="500"/>
+              </a:spcBef>
+              <a:buFont typeface="Arial" panose="020B0604020202020204" pitchFamily="34" charset="0"/>
+              <a:buChar char="•"/>
+              <a:defRPr sz="1800" kern="1200">
+                <a:solidFill>
+                  <a:schemeClr val="tx1"/>
+                </a:solidFill>
+                <a:latin typeface="+mn-lt"/>
+                <a:ea typeface="+mn-ea"/>
+                <a:cs typeface="+mn-cs"/>
+              </a:defRPr>
+            </a:lvl4pPr>
+            <a:lvl5pPr marL="2057400" indent="-228600" algn="l" defTabSz="914400" rtl="0" eaLnBrk="1" latinLnBrk="0" hangingPunct="1">
+              <a:lnSpc>
+                <a:spcPct val="90000"/>
+              </a:lnSpc>
+              <a:spcBef>
+                <a:spcPts val="500"/>
+              </a:spcBef>
+              <a:buFont typeface="Arial" panose="020B0604020202020204" pitchFamily="34" charset="0"/>
+              <a:buChar char="•"/>
+              <a:defRPr sz="1800" kern="1200">
+                <a:solidFill>
+                  <a:schemeClr val="tx1"/>
+                </a:solidFill>
+                <a:latin typeface="+mn-lt"/>
+                <a:ea typeface="+mn-ea"/>
+                <a:cs typeface="+mn-cs"/>
+              </a:defRPr>
+            </a:lvl5pPr>
+            <a:lvl6pPr marL="2514600" indent="-228600" algn="l" defTabSz="914400" rtl="0" eaLnBrk="1" latinLnBrk="0" hangingPunct="1">
+              <a:lnSpc>
+                <a:spcPct val="90000"/>
+              </a:lnSpc>
+              <a:spcBef>
+                <a:spcPts val="500"/>
+              </a:spcBef>
+              <a:buFont typeface="Arial" panose="020B0604020202020204" pitchFamily="34" charset="0"/>
+              <a:buChar char="•"/>
+              <a:defRPr sz="1800" kern="1200">
+                <a:solidFill>
+                  <a:schemeClr val="tx1"/>
+                </a:solidFill>
+                <a:latin typeface="+mn-lt"/>
+                <a:ea typeface="+mn-ea"/>
+                <a:cs typeface="+mn-cs"/>
+              </a:defRPr>
+            </a:lvl6pPr>
+            <a:lvl7pPr marL="2971800" indent="-228600" algn="l" defTabSz="914400" rtl="0" eaLnBrk="1" latinLnBrk="0" hangingPunct="1">
+              <a:lnSpc>
+                <a:spcPct val="90000"/>
+              </a:lnSpc>
+              <a:spcBef>
+                <a:spcPts val="500"/>
+              </a:spcBef>
+              <a:buFont typeface="Arial" panose="020B0604020202020204" pitchFamily="34" charset="0"/>
+              <a:buChar char="•"/>
+              <a:defRPr sz="1800" kern="1200">
+                <a:solidFill>
+                  <a:schemeClr val="tx1"/>
+                </a:solidFill>
+                <a:latin typeface="+mn-lt"/>
+                <a:ea typeface="+mn-ea"/>
+                <a:cs typeface="+mn-cs"/>
+              </a:defRPr>
+            </a:lvl7pPr>
+            <a:lvl8pPr marL="3429000" indent="-228600" algn="l" defTabSz="914400" rtl="0" eaLnBrk="1" latinLnBrk="0" hangingPunct="1">
+              <a:lnSpc>
+                <a:spcPct val="90000"/>
+              </a:lnSpc>
+              <a:spcBef>
+                <a:spcPts val="500"/>
+              </a:spcBef>
+              <a:buFont typeface="Arial" panose="020B0604020202020204" pitchFamily="34" charset="0"/>
+              <a:buChar char="•"/>
+              <a:defRPr sz="1800" kern="1200">
+                <a:solidFill>
+                  <a:schemeClr val="tx1"/>
+                </a:solidFill>
+                <a:latin typeface="+mn-lt"/>
+                <a:ea typeface="+mn-ea"/>
+                <a:cs typeface="+mn-cs"/>
+              </a:defRPr>
+            </a:lvl8pPr>
+            <a:lvl9pPr marL="3886200" indent="-228600" algn="l" defTabSz="914400" rtl="0" eaLnBrk="1" latinLnBrk="0" hangingPunct="1">
+              <a:lnSpc>
+                <a:spcPct val="90000"/>
+              </a:lnSpc>
+              <a:spcBef>
+                <a:spcPts val="500"/>
+              </a:spcBef>
+              <a:buFont typeface="Arial" panose="020B0604020202020204" pitchFamily="34" charset="0"/>
+              <a:buChar char="•"/>
+              <a:defRPr sz="1800" kern="1200">
+                <a:solidFill>
+                  <a:schemeClr val="tx1"/>
+                </a:solidFill>
+                <a:latin typeface="+mn-lt"/>
+                <a:ea typeface="+mn-ea"/>
+                <a:cs typeface="+mn-cs"/>
+              </a:defRPr>
+            </a:lvl9pPr>
+          </a:lstStyle>
+          <a:p>
+            <a:pPr marL="0" indent="0">
+              <a:buFont typeface="Arial" panose="020B0604020202020204" pitchFamily="34" charset="0"/>
+              <a:buNone/>
+            </a:pPr>
+            <a:r>
+              <a:rPr lang="fr-FR" sz="3200" dirty="0" err="1"/>
+              <a:t>What</a:t>
+            </a:r>
+            <a:r>
+              <a:rPr lang="fr-FR" sz="3200" dirty="0"/>
+              <a:t> </a:t>
+            </a:r>
+            <a:r>
+              <a:rPr lang="fr-FR" sz="3200" dirty="0" err="1"/>
+              <a:t>does</a:t>
+            </a:r>
+            <a:r>
+              <a:rPr lang="fr-FR" sz="3200" dirty="0"/>
+              <a:t> </a:t>
+            </a:r>
+            <a:r>
+              <a:rPr lang="fr-FR" sz="3200" dirty="0" err="1"/>
+              <a:t>it</a:t>
+            </a:r>
+            <a:r>
+              <a:rPr lang="fr-FR" sz="3200" dirty="0"/>
+              <a:t> </a:t>
+            </a:r>
+            <a:r>
+              <a:rPr lang="fr-FR" sz="3200" dirty="0" err="1"/>
+              <a:t>mean</a:t>
+            </a:r>
+            <a:r>
+              <a:rPr lang="fr-FR" sz="3200" dirty="0"/>
+              <a:t> ?</a:t>
+            </a:r>
+          </a:p>
+          <a:p>
+            <a:endParaRPr lang="fr-FR" dirty="0"/>
+          </a:p>
+        </p:txBody>
+      </p:sp>
+    </p:spTree>
+    <p:extLst>
+      <p:ext uri="{BB962C8B-B14F-4D97-AF65-F5344CB8AC3E}">
+        <p14:creationId xmlns:p14="http://schemas.microsoft.com/office/powerpoint/2010/main" val="613031744"/>
       </p:ext>
     </p:extLst>
   </p:cSld>
